--- a/ModelArchitecture/ModelArch.pptx
+++ b/ModelArchitecture/ModelArch.pptx
@@ -2,13 +2,13 @@
 <file path=ppt/presentation.xml><?xml version="1.0" encoding="utf-8"?>
 <p:presentation xmlns:a="http://schemas.openxmlformats.org/drawingml/2006/main" xmlns:r="http://schemas.openxmlformats.org/officeDocument/2006/relationships" xmlns:p="http://schemas.openxmlformats.org/presentationml/2006/main" saveSubsetFonts="1" autoCompressPictures="0">
   <p:sldMasterIdLst>
-    <p:sldMasterId id="2147483672" r:id="rId1"/>
+    <p:sldMasterId id="2147483660" r:id="rId1"/>
   </p:sldMasterIdLst>
   <p:sldIdLst>
     <p:sldId id="259" r:id="rId2"/>
     <p:sldId id="258" r:id="rId3"/>
   </p:sldIdLst>
-  <p:sldSz cx="6480175" cy="7199313"/>
+  <p:sldSz cx="9944100" cy="11879263"/>
   <p:notesSz cx="6858000" cy="9144000"/>
   <p:defaultTextStyle>
     <a:defPPr>
@@ -115,7 +115,7 @@
 
 <file path=ppt/slideLayouts/slideLayout1.xml><?xml version="1.0" encoding="utf-8"?>
 <p:sldLayout xmlns:a="http://schemas.openxmlformats.org/drawingml/2006/main" xmlns:r="http://schemas.openxmlformats.org/officeDocument/2006/relationships" xmlns:p="http://schemas.openxmlformats.org/presentationml/2006/main" type="title" preserve="1">
-  <p:cSld name="标题幻灯片">
+  <p:cSld name="Title Slide">
     <p:spTree>
       <p:nvGrpSpPr>
         <p:cNvPr id="1" name=""/>
@@ -142,21 +142,21 @@
         </p:nvSpPr>
         <p:spPr>
           <a:xfrm>
-            <a:off x="486013" y="1178222"/>
-            <a:ext cx="5508149" cy="2506427"/>
+            <a:off x="745808" y="1944130"/>
+            <a:ext cx="8452485" cy="4135743"/>
           </a:xfrm>
         </p:spPr>
         <p:txBody>
           <a:bodyPr anchor="b"/>
           <a:lstStyle>
             <a:lvl1pPr algn="ctr">
-              <a:defRPr sz="4252"/>
+              <a:defRPr sz="6525"/>
             </a:lvl1pPr>
           </a:lstStyle>
           <a:p>
             <a:r>
-              <a:rPr lang="zh-CN" altLang="en-US"/>
-              <a:t>单击此处编辑母版标题样式</a:t>
+              <a:rPr lang="en-US"/>
+              <a:t>Click to edit Master title style</a:t>
             </a:r>
             <a:endParaRPr lang="en-US" dirty="0"/>
           </a:p>
@@ -174,8 +174,8 @@
         </p:nvSpPr>
         <p:spPr>
           <a:xfrm>
-            <a:off x="810022" y="3781306"/>
-            <a:ext cx="4860131" cy="1738167"/>
+            <a:off x="1243013" y="6239364"/>
+            <a:ext cx="7458075" cy="2868071"/>
           </a:xfrm>
         </p:spPr>
         <p:txBody>
@@ -183,45 +183,45 @@
           <a:lstStyle>
             <a:lvl1pPr marL="0" indent="0" algn="ctr">
               <a:buNone/>
-              <a:defRPr sz="1701"/>
+              <a:defRPr sz="2610"/>
             </a:lvl1pPr>
-            <a:lvl2pPr marL="324018" indent="0" algn="ctr">
+            <a:lvl2pPr marL="497205" indent="0" algn="ctr">
               <a:buNone/>
-              <a:defRPr sz="1417"/>
+              <a:defRPr sz="2175"/>
             </a:lvl2pPr>
-            <a:lvl3pPr marL="648035" indent="0" algn="ctr">
+            <a:lvl3pPr marL="994410" indent="0" algn="ctr">
               <a:buNone/>
-              <a:defRPr sz="1276"/>
+              <a:defRPr sz="1958"/>
             </a:lvl3pPr>
-            <a:lvl4pPr marL="972053" indent="0" algn="ctr">
+            <a:lvl4pPr marL="1491615" indent="0" algn="ctr">
               <a:buNone/>
-              <a:defRPr sz="1134"/>
+              <a:defRPr sz="1740"/>
             </a:lvl4pPr>
-            <a:lvl5pPr marL="1296071" indent="0" algn="ctr">
+            <a:lvl5pPr marL="1988820" indent="0" algn="ctr">
               <a:buNone/>
-              <a:defRPr sz="1134"/>
+              <a:defRPr sz="1740"/>
             </a:lvl5pPr>
-            <a:lvl6pPr marL="1620088" indent="0" algn="ctr">
+            <a:lvl6pPr marL="2486025" indent="0" algn="ctr">
               <a:buNone/>
-              <a:defRPr sz="1134"/>
+              <a:defRPr sz="1740"/>
             </a:lvl6pPr>
-            <a:lvl7pPr marL="1944106" indent="0" algn="ctr">
+            <a:lvl7pPr marL="2983230" indent="0" algn="ctr">
               <a:buNone/>
-              <a:defRPr sz="1134"/>
+              <a:defRPr sz="1740"/>
             </a:lvl7pPr>
-            <a:lvl8pPr marL="2268123" indent="0" algn="ctr">
+            <a:lvl8pPr marL="3480435" indent="0" algn="ctr">
               <a:buNone/>
-              <a:defRPr sz="1134"/>
+              <a:defRPr sz="1740"/>
             </a:lvl8pPr>
-            <a:lvl9pPr marL="2592141" indent="0" algn="ctr">
+            <a:lvl9pPr marL="3977640" indent="0" algn="ctr">
               <a:buNone/>
-              <a:defRPr sz="1134"/>
+              <a:defRPr sz="1740"/>
             </a:lvl9pPr>
           </a:lstStyle>
           <a:p>
             <a:r>
-              <a:rPr lang="zh-CN" altLang="en-US"/>
-              <a:t>单击此处编辑母版副标题样式</a:t>
+              <a:rPr lang="en-US"/>
+              <a:t>Click to edit Master subtitle style</a:t>
             </a:r>
             <a:endParaRPr lang="en-US" dirty="0"/>
           </a:p>
@@ -244,7 +244,7 @@
           <a:p>
             <a:fld id="{47F7A362-9A1F-6847-950F-2BF88D0CE876}" type="datetimeFigureOut">
               <a:rPr lang="en-CN" smtClean="0"/>
-              <a:t>01/14/2021</a:t>
+              <a:t>2020/12/21</a:t>
             </a:fld>
             <a:endParaRPr lang="en-CN"/>
           </a:p>
@@ -295,7 +295,7 @@
     </p:spTree>
     <p:extLst>
       <p:ext uri="{BB962C8B-B14F-4D97-AF65-F5344CB8AC3E}">
-        <p14:creationId xmlns:p14="http://schemas.microsoft.com/office/powerpoint/2010/main" val="2764729249"/>
+        <p14:creationId xmlns:p14="http://schemas.microsoft.com/office/powerpoint/2010/main" val="2362116407"/>
       </p:ext>
     </p:extLst>
   </p:cSld>
@@ -307,7 +307,7 @@
 
 <file path=ppt/slideLayouts/slideLayout10.xml><?xml version="1.0" encoding="utf-8"?>
 <p:sldLayout xmlns:a="http://schemas.openxmlformats.org/drawingml/2006/main" xmlns:r="http://schemas.openxmlformats.org/officeDocument/2006/relationships" xmlns:p="http://schemas.openxmlformats.org/presentationml/2006/main" type="vertTx" preserve="1">
-  <p:cSld name="标题和竖排文字">
+  <p:cSld name="Title and Vertical Text">
     <p:spTree>
       <p:nvGrpSpPr>
         <p:cNvPr id="1" name=""/>
@@ -338,8 +338,8 @@
           <a:lstStyle/>
           <a:p>
             <a:r>
-              <a:rPr lang="zh-CN" altLang="en-US"/>
-              <a:t>单击此处编辑母版标题样式</a:t>
+              <a:rPr lang="en-US"/>
+              <a:t>Click to edit Master title style</a:t>
             </a:r>
             <a:endParaRPr lang="en-US" dirty="0"/>
           </a:p>
@@ -362,36 +362,36 @@
           <a:p>
             <a:pPr lvl="0"/>
             <a:r>
-              <a:rPr lang="zh-CN" altLang="en-US"/>
-              <a:t>编辑母版文本样式</a:t>
+              <a:rPr lang="en-US"/>
+              <a:t>Click to edit Master text styles</a:t>
             </a:r>
           </a:p>
           <a:p>
             <a:pPr lvl="1"/>
             <a:r>
-              <a:rPr lang="zh-CN" altLang="en-US"/>
-              <a:t>第二级</a:t>
+              <a:rPr lang="en-US"/>
+              <a:t>Second level</a:t>
             </a:r>
           </a:p>
           <a:p>
             <a:pPr lvl="2"/>
             <a:r>
-              <a:rPr lang="zh-CN" altLang="en-US"/>
-              <a:t>第三级</a:t>
+              <a:rPr lang="en-US"/>
+              <a:t>Third level</a:t>
             </a:r>
           </a:p>
           <a:p>
             <a:pPr lvl="3"/>
             <a:r>
-              <a:rPr lang="zh-CN" altLang="en-US"/>
-              <a:t>第四级</a:t>
+              <a:rPr lang="en-US"/>
+              <a:t>Fourth level</a:t>
             </a:r>
           </a:p>
           <a:p>
             <a:pPr lvl="4"/>
             <a:r>
-              <a:rPr lang="zh-CN" altLang="en-US"/>
-              <a:t>第五级</a:t>
+              <a:rPr lang="en-US"/>
+              <a:t>Fifth level</a:t>
             </a:r>
             <a:endParaRPr lang="en-US" dirty="0"/>
           </a:p>
@@ -414,7 +414,7 @@
           <a:p>
             <a:fld id="{47F7A362-9A1F-6847-950F-2BF88D0CE876}" type="datetimeFigureOut">
               <a:rPr lang="en-CN" smtClean="0"/>
-              <a:t>01/14/2021</a:t>
+              <a:t>2020/12/21</a:t>
             </a:fld>
             <a:endParaRPr lang="en-CN"/>
           </a:p>
@@ -465,7 +465,7 @@
     </p:spTree>
     <p:extLst>
       <p:ext uri="{BB962C8B-B14F-4D97-AF65-F5344CB8AC3E}">
-        <p14:creationId xmlns:p14="http://schemas.microsoft.com/office/powerpoint/2010/main" val="1393116922"/>
+        <p14:creationId xmlns:p14="http://schemas.microsoft.com/office/powerpoint/2010/main" val="788544362"/>
       </p:ext>
     </p:extLst>
   </p:cSld>
@@ -477,7 +477,7 @@
 
 <file path=ppt/slideLayouts/slideLayout11.xml><?xml version="1.0" encoding="utf-8"?>
 <p:sldLayout xmlns:a="http://schemas.openxmlformats.org/drawingml/2006/main" xmlns:r="http://schemas.openxmlformats.org/officeDocument/2006/relationships" xmlns:p="http://schemas.openxmlformats.org/presentationml/2006/main" type="vertTitleAndTx" preserve="1">
-  <p:cSld name="竖排标题与文本">
+  <p:cSld name="Vertical Title and Text">
     <p:spTree>
       <p:nvGrpSpPr>
         <p:cNvPr id="1" name=""/>
@@ -504,8 +504,8 @@
         </p:nvSpPr>
         <p:spPr>
           <a:xfrm>
-            <a:off x="4637375" y="383297"/>
-            <a:ext cx="1397288" cy="6101085"/>
+            <a:off x="7116247" y="632461"/>
+            <a:ext cx="2144197" cy="10067126"/>
           </a:xfrm>
         </p:spPr>
         <p:txBody>
@@ -513,8 +513,8 @@
           <a:lstStyle/>
           <a:p>
             <a:r>
-              <a:rPr lang="zh-CN" altLang="en-US"/>
-              <a:t>单击此处编辑母版标题样式</a:t>
+              <a:rPr lang="en-US"/>
+              <a:t>Click to edit Master title style</a:t>
             </a:r>
             <a:endParaRPr lang="en-US" dirty="0"/>
           </a:p>
@@ -532,8 +532,8 @@
         </p:nvSpPr>
         <p:spPr>
           <a:xfrm>
-            <a:off x="445512" y="383297"/>
-            <a:ext cx="4110861" cy="6101085"/>
+            <a:off x="683658" y="632461"/>
+            <a:ext cx="6308288" cy="10067126"/>
           </a:xfrm>
         </p:spPr>
         <p:txBody>
@@ -542,36 +542,36 @@
           <a:p>
             <a:pPr lvl="0"/>
             <a:r>
-              <a:rPr lang="zh-CN" altLang="en-US"/>
-              <a:t>编辑母版文本样式</a:t>
+              <a:rPr lang="en-US"/>
+              <a:t>Click to edit Master text styles</a:t>
             </a:r>
           </a:p>
           <a:p>
             <a:pPr lvl="1"/>
             <a:r>
-              <a:rPr lang="zh-CN" altLang="en-US"/>
-              <a:t>第二级</a:t>
+              <a:rPr lang="en-US"/>
+              <a:t>Second level</a:t>
             </a:r>
           </a:p>
           <a:p>
             <a:pPr lvl="2"/>
             <a:r>
-              <a:rPr lang="zh-CN" altLang="en-US"/>
-              <a:t>第三级</a:t>
+              <a:rPr lang="en-US"/>
+              <a:t>Third level</a:t>
             </a:r>
           </a:p>
           <a:p>
             <a:pPr lvl="3"/>
             <a:r>
-              <a:rPr lang="zh-CN" altLang="en-US"/>
-              <a:t>第四级</a:t>
+              <a:rPr lang="en-US"/>
+              <a:t>Fourth level</a:t>
             </a:r>
           </a:p>
           <a:p>
             <a:pPr lvl="4"/>
             <a:r>
-              <a:rPr lang="zh-CN" altLang="en-US"/>
-              <a:t>第五级</a:t>
+              <a:rPr lang="en-US"/>
+              <a:t>Fifth level</a:t>
             </a:r>
             <a:endParaRPr lang="en-US" dirty="0"/>
           </a:p>
@@ -594,7 +594,7 @@
           <a:p>
             <a:fld id="{47F7A362-9A1F-6847-950F-2BF88D0CE876}" type="datetimeFigureOut">
               <a:rPr lang="en-CN" smtClean="0"/>
-              <a:t>01/14/2021</a:t>
+              <a:t>2020/12/21</a:t>
             </a:fld>
             <a:endParaRPr lang="en-CN"/>
           </a:p>
@@ -645,7 +645,7 @@
     </p:spTree>
     <p:extLst>
       <p:ext uri="{BB962C8B-B14F-4D97-AF65-F5344CB8AC3E}">
-        <p14:creationId xmlns:p14="http://schemas.microsoft.com/office/powerpoint/2010/main" val="2850753050"/>
+        <p14:creationId xmlns:p14="http://schemas.microsoft.com/office/powerpoint/2010/main" val="2784939396"/>
       </p:ext>
     </p:extLst>
   </p:cSld>
@@ -657,7 +657,7 @@
 
 <file path=ppt/slideLayouts/slideLayout2.xml><?xml version="1.0" encoding="utf-8"?>
 <p:sldLayout xmlns:a="http://schemas.openxmlformats.org/drawingml/2006/main" xmlns:r="http://schemas.openxmlformats.org/officeDocument/2006/relationships" xmlns:p="http://schemas.openxmlformats.org/presentationml/2006/main" type="obj" preserve="1">
-  <p:cSld name="标题和内容">
+  <p:cSld name="Title and Content">
     <p:spTree>
       <p:nvGrpSpPr>
         <p:cNvPr id="1" name=""/>
@@ -688,8 +688,8 @@
           <a:lstStyle/>
           <a:p>
             <a:r>
-              <a:rPr lang="zh-CN" altLang="en-US"/>
-              <a:t>单击此处编辑母版标题样式</a:t>
+              <a:rPr lang="en-US"/>
+              <a:t>Click to edit Master title style</a:t>
             </a:r>
             <a:endParaRPr lang="en-US" dirty="0"/>
           </a:p>
@@ -712,36 +712,36 @@
           <a:p>
             <a:pPr lvl="0"/>
             <a:r>
-              <a:rPr lang="zh-CN" altLang="en-US"/>
-              <a:t>编辑母版文本样式</a:t>
+              <a:rPr lang="en-US"/>
+              <a:t>Click to edit Master text styles</a:t>
             </a:r>
           </a:p>
           <a:p>
             <a:pPr lvl="1"/>
             <a:r>
-              <a:rPr lang="zh-CN" altLang="en-US"/>
-              <a:t>第二级</a:t>
+              <a:rPr lang="en-US"/>
+              <a:t>Second level</a:t>
             </a:r>
           </a:p>
           <a:p>
             <a:pPr lvl="2"/>
             <a:r>
-              <a:rPr lang="zh-CN" altLang="en-US"/>
-              <a:t>第三级</a:t>
+              <a:rPr lang="en-US"/>
+              <a:t>Third level</a:t>
             </a:r>
           </a:p>
           <a:p>
             <a:pPr lvl="3"/>
             <a:r>
-              <a:rPr lang="zh-CN" altLang="en-US"/>
-              <a:t>第四级</a:t>
+              <a:rPr lang="en-US"/>
+              <a:t>Fourth level</a:t>
             </a:r>
           </a:p>
           <a:p>
             <a:pPr lvl="4"/>
             <a:r>
-              <a:rPr lang="zh-CN" altLang="en-US"/>
-              <a:t>第五级</a:t>
+              <a:rPr lang="en-US"/>
+              <a:t>Fifth level</a:t>
             </a:r>
             <a:endParaRPr lang="en-US" dirty="0"/>
           </a:p>
@@ -764,7 +764,7 @@
           <a:p>
             <a:fld id="{47F7A362-9A1F-6847-950F-2BF88D0CE876}" type="datetimeFigureOut">
               <a:rPr lang="en-CN" smtClean="0"/>
-              <a:t>01/14/2021</a:t>
+              <a:t>2020/12/21</a:t>
             </a:fld>
             <a:endParaRPr lang="en-CN"/>
           </a:p>
@@ -815,7 +815,7 @@
     </p:spTree>
     <p:extLst>
       <p:ext uri="{BB962C8B-B14F-4D97-AF65-F5344CB8AC3E}">
-        <p14:creationId xmlns:p14="http://schemas.microsoft.com/office/powerpoint/2010/main" val="4066248891"/>
+        <p14:creationId xmlns:p14="http://schemas.microsoft.com/office/powerpoint/2010/main" val="1365611021"/>
       </p:ext>
     </p:extLst>
   </p:cSld>
@@ -827,7 +827,7 @@
 
 <file path=ppt/slideLayouts/slideLayout3.xml><?xml version="1.0" encoding="utf-8"?>
 <p:sldLayout xmlns:a="http://schemas.openxmlformats.org/drawingml/2006/main" xmlns:r="http://schemas.openxmlformats.org/officeDocument/2006/relationships" xmlns:p="http://schemas.openxmlformats.org/presentationml/2006/main" type="secHead" preserve="1">
-  <p:cSld name="节标题">
+  <p:cSld name="Section Header">
     <p:spTree>
       <p:nvGrpSpPr>
         <p:cNvPr id="1" name=""/>
@@ -854,21 +854,21 @@
         </p:nvSpPr>
         <p:spPr>
           <a:xfrm>
-            <a:off x="442137" y="1794831"/>
-            <a:ext cx="5589151" cy="2994714"/>
+            <a:off x="678478" y="2961570"/>
+            <a:ext cx="8576786" cy="4941443"/>
           </a:xfrm>
         </p:spPr>
         <p:txBody>
           <a:bodyPr anchor="b"/>
           <a:lstStyle>
             <a:lvl1pPr>
-              <a:defRPr sz="4252"/>
+              <a:defRPr sz="6525"/>
             </a:lvl1pPr>
           </a:lstStyle>
           <a:p>
             <a:r>
-              <a:rPr lang="zh-CN" altLang="en-US"/>
-              <a:t>单击此处编辑母版标题样式</a:t>
+              <a:rPr lang="en-US"/>
+              <a:t>Click to edit Master title style</a:t>
             </a:r>
             <a:endParaRPr lang="en-US" dirty="0"/>
           </a:p>
@@ -886,8 +886,8 @@
         </p:nvSpPr>
         <p:spPr>
           <a:xfrm>
-            <a:off x="442137" y="4817876"/>
-            <a:ext cx="5589151" cy="1574849"/>
+            <a:off x="678478" y="7949760"/>
+            <a:ext cx="8576786" cy="2598588"/>
           </a:xfrm>
         </p:spPr>
         <p:txBody>
@@ -895,15 +895,15 @@
           <a:lstStyle>
             <a:lvl1pPr marL="0" indent="0">
               <a:buNone/>
-              <a:defRPr sz="1701">
+              <a:defRPr sz="2610">
                 <a:solidFill>
                   <a:schemeClr val="tx1"/>
                 </a:solidFill>
               </a:defRPr>
             </a:lvl1pPr>
-            <a:lvl2pPr marL="324018" indent="0">
+            <a:lvl2pPr marL="497205" indent="0">
               <a:buNone/>
-              <a:defRPr sz="1417">
+              <a:defRPr sz="2175">
                 <a:solidFill>
                   <a:schemeClr val="tx1">
                     <a:tint val="75000"/>
@@ -911,9 +911,9 @@
                 </a:solidFill>
               </a:defRPr>
             </a:lvl2pPr>
-            <a:lvl3pPr marL="648035" indent="0">
+            <a:lvl3pPr marL="994410" indent="0">
               <a:buNone/>
-              <a:defRPr sz="1276">
+              <a:defRPr sz="1958">
                 <a:solidFill>
                   <a:schemeClr val="tx1">
                     <a:tint val="75000"/>
@@ -921,9 +921,9 @@
                 </a:solidFill>
               </a:defRPr>
             </a:lvl3pPr>
-            <a:lvl4pPr marL="972053" indent="0">
+            <a:lvl4pPr marL="1491615" indent="0">
               <a:buNone/>
-              <a:defRPr sz="1134">
+              <a:defRPr sz="1740">
                 <a:solidFill>
                   <a:schemeClr val="tx1">
                     <a:tint val="75000"/>
@@ -931,9 +931,9 @@
                 </a:solidFill>
               </a:defRPr>
             </a:lvl4pPr>
-            <a:lvl5pPr marL="1296071" indent="0">
+            <a:lvl5pPr marL="1988820" indent="0">
               <a:buNone/>
-              <a:defRPr sz="1134">
+              <a:defRPr sz="1740">
                 <a:solidFill>
                   <a:schemeClr val="tx1">
                     <a:tint val="75000"/>
@@ -941,9 +941,9 @@
                 </a:solidFill>
               </a:defRPr>
             </a:lvl5pPr>
-            <a:lvl6pPr marL="1620088" indent="0">
+            <a:lvl6pPr marL="2486025" indent="0">
               <a:buNone/>
-              <a:defRPr sz="1134">
+              <a:defRPr sz="1740">
                 <a:solidFill>
                   <a:schemeClr val="tx1">
                     <a:tint val="75000"/>
@@ -951,9 +951,9 @@
                 </a:solidFill>
               </a:defRPr>
             </a:lvl6pPr>
-            <a:lvl7pPr marL="1944106" indent="0">
+            <a:lvl7pPr marL="2983230" indent="0">
               <a:buNone/>
-              <a:defRPr sz="1134">
+              <a:defRPr sz="1740">
                 <a:solidFill>
                   <a:schemeClr val="tx1">
                     <a:tint val="75000"/>
@@ -961,9 +961,9 @@
                 </a:solidFill>
               </a:defRPr>
             </a:lvl7pPr>
-            <a:lvl8pPr marL="2268123" indent="0">
+            <a:lvl8pPr marL="3480435" indent="0">
               <a:buNone/>
-              <a:defRPr sz="1134">
+              <a:defRPr sz="1740">
                 <a:solidFill>
                   <a:schemeClr val="tx1">
                     <a:tint val="75000"/>
@@ -971,9 +971,9 @@
                 </a:solidFill>
               </a:defRPr>
             </a:lvl8pPr>
-            <a:lvl9pPr marL="2592141" indent="0">
+            <a:lvl9pPr marL="3977640" indent="0">
               <a:buNone/>
-              <a:defRPr sz="1134">
+              <a:defRPr sz="1740">
                 <a:solidFill>
                   <a:schemeClr val="tx1">
                     <a:tint val="75000"/>
@@ -985,8 +985,8 @@
           <a:p>
             <a:pPr lvl="0"/>
             <a:r>
-              <a:rPr lang="zh-CN" altLang="en-US"/>
-              <a:t>编辑母版文本样式</a:t>
+              <a:rPr lang="en-US"/>
+              <a:t>Click to edit Master text styles</a:t>
             </a:r>
           </a:p>
         </p:txBody>
@@ -1008,7 +1008,7 @@
           <a:p>
             <a:fld id="{47F7A362-9A1F-6847-950F-2BF88D0CE876}" type="datetimeFigureOut">
               <a:rPr lang="en-CN" smtClean="0"/>
-              <a:t>01/14/2021</a:t>
+              <a:t>2020/12/21</a:t>
             </a:fld>
             <a:endParaRPr lang="en-CN"/>
           </a:p>
@@ -1059,7 +1059,7 @@
     </p:spTree>
     <p:extLst>
       <p:ext uri="{BB962C8B-B14F-4D97-AF65-F5344CB8AC3E}">
-        <p14:creationId xmlns:p14="http://schemas.microsoft.com/office/powerpoint/2010/main" val="669814337"/>
+        <p14:creationId xmlns:p14="http://schemas.microsoft.com/office/powerpoint/2010/main" val="2024740308"/>
       </p:ext>
     </p:extLst>
   </p:cSld>
@@ -1071,7 +1071,7 @@
 
 <file path=ppt/slideLayouts/slideLayout4.xml><?xml version="1.0" encoding="utf-8"?>
 <p:sldLayout xmlns:a="http://schemas.openxmlformats.org/drawingml/2006/main" xmlns:r="http://schemas.openxmlformats.org/officeDocument/2006/relationships" xmlns:p="http://schemas.openxmlformats.org/presentationml/2006/main" type="twoObj" preserve="1">
-  <p:cSld name="两栏内容">
+  <p:cSld name="Two Content">
     <p:spTree>
       <p:nvGrpSpPr>
         <p:cNvPr id="1" name=""/>
@@ -1102,8 +1102,8 @@
           <a:lstStyle/>
           <a:p>
             <a:r>
-              <a:rPr lang="zh-CN" altLang="en-US"/>
-              <a:t>单击此处编辑母版标题样式</a:t>
+              <a:rPr lang="en-US"/>
+              <a:t>Click to edit Master title style</a:t>
             </a:r>
             <a:endParaRPr lang="en-US" dirty="0"/>
           </a:p>
@@ -1121,8 +1121,8 @@
         </p:nvSpPr>
         <p:spPr>
           <a:xfrm>
-            <a:off x="445512" y="1916484"/>
-            <a:ext cx="2754074" cy="4567898"/>
+            <a:off x="683657" y="3162304"/>
+            <a:ext cx="4226243" cy="7537283"/>
           </a:xfrm>
         </p:spPr>
         <p:txBody>
@@ -1131,36 +1131,36 @@
           <a:p>
             <a:pPr lvl="0"/>
             <a:r>
-              <a:rPr lang="zh-CN" altLang="en-US"/>
-              <a:t>编辑母版文本样式</a:t>
+              <a:rPr lang="en-US"/>
+              <a:t>Click to edit Master text styles</a:t>
             </a:r>
           </a:p>
           <a:p>
             <a:pPr lvl="1"/>
             <a:r>
-              <a:rPr lang="zh-CN" altLang="en-US"/>
-              <a:t>第二级</a:t>
+              <a:rPr lang="en-US"/>
+              <a:t>Second level</a:t>
             </a:r>
           </a:p>
           <a:p>
             <a:pPr lvl="2"/>
             <a:r>
-              <a:rPr lang="zh-CN" altLang="en-US"/>
-              <a:t>第三级</a:t>
+              <a:rPr lang="en-US"/>
+              <a:t>Third level</a:t>
             </a:r>
           </a:p>
           <a:p>
             <a:pPr lvl="3"/>
             <a:r>
-              <a:rPr lang="zh-CN" altLang="en-US"/>
-              <a:t>第四级</a:t>
+              <a:rPr lang="en-US"/>
+              <a:t>Fourth level</a:t>
             </a:r>
           </a:p>
           <a:p>
             <a:pPr lvl="4"/>
             <a:r>
-              <a:rPr lang="zh-CN" altLang="en-US"/>
-              <a:t>第五级</a:t>
+              <a:rPr lang="en-US"/>
+              <a:t>Fifth level</a:t>
             </a:r>
             <a:endParaRPr lang="en-US" dirty="0"/>
           </a:p>
@@ -1178,8 +1178,8 @@
         </p:nvSpPr>
         <p:spPr>
           <a:xfrm>
-            <a:off x="3280589" y="1916484"/>
-            <a:ext cx="2754074" cy="4567898"/>
+            <a:off x="5034200" y="3162304"/>
+            <a:ext cx="4226243" cy="7537283"/>
           </a:xfrm>
         </p:spPr>
         <p:txBody>
@@ -1188,36 +1188,36 @@
           <a:p>
             <a:pPr lvl="0"/>
             <a:r>
-              <a:rPr lang="zh-CN" altLang="en-US"/>
-              <a:t>编辑母版文本样式</a:t>
+              <a:rPr lang="en-US"/>
+              <a:t>Click to edit Master text styles</a:t>
             </a:r>
           </a:p>
           <a:p>
             <a:pPr lvl="1"/>
             <a:r>
-              <a:rPr lang="zh-CN" altLang="en-US"/>
-              <a:t>第二级</a:t>
+              <a:rPr lang="en-US"/>
+              <a:t>Second level</a:t>
             </a:r>
           </a:p>
           <a:p>
             <a:pPr lvl="2"/>
             <a:r>
-              <a:rPr lang="zh-CN" altLang="en-US"/>
-              <a:t>第三级</a:t>
+              <a:rPr lang="en-US"/>
+              <a:t>Third level</a:t>
             </a:r>
           </a:p>
           <a:p>
             <a:pPr lvl="3"/>
             <a:r>
-              <a:rPr lang="zh-CN" altLang="en-US"/>
-              <a:t>第四级</a:t>
+              <a:rPr lang="en-US"/>
+              <a:t>Fourth level</a:t>
             </a:r>
           </a:p>
           <a:p>
             <a:pPr lvl="4"/>
             <a:r>
-              <a:rPr lang="zh-CN" altLang="en-US"/>
-              <a:t>第五级</a:t>
+              <a:rPr lang="en-US"/>
+              <a:t>Fifth level</a:t>
             </a:r>
             <a:endParaRPr lang="en-US" dirty="0"/>
           </a:p>
@@ -1240,7 +1240,7 @@
           <a:p>
             <a:fld id="{47F7A362-9A1F-6847-950F-2BF88D0CE876}" type="datetimeFigureOut">
               <a:rPr lang="en-CN" smtClean="0"/>
-              <a:t>01/14/2021</a:t>
+              <a:t>2020/12/21</a:t>
             </a:fld>
             <a:endParaRPr lang="en-CN"/>
           </a:p>
@@ -1291,7 +1291,7 @@
     </p:spTree>
     <p:extLst>
       <p:ext uri="{BB962C8B-B14F-4D97-AF65-F5344CB8AC3E}">
-        <p14:creationId xmlns:p14="http://schemas.microsoft.com/office/powerpoint/2010/main" val="3020837377"/>
+        <p14:creationId xmlns:p14="http://schemas.microsoft.com/office/powerpoint/2010/main" val="2622114042"/>
       </p:ext>
     </p:extLst>
   </p:cSld>
@@ -1303,7 +1303,7 @@
 
 <file path=ppt/slideLayouts/slideLayout5.xml><?xml version="1.0" encoding="utf-8"?>
 <p:sldLayout xmlns:a="http://schemas.openxmlformats.org/drawingml/2006/main" xmlns:r="http://schemas.openxmlformats.org/officeDocument/2006/relationships" xmlns:p="http://schemas.openxmlformats.org/presentationml/2006/main" type="twoTxTwoObj" preserve="1">
-  <p:cSld name="比较">
+  <p:cSld name="Comparison">
     <p:spTree>
       <p:nvGrpSpPr>
         <p:cNvPr id="1" name=""/>
@@ -1330,8 +1330,8 @@
         </p:nvSpPr>
         <p:spPr>
           <a:xfrm>
-            <a:off x="446356" y="383299"/>
-            <a:ext cx="5589151" cy="1391534"/>
+            <a:off x="684952" y="632464"/>
+            <a:ext cx="8576786" cy="2296108"/>
           </a:xfrm>
         </p:spPr>
         <p:txBody>
@@ -1339,8 +1339,8 @@
           <a:lstStyle/>
           <a:p>
             <a:r>
-              <a:rPr lang="zh-CN" altLang="en-US"/>
-              <a:t>单击此处编辑母版标题样式</a:t>
+              <a:rPr lang="en-US"/>
+              <a:t>Click to edit Master title style</a:t>
             </a:r>
             <a:endParaRPr lang="en-US" dirty="0"/>
           </a:p>
@@ -1358,8 +1358,8 @@
         </p:nvSpPr>
         <p:spPr>
           <a:xfrm>
-            <a:off x="446357" y="1764832"/>
-            <a:ext cx="2741417" cy="864917"/>
+            <a:off x="684953" y="2912070"/>
+            <a:ext cx="4206820" cy="1427161"/>
           </a:xfrm>
         </p:spPr>
         <p:txBody>
@@ -1367,46 +1367,46 @@
           <a:lstStyle>
             <a:lvl1pPr marL="0" indent="0">
               <a:buNone/>
-              <a:defRPr sz="1701" b="1"/>
+              <a:defRPr sz="2610" b="1"/>
             </a:lvl1pPr>
-            <a:lvl2pPr marL="324018" indent="0">
+            <a:lvl2pPr marL="497205" indent="0">
               <a:buNone/>
-              <a:defRPr sz="1417" b="1"/>
+              <a:defRPr sz="2175" b="1"/>
             </a:lvl2pPr>
-            <a:lvl3pPr marL="648035" indent="0">
+            <a:lvl3pPr marL="994410" indent="0">
               <a:buNone/>
-              <a:defRPr sz="1276" b="1"/>
+              <a:defRPr sz="1958" b="1"/>
             </a:lvl3pPr>
-            <a:lvl4pPr marL="972053" indent="0">
+            <a:lvl4pPr marL="1491615" indent="0">
               <a:buNone/>
-              <a:defRPr sz="1134" b="1"/>
+              <a:defRPr sz="1740" b="1"/>
             </a:lvl4pPr>
-            <a:lvl5pPr marL="1296071" indent="0">
+            <a:lvl5pPr marL="1988820" indent="0">
               <a:buNone/>
-              <a:defRPr sz="1134" b="1"/>
+              <a:defRPr sz="1740" b="1"/>
             </a:lvl5pPr>
-            <a:lvl6pPr marL="1620088" indent="0">
+            <a:lvl6pPr marL="2486025" indent="0">
               <a:buNone/>
-              <a:defRPr sz="1134" b="1"/>
+              <a:defRPr sz="1740" b="1"/>
             </a:lvl6pPr>
-            <a:lvl7pPr marL="1944106" indent="0">
+            <a:lvl7pPr marL="2983230" indent="0">
               <a:buNone/>
-              <a:defRPr sz="1134" b="1"/>
+              <a:defRPr sz="1740" b="1"/>
             </a:lvl7pPr>
-            <a:lvl8pPr marL="2268123" indent="0">
+            <a:lvl8pPr marL="3480435" indent="0">
               <a:buNone/>
-              <a:defRPr sz="1134" b="1"/>
+              <a:defRPr sz="1740" b="1"/>
             </a:lvl8pPr>
-            <a:lvl9pPr marL="2592141" indent="0">
+            <a:lvl9pPr marL="3977640" indent="0">
               <a:buNone/>
-              <a:defRPr sz="1134" b="1"/>
+              <a:defRPr sz="1740" b="1"/>
             </a:lvl9pPr>
           </a:lstStyle>
           <a:p>
             <a:pPr lvl="0"/>
             <a:r>
-              <a:rPr lang="zh-CN" altLang="en-US"/>
-              <a:t>编辑母版文本样式</a:t>
+              <a:rPr lang="en-US"/>
+              <a:t>Click to edit Master text styles</a:t>
             </a:r>
           </a:p>
         </p:txBody>
@@ -1423,8 +1423,8 @@
         </p:nvSpPr>
         <p:spPr>
           <a:xfrm>
-            <a:off x="446357" y="2629749"/>
-            <a:ext cx="2741417" cy="3867965"/>
+            <a:off x="684953" y="4339231"/>
+            <a:ext cx="4206820" cy="6382355"/>
           </a:xfrm>
         </p:spPr>
         <p:txBody>
@@ -1433,36 +1433,36 @@
           <a:p>
             <a:pPr lvl="0"/>
             <a:r>
-              <a:rPr lang="zh-CN" altLang="en-US"/>
-              <a:t>编辑母版文本样式</a:t>
+              <a:rPr lang="en-US"/>
+              <a:t>Click to edit Master text styles</a:t>
             </a:r>
           </a:p>
           <a:p>
             <a:pPr lvl="1"/>
             <a:r>
-              <a:rPr lang="zh-CN" altLang="en-US"/>
-              <a:t>第二级</a:t>
+              <a:rPr lang="en-US"/>
+              <a:t>Second level</a:t>
             </a:r>
           </a:p>
           <a:p>
             <a:pPr lvl="2"/>
             <a:r>
-              <a:rPr lang="zh-CN" altLang="en-US"/>
-              <a:t>第三级</a:t>
+              <a:rPr lang="en-US"/>
+              <a:t>Third level</a:t>
             </a:r>
           </a:p>
           <a:p>
             <a:pPr lvl="3"/>
             <a:r>
-              <a:rPr lang="zh-CN" altLang="en-US"/>
-              <a:t>第四级</a:t>
+              <a:rPr lang="en-US"/>
+              <a:t>Fourth level</a:t>
             </a:r>
           </a:p>
           <a:p>
             <a:pPr lvl="4"/>
             <a:r>
-              <a:rPr lang="zh-CN" altLang="en-US"/>
-              <a:t>第五级</a:t>
+              <a:rPr lang="en-US"/>
+              <a:t>Fifth level</a:t>
             </a:r>
             <a:endParaRPr lang="en-US" dirty="0"/>
           </a:p>
@@ -1480,8 +1480,8 @@
         </p:nvSpPr>
         <p:spPr>
           <a:xfrm>
-            <a:off x="3280589" y="1764832"/>
-            <a:ext cx="2754918" cy="864917"/>
+            <a:off x="5034201" y="2912070"/>
+            <a:ext cx="4227538" cy="1427161"/>
           </a:xfrm>
         </p:spPr>
         <p:txBody>
@@ -1489,46 +1489,46 @@
           <a:lstStyle>
             <a:lvl1pPr marL="0" indent="0">
               <a:buNone/>
-              <a:defRPr sz="1701" b="1"/>
+              <a:defRPr sz="2610" b="1"/>
             </a:lvl1pPr>
-            <a:lvl2pPr marL="324018" indent="0">
+            <a:lvl2pPr marL="497205" indent="0">
               <a:buNone/>
-              <a:defRPr sz="1417" b="1"/>
+              <a:defRPr sz="2175" b="1"/>
             </a:lvl2pPr>
-            <a:lvl3pPr marL="648035" indent="0">
+            <a:lvl3pPr marL="994410" indent="0">
               <a:buNone/>
-              <a:defRPr sz="1276" b="1"/>
+              <a:defRPr sz="1958" b="1"/>
             </a:lvl3pPr>
-            <a:lvl4pPr marL="972053" indent="0">
+            <a:lvl4pPr marL="1491615" indent="0">
               <a:buNone/>
-              <a:defRPr sz="1134" b="1"/>
+              <a:defRPr sz="1740" b="1"/>
             </a:lvl4pPr>
-            <a:lvl5pPr marL="1296071" indent="0">
+            <a:lvl5pPr marL="1988820" indent="0">
               <a:buNone/>
-              <a:defRPr sz="1134" b="1"/>
+              <a:defRPr sz="1740" b="1"/>
             </a:lvl5pPr>
-            <a:lvl6pPr marL="1620088" indent="0">
+            <a:lvl6pPr marL="2486025" indent="0">
               <a:buNone/>
-              <a:defRPr sz="1134" b="1"/>
+              <a:defRPr sz="1740" b="1"/>
             </a:lvl6pPr>
-            <a:lvl7pPr marL="1944106" indent="0">
+            <a:lvl7pPr marL="2983230" indent="0">
               <a:buNone/>
-              <a:defRPr sz="1134" b="1"/>
+              <a:defRPr sz="1740" b="1"/>
             </a:lvl7pPr>
-            <a:lvl8pPr marL="2268123" indent="0">
+            <a:lvl8pPr marL="3480435" indent="0">
               <a:buNone/>
-              <a:defRPr sz="1134" b="1"/>
+              <a:defRPr sz="1740" b="1"/>
             </a:lvl8pPr>
-            <a:lvl9pPr marL="2592141" indent="0">
+            <a:lvl9pPr marL="3977640" indent="0">
               <a:buNone/>
-              <a:defRPr sz="1134" b="1"/>
+              <a:defRPr sz="1740" b="1"/>
             </a:lvl9pPr>
           </a:lstStyle>
           <a:p>
             <a:pPr lvl="0"/>
             <a:r>
-              <a:rPr lang="zh-CN" altLang="en-US"/>
-              <a:t>编辑母版文本样式</a:t>
+              <a:rPr lang="en-US"/>
+              <a:t>Click to edit Master text styles</a:t>
             </a:r>
           </a:p>
         </p:txBody>
@@ -1545,8 +1545,8 @@
         </p:nvSpPr>
         <p:spPr>
           <a:xfrm>
-            <a:off x="3280589" y="2629749"/>
-            <a:ext cx="2754918" cy="3867965"/>
+            <a:off x="5034201" y="4339231"/>
+            <a:ext cx="4227538" cy="6382355"/>
           </a:xfrm>
         </p:spPr>
         <p:txBody>
@@ -1555,36 +1555,36 @@
           <a:p>
             <a:pPr lvl="0"/>
             <a:r>
-              <a:rPr lang="zh-CN" altLang="en-US"/>
-              <a:t>编辑母版文本样式</a:t>
+              <a:rPr lang="en-US"/>
+              <a:t>Click to edit Master text styles</a:t>
             </a:r>
           </a:p>
           <a:p>
             <a:pPr lvl="1"/>
             <a:r>
-              <a:rPr lang="zh-CN" altLang="en-US"/>
-              <a:t>第二级</a:t>
+              <a:rPr lang="en-US"/>
+              <a:t>Second level</a:t>
             </a:r>
           </a:p>
           <a:p>
             <a:pPr lvl="2"/>
             <a:r>
-              <a:rPr lang="zh-CN" altLang="en-US"/>
-              <a:t>第三级</a:t>
+              <a:rPr lang="en-US"/>
+              <a:t>Third level</a:t>
             </a:r>
           </a:p>
           <a:p>
             <a:pPr lvl="3"/>
             <a:r>
-              <a:rPr lang="zh-CN" altLang="en-US"/>
-              <a:t>第四级</a:t>
+              <a:rPr lang="en-US"/>
+              <a:t>Fourth level</a:t>
             </a:r>
           </a:p>
           <a:p>
             <a:pPr lvl="4"/>
             <a:r>
-              <a:rPr lang="zh-CN" altLang="en-US"/>
-              <a:t>第五级</a:t>
+              <a:rPr lang="en-US"/>
+              <a:t>Fifth level</a:t>
             </a:r>
             <a:endParaRPr lang="en-US" dirty="0"/>
           </a:p>
@@ -1607,7 +1607,7 @@
           <a:p>
             <a:fld id="{47F7A362-9A1F-6847-950F-2BF88D0CE876}" type="datetimeFigureOut">
               <a:rPr lang="en-CN" smtClean="0"/>
-              <a:t>01/14/2021</a:t>
+              <a:t>2020/12/21</a:t>
             </a:fld>
             <a:endParaRPr lang="en-CN"/>
           </a:p>
@@ -1658,7 +1658,7 @@
     </p:spTree>
     <p:extLst>
       <p:ext uri="{BB962C8B-B14F-4D97-AF65-F5344CB8AC3E}">
-        <p14:creationId xmlns:p14="http://schemas.microsoft.com/office/powerpoint/2010/main" val="2661369658"/>
+        <p14:creationId xmlns:p14="http://schemas.microsoft.com/office/powerpoint/2010/main" val="931564846"/>
       </p:ext>
     </p:extLst>
   </p:cSld>
@@ -1670,7 +1670,7 @@
 
 <file path=ppt/slideLayouts/slideLayout6.xml><?xml version="1.0" encoding="utf-8"?>
 <p:sldLayout xmlns:a="http://schemas.openxmlformats.org/drawingml/2006/main" xmlns:r="http://schemas.openxmlformats.org/officeDocument/2006/relationships" xmlns:p="http://schemas.openxmlformats.org/presentationml/2006/main" type="titleOnly" preserve="1">
-  <p:cSld name="仅标题">
+  <p:cSld name="Title Only">
     <p:spTree>
       <p:nvGrpSpPr>
         <p:cNvPr id="1" name=""/>
@@ -1701,8 +1701,8 @@
           <a:lstStyle/>
           <a:p>
             <a:r>
-              <a:rPr lang="zh-CN" altLang="en-US"/>
-              <a:t>单击此处编辑母版标题样式</a:t>
+              <a:rPr lang="en-US"/>
+              <a:t>Click to edit Master title style</a:t>
             </a:r>
             <a:endParaRPr lang="en-US" dirty="0"/>
           </a:p>
@@ -1725,7 +1725,7 @@
           <a:p>
             <a:fld id="{47F7A362-9A1F-6847-950F-2BF88D0CE876}" type="datetimeFigureOut">
               <a:rPr lang="en-CN" smtClean="0"/>
-              <a:t>01/14/2021</a:t>
+              <a:t>2020/12/21</a:t>
             </a:fld>
             <a:endParaRPr lang="en-CN"/>
           </a:p>
@@ -1776,7 +1776,7 @@
     </p:spTree>
     <p:extLst>
       <p:ext uri="{BB962C8B-B14F-4D97-AF65-F5344CB8AC3E}">
-        <p14:creationId xmlns:p14="http://schemas.microsoft.com/office/powerpoint/2010/main" val="3399388102"/>
+        <p14:creationId xmlns:p14="http://schemas.microsoft.com/office/powerpoint/2010/main" val="459372618"/>
       </p:ext>
     </p:extLst>
   </p:cSld>
@@ -1788,7 +1788,7 @@
 
 <file path=ppt/slideLayouts/slideLayout7.xml><?xml version="1.0" encoding="utf-8"?>
 <p:sldLayout xmlns:a="http://schemas.openxmlformats.org/drawingml/2006/main" xmlns:r="http://schemas.openxmlformats.org/officeDocument/2006/relationships" xmlns:p="http://schemas.openxmlformats.org/presentationml/2006/main" type="blank" preserve="1">
-  <p:cSld name="空白">
+  <p:cSld name="Blank">
     <p:spTree>
       <p:nvGrpSpPr>
         <p:cNvPr id="1" name=""/>
@@ -1820,7 +1820,7 @@
           <a:p>
             <a:fld id="{47F7A362-9A1F-6847-950F-2BF88D0CE876}" type="datetimeFigureOut">
               <a:rPr lang="en-CN" smtClean="0"/>
-              <a:t>01/14/2021</a:t>
+              <a:t>2020/12/21</a:t>
             </a:fld>
             <a:endParaRPr lang="en-CN"/>
           </a:p>
@@ -1871,7 +1871,7 @@
     </p:spTree>
     <p:extLst>
       <p:ext uri="{BB962C8B-B14F-4D97-AF65-F5344CB8AC3E}">
-        <p14:creationId xmlns:p14="http://schemas.microsoft.com/office/powerpoint/2010/main" val="3342917188"/>
+        <p14:creationId xmlns:p14="http://schemas.microsoft.com/office/powerpoint/2010/main" val="1373283869"/>
       </p:ext>
     </p:extLst>
   </p:cSld>
@@ -1883,7 +1883,7 @@
 
 <file path=ppt/slideLayouts/slideLayout8.xml><?xml version="1.0" encoding="utf-8"?>
 <p:sldLayout xmlns:a="http://schemas.openxmlformats.org/drawingml/2006/main" xmlns:r="http://schemas.openxmlformats.org/officeDocument/2006/relationships" xmlns:p="http://schemas.openxmlformats.org/presentationml/2006/main" type="objTx" preserve="1">
-  <p:cSld name="内容与标题">
+  <p:cSld name="Content with Caption">
     <p:spTree>
       <p:nvGrpSpPr>
         <p:cNvPr id="1" name=""/>
@@ -1910,21 +1910,21 @@
         </p:nvSpPr>
         <p:spPr>
           <a:xfrm>
-            <a:off x="446356" y="479954"/>
-            <a:ext cx="2090025" cy="1679840"/>
+            <a:off x="684952" y="791951"/>
+            <a:ext cx="3207231" cy="2771828"/>
           </a:xfrm>
         </p:spPr>
         <p:txBody>
           <a:bodyPr anchor="b"/>
           <a:lstStyle>
             <a:lvl1pPr>
-              <a:defRPr sz="2268"/>
+              <a:defRPr sz="3480"/>
             </a:lvl1pPr>
           </a:lstStyle>
           <a:p>
             <a:r>
-              <a:rPr lang="zh-CN" altLang="en-US"/>
-              <a:t>单击此处编辑母版标题样式</a:t>
+              <a:rPr lang="en-US"/>
+              <a:t>Click to edit Master title style</a:t>
             </a:r>
             <a:endParaRPr lang="en-US" dirty="0"/>
           </a:p>
@@ -1942,74 +1942,74 @@
         </p:nvSpPr>
         <p:spPr>
           <a:xfrm>
-            <a:off x="2754918" y="1036570"/>
-            <a:ext cx="3280589" cy="5116178"/>
+            <a:off x="4227538" y="1710397"/>
+            <a:ext cx="5034201" cy="8441976"/>
           </a:xfrm>
         </p:spPr>
         <p:txBody>
           <a:bodyPr/>
           <a:lstStyle>
             <a:lvl1pPr>
-              <a:defRPr sz="2268"/>
+              <a:defRPr sz="3480"/>
             </a:lvl1pPr>
             <a:lvl2pPr>
-              <a:defRPr sz="1984"/>
+              <a:defRPr sz="3045"/>
             </a:lvl2pPr>
             <a:lvl3pPr>
-              <a:defRPr sz="1701"/>
+              <a:defRPr sz="2610"/>
             </a:lvl3pPr>
             <a:lvl4pPr>
-              <a:defRPr sz="1417"/>
+              <a:defRPr sz="2175"/>
             </a:lvl4pPr>
             <a:lvl5pPr>
-              <a:defRPr sz="1417"/>
+              <a:defRPr sz="2175"/>
             </a:lvl5pPr>
             <a:lvl6pPr>
-              <a:defRPr sz="1417"/>
+              <a:defRPr sz="2175"/>
             </a:lvl6pPr>
             <a:lvl7pPr>
-              <a:defRPr sz="1417"/>
+              <a:defRPr sz="2175"/>
             </a:lvl7pPr>
             <a:lvl8pPr>
-              <a:defRPr sz="1417"/>
+              <a:defRPr sz="2175"/>
             </a:lvl8pPr>
             <a:lvl9pPr>
-              <a:defRPr sz="1417"/>
+              <a:defRPr sz="2175"/>
             </a:lvl9pPr>
           </a:lstStyle>
           <a:p>
             <a:pPr lvl="0"/>
             <a:r>
-              <a:rPr lang="zh-CN" altLang="en-US"/>
-              <a:t>编辑母版文本样式</a:t>
+              <a:rPr lang="en-US"/>
+              <a:t>Click to edit Master text styles</a:t>
             </a:r>
           </a:p>
           <a:p>
             <a:pPr lvl="1"/>
             <a:r>
-              <a:rPr lang="zh-CN" altLang="en-US"/>
-              <a:t>第二级</a:t>
+              <a:rPr lang="en-US"/>
+              <a:t>Second level</a:t>
             </a:r>
           </a:p>
           <a:p>
             <a:pPr lvl="2"/>
             <a:r>
-              <a:rPr lang="zh-CN" altLang="en-US"/>
-              <a:t>第三级</a:t>
+              <a:rPr lang="en-US"/>
+              <a:t>Third level</a:t>
             </a:r>
           </a:p>
           <a:p>
             <a:pPr lvl="3"/>
             <a:r>
-              <a:rPr lang="zh-CN" altLang="en-US"/>
-              <a:t>第四级</a:t>
+              <a:rPr lang="en-US"/>
+              <a:t>Fourth level</a:t>
             </a:r>
           </a:p>
           <a:p>
             <a:pPr lvl="4"/>
             <a:r>
-              <a:rPr lang="zh-CN" altLang="en-US"/>
-              <a:t>第五级</a:t>
+              <a:rPr lang="en-US"/>
+              <a:t>Fifth level</a:t>
             </a:r>
             <a:endParaRPr lang="en-US" dirty="0"/>
           </a:p>
@@ -2027,8 +2027,8 @@
         </p:nvSpPr>
         <p:spPr>
           <a:xfrm>
-            <a:off x="446356" y="2159794"/>
-            <a:ext cx="2090025" cy="4001285"/>
+            <a:off x="684952" y="3563779"/>
+            <a:ext cx="3207231" cy="6602341"/>
           </a:xfrm>
         </p:spPr>
         <p:txBody>
@@ -2036,46 +2036,46 @@
           <a:lstStyle>
             <a:lvl1pPr marL="0" indent="0">
               <a:buNone/>
-              <a:defRPr sz="1134"/>
+              <a:defRPr sz="1740"/>
             </a:lvl1pPr>
-            <a:lvl2pPr marL="324018" indent="0">
+            <a:lvl2pPr marL="497205" indent="0">
               <a:buNone/>
-              <a:defRPr sz="992"/>
+              <a:defRPr sz="1523"/>
             </a:lvl2pPr>
-            <a:lvl3pPr marL="648035" indent="0">
+            <a:lvl3pPr marL="994410" indent="0">
               <a:buNone/>
-              <a:defRPr sz="850"/>
+              <a:defRPr sz="1305"/>
             </a:lvl3pPr>
-            <a:lvl4pPr marL="972053" indent="0">
+            <a:lvl4pPr marL="1491615" indent="0">
               <a:buNone/>
-              <a:defRPr sz="709"/>
+              <a:defRPr sz="1088"/>
             </a:lvl4pPr>
-            <a:lvl5pPr marL="1296071" indent="0">
+            <a:lvl5pPr marL="1988820" indent="0">
               <a:buNone/>
-              <a:defRPr sz="709"/>
+              <a:defRPr sz="1088"/>
             </a:lvl5pPr>
-            <a:lvl6pPr marL="1620088" indent="0">
+            <a:lvl6pPr marL="2486025" indent="0">
               <a:buNone/>
-              <a:defRPr sz="709"/>
+              <a:defRPr sz="1088"/>
             </a:lvl6pPr>
-            <a:lvl7pPr marL="1944106" indent="0">
+            <a:lvl7pPr marL="2983230" indent="0">
               <a:buNone/>
-              <a:defRPr sz="709"/>
+              <a:defRPr sz="1088"/>
             </a:lvl7pPr>
-            <a:lvl8pPr marL="2268123" indent="0">
+            <a:lvl8pPr marL="3480435" indent="0">
               <a:buNone/>
-              <a:defRPr sz="709"/>
+              <a:defRPr sz="1088"/>
             </a:lvl8pPr>
-            <a:lvl9pPr marL="2592141" indent="0">
+            <a:lvl9pPr marL="3977640" indent="0">
               <a:buNone/>
-              <a:defRPr sz="709"/>
+              <a:defRPr sz="1088"/>
             </a:lvl9pPr>
           </a:lstStyle>
           <a:p>
             <a:pPr lvl="0"/>
             <a:r>
-              <a:rPr lang="zh-CN" altLang="en-US"/>
-              <a:t>编辑母版文本样式</a:t>
+              <a:rPr lang="en-US"/>
+              <a:t>Click to edit Master text styles</a:t>
             </a:r>
           </a:p>
         </p:txBody>
@@ -2097,7 +2097,7 @@
           <a:p>
             <a:fld id="{47F7A362-9A1F-6847-950F-2BF88D0CE876}" type="datetimeFigureOut">
               <a:rPr lang="en-CN" smtClean="0"/>
-              <a:t>01/14/2021</a:t>
+              <a:t>2020/12/21</a:t>
             </a:fld>
             <a:endParaRPr lang="en-CN"/>
           </a:p>
@@ -2148,7 +2148,7 @@
     </p:spTree>
     <p:extLst>
       <p:ext uri="{BB962C8B-B14F-4D97-AF65-F5344CB8AC3E}">
-        <p14:creationId xmlns:p14="http://schemas.microsoft.com/office/powerpoint/2010/main" val="2853293146"/>
+        <p14:creationId xmlns:p14="http://schemas.microsoft.com/office/powerpoint/2010/main" val="1902710002"/>
       </p:ext>
     </p:extLst>
   </p:cSld>
@@ -2160,7 +2160,7 @@
 
 <file path=ppt/slideLayouts/slideLayout9.xml><?xml version="1.0" encoding="utf-8"?>
 <p:sldLayout xmlns:a="http://schemas.openxmlformats.org/drawingml/2006/main" xmlns:r="http://schemas.openxmlformats.org/officeDocument/2006/relationships" xmlns:p="http://schemas.openxmlformats.org/presentationml/2006/main" type="picTx" preserve="1">
-  <p:cSld name="图片与标题">
+  <p:cSld name="Picture with Caption">
     <p:spTree>
       <p:nvGrpSpPr>
         <p:cNvPr id="1" name=""/>
@@ -2187,21 +2187,21 @@
         </p:nvSpPr>
         <p:spPr>
           <a:xfrm>
-            <a:off x="446356" y="479954"/>
-            <a:ext cx="2090025" cy="1679840"/>
+            <a:off x="684952" y="791951"/>
+            <a:ext cx="3207231" cy="2771828"/>
           </a:xfrm>
         </p:spPr>
         <p:txBody>
           <a:bodyPr anchor="b"/>
           <a:lstStyle>
             <a:lvl1pPr>
-              <a:defRPr sz="2268"/>
+              <a:defRPr sz="3480"/>
             </a:lvl1pPr>
           </a:lstStyle>
           <a:p>
             <a:r>
-              <a:rPr lang="zh-CN" altLang="en-US"/>
-              <a:t>单击此处编辑母版标题样式</a:t>
+              <a:rPr lang="en-US"/>
+              <a:t>Click to edit Master title style</a:t>
             </a:r>
             <a:endParaRPr lang="en-US" dirty="0"/>
           </a:p>
@@ -2219,8 +2219,8 @@
         </p:nvSpPr>
         <p:spPr>
           <a:xfrm>
-            <a:off x="2754918" y="1036570"/>
-            <a:ext cx="3280589" cy="5116178"/>
+            <a:off x="4227538" y="1710397"/>
+            <a:ext cx="5034201" cy="8441976"/>
           </a:xfrm>
         </p:spPr>
         <p:txBody>
@@ -2228,45 +2228,45 @@
           <a:lstStyle>
             <a:lvl1pPr marL="0" indent="0">
               <a:buNone/>
-              <a:defRPr sz="2268"/>
+              <a:defRPr sz="3480"/>
             </a:lvl1pPr>
-            <a:lvl2pPr marL="324018" indent="0">
+            <a:lvl2pPr marL="497205" indent="0">
               <a:buNone/>
-              <a:defRPr sz="1984"/>
+              <a:defRPr sz="3045"/>
             </a:lvl2pPr>
-            <a:lvl3pPr marL="648035" indent="0">
+            <a:lvl3pPr marL="994410" indent="0">
               <a:buNone/>
-              <a:defRPr sz="1701"/>
+              <a:defRPr sz="2610"/>
             </a:lvl3pPr>
-            <a:lvl4pPr marL="972053" indent="0">
+            <a:lvl4pPr marL="1491615" indent="0">
               <a:buNone/>
-              <a:defRPr sz="1417"/>
+              <a:defRPr sz="2175"/>
             </a:lvl4pPr>
-            <a:lvl5pPr marL="1296071" indent="0">
+            <a:lvl5pPr marL="1988820" indent="0">
               <a:buNone/>
-              <a:defRPr sz="1417"/>
+              <a:defRPr sz="2175"/>
             </a:lvl5pPr>
-            <a:lvl6pPr marL="1620088" indent="0">
+            <a:lvl6pPr marL="2486025" indent="0">
               <a:buNone/>
-              <a:defRPr sz="1417"/>
+              <a:defRPr sz="2175"/>
             </a:lvl6pPr>
-            <a:lvl7pPr marL="1944106" indent="0">
+            <a:lvl7pPr marL="2983230" indent="0">
               <a:buNone/>
-              <a:defRPr sz="1417"/>
+              <a:defRPr sz="2175"/>
             </a:lvl7pPr>
-            <a:lvl8pPr marL="2268123" indent="0">
+            <a:lvl8pPr marL="3480435" indent="0">
               <a:buNone/>
-              <a:defRPr sz="1417"/>
+              <a:defRPr sz="2175"/>
             </a:lvl8pPr>
-            <a:lvl9pPr marL="2592141" indent="0">
+            <a:lvl9pPr marL="3977640" indent="0">
               <a:buNone/>
-              <a:defRPr sz="1417"/>
+              <a:defRPr sz="2175"/>
             </a:lvl9pPr>
           </a:lstStyle>
           <a:p>
             <a:r>
-              <a:rPr lang="zh-CN" altLang="en-US"/>
-              <a:t>单击图标添加图片</a:t>
+              <a:rPr lang="en-US"/>
+              <a:t>Click icon to add picture</a:t>
             </a:r>
             <a:endParaRPr lang="en-US" dirty="0"/>
           </a:p>
@@ -2284,8 +2284,8 @@
         </p:nvSpPr>
         <p:spPr>
           <a:xfrm>
-            <a:off x="446356" y="2159794"/>
-            <a:ext cx="2090025" cy="4001285"/>
+            <a:off x="684952" y="3563779"/>
+            <a:ext cx="3207231" cy="6602341"/>
           </a:xfrm>
         </p:spPr>
         <p:txBody>
@@ -2293,46 +2293,46 @@
           <a:lstStyle>
             <a:lvl1pPr marL="0" indent="0">
               <a:buNone/>
-              <a:defRPr sz="1134"/>
+              <a:defRPr sz="1740"/>
             </a:lvl1pPr>
-            <a:lvl2pPr marL="324018" indent="0">
+            <a:lvl2pPr marL="497205" indent="0">
               <a:buNone/>
-              <a:defRPr sz="992"/>
+              <a:defRPr sz="1523"/>
             </a:lvl2pPr>
-            <a:lvl3pPr marL="648035" indent="0">
+            <a:lvl3pPr marL="994410" indent="0">
               <a:buNone/>
-              <a:defRPr sz="850"/>
+              <a:defRPr sz="1305"/>
             </a:lvl3pPr>
-            <a:lvl4pPr marL="972053" indent="0">
+            <a:lvl4pPr marL="1491615" indent="0">
               <a:buNone/>
-              <a:defRPr sz="709"/>
+              <a:defRPr sz="1088"/>
             </a:lvl4pPr>
-            <a:lvl5pPr marL="1296071" indent="0">
+            <a:lvl5pPr marL="1988820" indent="0">
               <a:buNone/>
-              <a:defRPr sz="709"/>
+              <a:defRPr sz="1088"/>
             </a:lvl5pPr>
-            <a:lvl6pPr marL="1620088" indent="0">
+            <a:lvl6pPr marL="2486025" indent="0">
               <a:buNone/>
-              <a:defRPr sz="709"/>
+              <a:defRPr sz="1088"/>
             </a:lvl6pPr>
-            <a:lvl7pPr marL="1944106" indent="0">
+            <a:lvl7pPr marL="2983230" indent="0">
               <a:buNone/>
-              <a:defRPr sz="709"/>
+              <a:defRPr sz="1088"/>
             </a:lvl7pPr>
-            <a:lvl8pPr marL="2268123" indent="0">
+            <a:lvl8pPr marL="3480435" indent="0">
               <a:buNone/>
-              <a:defRPr sz="709"/>
+              <a:defRPr sz="1088"/>
             </a:lvl8pPr>
-            <a:lvl9pPr marL="2592141" indent="0">
+            <a:lvl9pPr marL="3977640" indent="0">
               <a:buNone/>
-              <a:defRPr sz="709"/>
+              <a:defRPr sz="1088"/>
             </a:lvl9pPr>
           </a:lstStyle>
           <a:p>
             <a:pPr lvl="0"/>
             <a:r>
-              <a:rPr lang="zh-CN" altLang="en-US"/>
-              <a:t>编辑母版文本样式</a:t>
+              <a:rPr lang="en-US"/>
+              <a:t>Click to edit Master text styles</a:t>
             </a:r>
           </a:p>
         </p:txBody>
@@ -2354,7 +2354,7 @@
           <a:p>
             <a:fld id="{47F7A362-9A1F-6847-950F-2BF88D0CE876}" type="datetimeFigureOut">
               <a:rPr lang="en-CN" smtClean="0"/>
-              <a:t>01/14/2021</a:t>
+              <a:t>2020/12/21</a:t>
             </a:fld>
             <a:endParaRPr lang="en-CN"/>
           </a:p>
@@ -2405,7 +2405,7 @@
     </p:spTree>
     <p:extLst>
       <p:ext uri="{BB962C8B-B14F-4D97-AF65-F5344CB8AC3E}">
-        <p14:creationId xmlns:p14="http://schemas.microsoft.com/office/powerpoint/2010/main" val="3211707731"/>
+        <p14:creationId xmlns:p14="http://schemas.microsoft.com/office/powerpoint/2010/main" val="1609265026"/>
       </p:ext>
     </p:extLst>
   </p:cSld>
@@ -2449,8 +2449,8 @@
         </p:nvSpPr>
         <p:spPr>
           <a:xfrm>
-            <a:off x="445512" y="383299"/>
-            <a:ext cx="5589151" cy="1391534"/>
+            <a:off x="683657" y="632464"/>
+            <a:ext cx="8576786" cy="2296108"/>
           </a:xfrm>
           <a:prstGeom prst="rect">
             <a:avLst/>
@@ -2463,8 +2463,8 @@
           <a:lstStyle/>
           <a:p>
             <a:r>
-              <a:rPr lang="zh-CN" altLang="en-US"/>
-              <a:t>单击此处编辑母版标题样式</a:t>
+              <a:rPr lang="en-US"/>
+              <a:t>Click to edit Master title style</a:t>
             </a:r>
             <a:endParaRPr lang="en-US" dirty="0"/>
           </a:p>
@@ -2482,8 +2482,8 @@
         </p:nvSpPr>
         <p:spPr>
           <a:xfrm>
-            <a:off x="445512" y="1916484"/>
-            <a:ext cx="5589151" cy="4567898"/>
+            <a:off x="683657" y="3162304"/>
+            <a:ext cx="8576786" cy="7537283"/>
           </a:xfrm>
           <a:prstGeom prst="rect">
             <a:avLst/>
@@ -2497,36 +2497,36 @@
           <a:p>
             <a:pPr lvl="0"/>
             <a:r>
-              <a:rPr lang="zh-CN" altLang="en-US"/>
-              <a:t>编辑母版文本样式</a:t>
+              <a:rPr lang="en-US"/>
+              <a:t>Click to edit Master text styles</a:t>
             </a:r>
           </a:p>
           <a:p>
             <a:pPr lvl="1"/>
             <a:r>
-              <a:rPr lang="zh-CN" altLang="en-US"/>
-              <a:t>第二级</a:t>
+              <a:rPr lang="en-US"/>
+              <a:t>Second level</a:t>
             </a:r>
           </a:p>
           <a:p>
             <a:pPr lvl="2"/>
             <a:r>
-              <a:rPr lang="zh-CN" altLang="en-US"/>
-              <a:t>第三级</a:t>
+              <a:rPr lang="en-US"/>
+              <a:t>Third level</a:t>
             </a:r>
           </a:p>
           <a:p>
             <a:pPr lvl="3"/>
             <a:r>
-              <a:rPr lang="zh-CN" altLang="en-US"/>
-              <a:t>第四级</a:t>
+              <a:rPr lang="en-US"/>
+              <a:t>Fourth level</a:t>
             </a:r>
           </a:p>
           <a:p>
             <a:pPr lvl="4"/>
             <a:r>
-              <a:rPr lang="zh-CN" altLang="en-US"/>
-              <a:t>第五级</a:t>
+              <a:rPr lang="en-US"/>
+              <a:t>Fifth level</a:t>
             </a:r>
             <a:endParaRPr lang="en-US" dirty="0"/>
           </a:p>
@@ -2544,8 +2544,8 @@
         </p:nvSpPr>
         <p:spPr>
           <a:xfrm>
-            <a:off x="445512" y="6672698"/>
-            <a:ext cx="1458039" cy="383297"/>
+            <a:off x="683657" y="11010319"/>
+            <a:ext cx="2237423" cy="632461"/>
           </a:xfrm>
           <a:prstGeom prst="rect">
             <a:avLst/>
@@ -2555,7 +2555,7 @@
           <a:bodyPr vert="horz" lIns="91440" tIns="45720" rIns="91440" bIns="45720" rtlCol="0" anchor="ctr"/>
           <a:lstStyle>
             <a:lvl1pPr algn="l">
-              <a:defRPr sz="850">
+              <a:defRPr sz="1305">
                 <a:solidFill>
                   <a:schemeClr val="tx1">
                     <a:tint val="75000"/>
@@ -2567,7 +2567,7 @@
           <a:p>
             <a:fld id="{47F7A362-9A1F-6847-950F-2BF88D0CE876}" type="datetimeFigureOut">
               <a:rPr lang="en-CN" smtClean="0"/>
-              <a:t>01/14/2021</a:t>
+              <a:t>2020/12/21</a:t>
             </a:fld>
             <a:endParaRPr lang="en-CN"/>
           </a:p>
@@ -2585,8 +2585,8 @@
         </p:nvSpPr>
         <p:spPr>
           <a:xfrm>
-            <a:off x="2146558" y="6672698"/>
-            <a:ext cx="2187059" cy="383297"/>
+            <a:off x="3293983" y="11010319"/>
+            <a:ext cx="3356134" cy="632461"/>
           </a:xfrm>
           <a:prstGeom prst="rect">
             <a:avLst/>
@@ -2596,7 +2596,7 @@
           <a:bodyPr vert="horz" lIns="91440" tIns="45720" rIns="91440" bIns="45720" rtlCol="0" anchor="ctr"/>
           <a:lstStyle>
             <a:lvl1pPr algn="ctr">
-              <a:defRPr sz="850">
+              <a:defRPr sz="1305">
                 <a:solidFill>
                   <a:schemeClr val="tx1">
                     <a:tint val="75000"/>
@@ -2622,8 +2622,8 @@
         </p:nvSpPr>
         <p:spPr>
           <a:xfrm>
-            <a:off x="4576624" y="6672698"/>
-            <a:ext cx="1458039" cy="383297"/>
+            <a:off x="7023020" y="11010319"/>
+            <a:ext cx="2237423" cy="632461"/>
           </a:xfrm>
           <a:prstGeom prst="rect">
             <a:avLst/>
@@ -2633,7 +2633,7 @@
           <a:bodyPr vert="horz" lIns="91440" tIns="45720" rIns="91440" bIns="45720" rtlCol="0" anchor="ctr"/>
           <a:lstStyle>
             <a:lvl1pPr algn="r">
-              <a:defRPr sz="850">
+              <a:defRPr sz="1305">
                 <a:solidFill>
                   <a:schemeClr val="tx1">
                     <a:tint val="75000"/>
@@ -2654,27 +2654,27 @@
     </p:spTree>
     <p:extLst>
       <p:ext uri="{BB962C8B-B14F-4D97-AF65-F5344CB8AC3E}">
-        <p14:creationId xmlns:p14="http://schemas.microsoft.com/office/powerpoint/2010/main" val="3011122043"/>
+        <p14:creationId xmlns:p14="http://schemas.microsoft.com/office/powerpoint/2010/main" val="2882091484"/>
       </p:ext>
     </p:extLst>
   </p:cSld>
   <p:clrMap bg1="lt1" tx1="dk1" bg2="lt2" tx2="dk2" accent1="accent1" accent2="accent2" accent3="accent3" accent4="accent4" accent5="accent5" accent6="accent6" hlink="hlink" folHlink="folHlink"/>
   <p:sldLayoutIdLst>
-    <p:sldLayoutId id="2147483673" r:id="rId1"/>
-    <p:sldLayoutId id="2147483674" r:id="rId2"/>
-    <p:sldLayoutId id="2147483675" r:id="rId3"/>
-    <p:sldLayoutId id="2147483676" r:id="rId4"/>
-    <p:sldLayoutId id="2147483677" r:id="rId5"/>
-    <p:sldLayoutId id="2147483678" r:id="rId6"/>
-    <p:sldLayoutId id="2147483679" r:id="rId7"/>
-    <p:sldLayoutId id="2147483680" r:id="rId8"/>
-    <p:sldLayoutId id="2147483681" r:id="rId9"/>
-    <p:sldLayoutId id="2147483682" r:id="rId10"/>
-    <p:sldLayoutId id="2147483683" r:id="rId11"/>
+    <p:sldLayoutId id="2147483661" r:id="rId1"/>
+    <p:sldLayoutId id="2147483662" r:id="rId2"/>
+    <p:sldLayoutId id="2147483663" r:id="rId3"/>
+    <p:sldLayoutId id="2147483664" r:id="rId4"/>
+    <p:sldLayoutId id="2147483665" r:id="rId5"/>
+    <p:sldLayoutId id="2147483666" r:id="rId6"/>
+    <p:sldLayoutId id="2147483667" r:id="rId7"/>
+    <p:sldLayoutId id="2147483668" r:id="rId8"/>
+    <p:sldLayoutId id="2147483669" r:id="rId9"/>
+    <p:sldLayoutId id="2147483670" r:id="rId10"/>
+    <p:sldLayoutId id="2147483671" r:id="rId11"/>
   </p:sldLayoutIdLst>
   <p:txStyles>
     <p:titleStyle>
-      <a:lvl1pPr algn="l" defTabSz="648035" rtl="0" eaLnBrk="1" latinLnBrk="0" hangingPunct="1">
+      <a:lvl1pPr algn="l" defTabSz="994410" rtl="0" eaLnBrk="1" latinLnBrk="0" hangingPunct="1">
         <a:lnSpc>
           <a:spcPct val="90000"/>
         </a:lnSpc>
@@ -2682,7 +2682,7 @@
           <a:spcPct val="0"/>
         </a:spcBef>
         <a:buNone/>
-        <a:defRPr sz="3118" kern="1200">
+        <a:defRPr sz="4785" kern="1200">
           <a:solidFill>
             <a:schemeClr val="tx1"/>
           </a:solidFill>
@@ -2693,16 +2693,16 @@
       </a:lvl1pPr>
     </p:titleStyle>
     <p:bodyStyle>
-      <a:lvl1pPr marL="162009" indent="-162009" algn="l" defTabSz="648035" rtl="0" eaLnBrk="1" latinLnBrk="0" hangingPunct="1">
+      <a:lvl1pPr marL="248603" indent="-248603" algn="l" defTabSz="994410" rtl="0" eaLnBrk="1" latinLnBrk="0" hangingPunct="1">
         <a:lnSpc>
           <a:spcPct val="90000"/>
         </a:lnSpc>
         <a:spcBef>
-          <a:spcPts val="709"/>
+          <a:spcPts val="1088"/>
         </a:spcBef>
         <a:buFont typeface="Arial" panose="020B0604020202020204" pitchFamily="34" charset="0"/>
         <a:buChar char="•"/>
-        <a:defRPr sz="1984" kern="1200">
+        <a:defRPr sz="3045" kern="1200">
           <a:solidFill>
             <a:schemeClr val="tx1"/>
           </a:solidFill>
@@ -2711,16 +2711,16 @@
           <a:cs typeface="+mn-cs"/>
         </a:defRPr>
       </a:lvl1pPr>
-      <a:lvl2pPr marL="486026" indent="-162009" algn="l" defTabSz="648035" rtl="0" eaLnBrk="1" latinLnBrk="0" hangingPunct="1">
+      <a:lvl2pPr marL="745808" indent="-248603" algn="l" defTabSz="994410" rtl="0" eaLnBrk="1" latinLnBrk="0" hangingPunct="1">
         <a:lnSpc>
           <a:spcPct val="90000"/>
         </a:lnSpc>
         <a:spcBef>
-          <a:spcPts val="354"/>
+          <a:spcPts val="544"/>
         </a:spcBef>
         <a:buFont typeface="Arial" panose="020B0604020202020204" pitchFamily="34" charset="0"/>
         <a:buChar char="•"/>
-        <a:defRPr sz="1701" kern="1200">
+        <a:defRPr sz="2610" kern="1200">
           <a:solidFill>
             <a:schemeClr val="tx1"/>
           </a:solidFill>
@@ -2729,16 +2729,16 @@
           <a:cs typeface="+mn-cs"/>
         </a:defRPr>
       </a:lvl2pPr>
-      <a:lvl3pPr marL="810044" indent="-162009" algn="l" defTabSz="648035" rtl="0" eaLnBrk="1" latinLnBrk="0" hangingPunct="1">
+      <a:lvl3pPr marL="1243013" indent="-248603" algn="l" defTabSz="994410" rtl="0" eaLnBrk="1" latinLnBrk="0" hangingPunct="1">
         <a:lnSpc>
           <a:spcPct val="90000"/>
         </a:lnSpc>
         <a:spcBef>
-          <a:spcPts val="354"/>
+          <a:spcPts val="544"/>
         </a:spcBef>
         <a:buFont typeface="Arial" panose="020B0604020202020204" pitchFamily="34" charset="0"/>
         <a:buChar char="•"/>
-        <a:defRPr sz="1417" kern="1200">
+        <a:defRPr sz="2175" kern="1200">
           <a:solidFill>
             <a:schemeClr val="tx1"/>
           </a:solidFill>
@@ -2747,16 +2747,16 @@
           <a:cs typeface="+mn-cs"/>
         </a:defRPr>
       </a:lvl3pPr>
-      <a:lvl4pPr marL="1134062" indent="-162009" algn="l" defTabSz="648035" rtl="0" eaLnBrk="1" latinLnBrk="0" hangingPunct="1">
+      <a:lvl4pPr marL="1740218" indent="-248603" algn="l" defTabSz="994410" rtl="0" eaLnBrk="1" latinLnBrk="0" hangingPunct="1">
         <a:lnSpc>
           <a:spcPct val="90000"/>
         </a:lnSpc>
         <a:spcBef>
-          <a:spcPts val="354"/>
+          <a:spcPts val="544"/>
         </a:spcBef>
         <a:buFont typeface="Arial" panose="020B0604020202020204" pitchFamily="34" charset="0"/>
         <a:buChar char="•"/>
-        <a:defRPr sz="1276" kern="1200">
+        <a:defRPr sz="1958" kern="1200">
           <a:solidFill>
             <a:schemeClr val="tx1"/>
           </a:solidFill>
@@ -2765,16 +2765,16 @@
           <a:cs typeface="+mn-cs"/>
         </a:defRPr>
       </a:lvl4pPr>
-      <a:lvl5pPr marL="1458079" indent="-162009" algn="l" defTabSz="648035" rtl="0" eaLnBrk="1" latinLnBrk="0" hangingPunct="1">
+      <a:lvl5pPr marL="2237423" indent="-248603" algn="l" defTabSz="994410" rtl="0" eaLnBrk="1" latinLnBrk="0" hangingPunct="1">
         <a:lnSpc>
           <a:spcPct val="90000"/>
         </a:lnSpc>
         <a:spcBef>
-          <a:spcPts val="354"/>
+          <a:spcPts val="544"/>
         </a:spcBef>
         <a:buFont typeface="Arial" panose="020B0604020202020204" pitchFamily="34" charset="0"/>
         <a:buChar char="•"/>
-        <a:defRPr sz="1276" kern="1200">
+        <a:defRPr sz="1958" kern="1200">
           <a:solidFill>
             <a:schemeClr val="tx1"/>
           </a:solidFill>
@@ -2783,16 +2783,16 @@
           <a:cs typeface="+mn-cs"/>
         </a:defRPr>
       </a:lvl5pPr>
-      <a:lvl6pPr marL="1782097" indent="-162009" algn="l" defTabSz="648035" rtl="0" eaLnBrk="1" latinLnBrk="0" hangingPunct="1">
+      <a:lvl6pPr marL="2734628" indent="-248603" algn="l" defTabSz="994410" rtl="0" eaLnBrk="1" latinLnBrk="0" hangingPunct="1">
         <a:lnSpc>
           <a:spcPct val="90000"/>
         </a:lnSpc>
         <a:spcBef>
-          <a:spcPts val="354"/>
+          <a:spcPts val="544"/>
         </a:spcBef>
         <a:buFont typeface="Arial" panose="020B0604020202020204" pitchFamily="34" charset="0"/>
         <a:buChar char="•"/>
-        <a:defRPr sz="1276" kern="1200">
+        <a:defRPr sz="1958" kern="1200">
           <a:solidFill>
             <a:schemeClr val="tx1"/>
           </a:solidFill>
@@ -2801,16 +2801,16 @@
           <a:cs typeface="+mn-cs"/>
         </a:defRPr>
       </a:lvl6pPr>
-      <a:lvl7pPr marL="2106115" indent="-162009" algn="l" defTabSz="648035" rtl="0" eaLnBrk="1" latinLnBrk="0" hangingPunct="1">
+      <a:lvl7pPr marL="3231833" indent="-248603" algn="l" defTabSz="994410" rtl="0" eaLnBrk="1" latinLnBrk="0" hangingPunct="1">
         <a:lnSpc>
           <a:spcPct val="90000"/>
         </a:lnSpc>
         <a:spcBef>
-          <a:spcPts val="354"/>
+          <a:spcPts val="544"/>
         </a:spcBef>
         <a:buFont typeface="Arial" panose="020B0604020202020204" pitchFamily="34" charset="0"/>
         <a:buChar char="•"/>
-        <a:defRPr sz="1276" kern="1200">
+        <a:defRPr sz="1958" kern="1200">
           <a:solidFill>
             <a:schemeClr val="tx1"/>
           </a:solidFill>
@@ -2819,16 +2819,16 @@
           <a:cs typeface="+mn-cs"/>
         </a:defRPr>
       </a:lvl7pPr>
-      <a:lvl8pPr marL="2430132" indent="-162009" algn="l" defTabSz="648035" rtl="0" eaLnBrk="1" latinLnBrk="0" hangingPunct="1">
+      <a:lvl8pPr marL="3729038" indent="-248603" algn="l" defTabSz="994410" rtl="0" eaLnBrk="1" latinLnBrk="0" hangingPunct="1">
         <a:lnSpc>
           <a:spcPct val="90000"/>
         </a:lnSpc>
         <a:spcBef>
-          <a:spcPts val="354"/>
+          <a:spcPts val="544"/>
         </a:spcBef>
         <a:buFont typeface="Arial" panose="020B0604020202020204" pitchFamily="34" charset="0"/>
         <a:buChar char="•"/>
-        <a:defRPr sz="1276" kern="1200">
+        <a:defRPr sz="1958" kern="1200">
           <a:solidFill>
             <a:schemeClr val="tx1"/>
           </a:solidFill>
@@ -2837,16 +2837,16 @@
           <a:cs typeface="+mn-cs"/>
         </a:defRPr>
       </a:lvl8pPr>
-      <a:lvl9pPr marL="2754150" indent="-162009" algn="l" defTabSz="648035" rtl="0" eaLnBrk="1" latinLnBrk="0" hangingPunct="1">
+      <a:lvl9pPr marL="4226243" indent="-248603" algn="l" defTabSz="994410" rtl="0" eaLnBrk="1" latinLnBrk="0" hangingPunct="1">
         <a:lnSpc>
           <a:spcPct val="90000"/>
         </a:lnSpc>
         <a:spcBef>
-          <a:spcPts val="354"/>
+          <a:spcPts val="544"/>
         </a:spcBef>
         <a:buFont typeface="Arial" panose="020B0604020202020204" pitchFamily="34" charset="0"/>
         <a:buChar char="•"/>
-        <a:defRPr sz="1276" kern="1200">
+        <a:defRPr sz="1958" kern="1200">
           <a:solidFill>
             <a:schemeClr val="tx1"/>
           </a:solidFill>
@@ -2860,8 +2860,8 @@
       <a:defPPr>
         <a:defRPr lang="en-US"/>
       </a:defPPr>
-      <a:lvl1pPr marL="0" algn="l" defTabSz="648035" rtl="0" eaLnBrk="1" latinLnBrk="0" hangingPunct="1">
-        <a:defRPr sz="1276" kern="1200">
+      <a:lvl1pPr marL="0" algn="l" defTabSz="994410" rtl="0" eaLnBrk="1" latinLnBrk="0" hangingPunct="1">
+        <a:defRPr sz="1958" kern="1200">
           <a:solidFill>
             <a:schemeClr val="tx1"/>
           </a:solidFill>
@@ -2870,8 +2870,8 @@
           <a:cs typeface="+mn-cs"/>
         </a:defRPr>
       </a:lvl1pPr>
-      <a:lvl2pPr marL="324018" algn="l" defTabSz="648035" rtl="0" eaLnBrk="1" latinLnBrk="0" hangingPunct="1">
-        <a:defRPr sz="1276" kern="1200">
+      <a:lvl2pPr marL="497205" algn="l" defTabSz="994410" rtl="0" eaLnBrk="1" latinLnBrk="0" hangingPunct="1">
+        <a:defRPr sz="1958" kern="1200">
           <a:solidFill>
             <a:schemeClr val="tx1"/>
           </a:solidFill>
@@ -2880,8 +2880,8 @@
           <a:cs typeface="+mn-cs"/>
         </a:defRPr>
       </a:lvl2pPr>
-      <a:lvl3pPr marL="648035" algn="l" defTabSz="648035" rtl="0" eaLnBrk="1" latinLnBrk="0" hangingPunct="1">
-        <a:defRPr sz="1276" kern="1200">
+      <a:lvl3pPr marL="994410" algn="l" defTabSz="994410" rtl="0" eaLnBrk="1" latinLnBrk="0" hangingPunct="1">
+        <a:defRPr sz="1958" kern="1200">
           <a:solidFill>
             <a:schemeClr val="tx1"/>
           </a:solidFill>
@@ -2890,8 +2890,8 @@
           <a:cs typeface="+mn-cs"/>
         </a:defRPr>
       </a:lvl3pPr>
-      <a:lvl4pPr marL="972053" algn="l" defTabSz="648035" rtl="0" eaLnBrk="1" latinLnBrk="0" hangingPunct="1">
-        <a:defRPr sz="1276" kern="1200">
+      <a:lvl4pPr marL="1491615" algn="l" defTabSz="994410" rtl="0" eaLnBrk="1" latinLnBrk="0" hangingPunct="1">
+        <a:defRPr sz="1958" kern="1200">
           <a:solidFill>
             <a:schemeClr val="tx1"/>
           </a:solidFill>
@@ -2900,8 +2900,8 @@
           <a:cs typeface="+mn-cs"/>
         </a:defRPr>
       </a:lvl4pPr>
-      <a:lvl5pPr marL="1296071" algn="l" defTabSz="648035" rtl="0" eaLnBrk="1" latinLnBrk="0" hangingPunct="1">
-        <a:defRPr sz="1276" kern="1200">
+      <a:lvl5pPr marL="1988820" algn="l" defTabSz="994410" rtl="0" eaLnBrk="1" latinLnBrk="0" hangingPunct="1">
+        <a:defRPr sz="1958" kern="1200">
           <a:solidFill>
             <a:schemeClr val="tx1"/>
           </a:solidFill>
@@ -2910,8 +2910,8 @@
           <a:cs typeface="+mn-cs"/>
         </a:defRPr>
       </a:lvl5pPr>
-      <a:lvl6pPr marL="1620088" algn="l" defTabSz="648035" rtl="0" eaLnBrk="1" latinLnBrk="0" hangingPunct="1">
-        <a:defRPr sz="1276" kern="1200">
+      <a:lvl6pPr marL="2486025" algn="l" defTabSz="994410" rtl="0" eaLnBrk="1" latinLnBrk="0" hangingPunct="1">
+        <a:defRPr sz="1958" kern="1200">
           <a:solidFill>
             <a:schemeClr val="tx1"/>
           </a:solidFill>
@@ -2920,8 +2920,8 @@
           <a:cs typeface="+mn-cs"/>
         </a:defRPr>
       </a:lvl6pPr>
-      <a:lvl7pPr marL="1944106" algn="l" defTabSz="648035" rtl="0" eaLnBrk="1" latinLnBrk="0" hangingPunct="1">
-        <a:defRPr sz="1276" kern="1200">
+      <a:lvl7pPr marL="2983230" algn="l" defTabSz="994410" rtl="0" eaLnBrk="1" latinLnBrk="0" hangingPunct="1">
+        <a:defRPr sz="1958" kern="1200">
           <a:solidFill>
             <a:schemeClr val="tx1"/>
           </a:solidFill>
@@ -2930,8 +2930,8 @@
           <a:cs typeface="+mn-cs"/>
         </a:defRPr>
       </a:lvl7pPr>
-      <a:lvl8pPr marL="2268123" algn="l" defTabSz="648035" rtl="0" eaLnBrk="1" latinLnBrk="0" hangingPunct="1">
-        <a:defRPr sz="1276" kern="1200">
+      <a:lvl8pPr marL="3480435" algn="l" defTabSz="994410" rtl="0" eaLnBrk="1" latinLnBrk="0" hangingPunct="1">
+        <a:defRPr sz="1958" kern="1200">
           <a:solidFill>
             <a:schemeClr val="tx1"/>
           </a:solidFill>
@@ -2940,8 +2940,8 @@
           <a:cs typeface="+mn-cs"/>
         </a:defRPr>
       </a:lvl8pPr>
-      <a:lvl9pPr marL="2592141" algn="l" defTabSz="648035" rtl="0" eaLnBrk="1" latinLnBrk="0" hangingPunct="1">
-        <a:defRPr sz="1276" kern="1200">
+      <a:lvl9pPr marL="3977640" algn="l" defTabSz="994410" rtl="0" eaLnBrk="1" latinLnBrk="0" hangingPunct="1">
+        <a:defRPr sz="1958" kern="1200">
           <a:solidFill>
             <a:schemeClr val="tx1"/>
           </a:solidFill>
@@ -2974,80 +2974,10 @@
       </p:grpSpPr>
       <p:sp>
         <p:nvSpPr>
-          <p:cNvPr id="13" name="TextBox 12">
-            <a:extLst>
-              <a:ext uri="{FF2B5EF4-FFF2-40B4-BE49-F238E27FC236}">
-                <a16:creationId xmlns:a16="http://schemas.microsoft.com/office/drawing/2014/main" id="{A9AF6B27-39E3-6744-9A64-FD73D2FC4EDA}"/>
-              </a:ext>
-            </a:extLst>
-          </p:cNvPr>
-          <p:cNvSpPr txBox="1"/>
-          <p:nvPr/>
-        </p:nvSpPr>
-        <p:spPr>
-          <a:xfrm>
-            <a:off x="616874" y="4387864"/>
-            <a:ext cx="5027767" cy="1107996"/>
-          </a:xfrm>
-          <a:prstGeom prst="rect">
-            <a:avLst/>
-          </a:prstGeom>
-          <a:noFill/>
-        </p:spPr>
-        <p:txBody>
-          <a:bodyPr wrap="square" rtlCol="0">
-            <a:spAutoFit/>
-          </a:bodyPr>
-          <a:lstStyle/>
-          <a:p>
-            <a:r>
-              <a:rPr lang="en-CN" sz="1100" dirty="0">
-                <a:latin typeface="Arial" panose="020B0604020202020204" pitchFamily="34" charset="0"/>
-                <a:cs typeface="Arial" panose="020B0604020202020204" pitchFamily="34" charset="0"/>
-              </a:rPr>
-              <a:t>The workflow of of our method. For ion intensity prediction, we input the sequence and precursor charge (for RT prediction, we only input sequence).</a:t>
-            </a:r>
-          </a:p>
-          <a:p>
-            <a:r>
-              <a:rPr lang="en-CN" sz="1100" dirty="0">
-                <a:latin typeface="Arial" panose="020B0604020202020204" pitchFamily="34" charset="0"/>
-                <a:cs typeface="Arial" panose="020B0604020202020204" pitchFamily="34" charset="0"/>
-              </a:rPr>
-              <a:t>Then the sequence is embeded and take fo</a:t>
-            </a:r>
-            <a:r>
-              <a:rPr lang="en-US" sz="1100" dirty="0">
-                <a:latin typeface="Arial" panose="020B0604020202020204" pitchFamily="34" charset="0"/>
-                <a:cs typeface="Arial" panose="020B0604020202020204" pitchFamily="34" charset="0"/>
-              </a:rPr>
-              <a:t>r</a:t>
-            </a:r>
-            <a:r>
-              <a:rPr lang="en-CN" sz="1100" dirty="0">
-                <a:latin typeface="Arial" panose="020B0604020202020204" pitchFamily="34" charset="0"/>
-                <a:cs typeface="Arial" panose="020B0604020202020204" pitchFamily="34" charset="0"/>
-              </a:rPr>
-              <a:t>ward the LSTM and Transformer module and output the prediction. Especially, for RT prediction, </a:t>
-            </a:r>
-          </a:p>
-          <a:p>
-            <a:r>
-              <a:rPr lang="en-CN" sz="1100" dirty="0">
-                <a:latin typeface="Arial" panose="020B0604020202020204" pitchFamily="34" charset="0"/>
-                <a:cs typeface="Arial" panose="020B0604020202020204" pitchFamily="34" charset="0"/>
-              </a:rPr>
-              <a:t>we add a time-distributed module which would adaptively assign the different wieght for different amino acid in input. </a:t>
-            </a:r>
-          </a:p>
-        </p:txBody>
-      </p:sp>
-      <p:sp>
-        <p:nvSpPr>
-          <p:cNvPr id="421" name="Rounded Rectangle 53">
-            <a:extLst>
-              <a:ext uri="{FF2B5EF4-FFF2-40B4-BE49-F238E27FC236}">
-                <a16:creationId xmlns:a16="http://schemas.microsoft.com/office/drawing/2014/main" id="{2003C151-BFEA-4B3F-9CF0-22BD52B8EF5F}"/>
+          <p:cNvPr id="54" name="Rounded Rectangle 53">
+            <a:extLst>
+              <a:ext uri="{FF2B5EF4-FFF2-40B4-BE49-F238E27FC236}">
+                <a16:creationId xmlns:a16="http://schemas.microsoft.com/office/drawing/2014/main" id="{DF04A5A5-BB34-DA40-AE82-F800B5145E61}"/>
               </a:ext>
             </a:extLst>
           </p:cNvPr>
@@ -3056,8 +2986,8 @@
         </p:nvSpPr>
         <p:spPr>
           <a:xfrm>
-            <a:off x="4986633" y="1830936"/>
-            <a:ext cx="811008" cy="369332"/>
+            <a:off x="6598279" y="4215517"/>
+            <a:ext cx="2762698" cy="892341"/>
           </a:xfrm>
           <a:prstGeom prst="roundRect">
             <a:avLst/>
@@ -3089,19 +3019,16 @@
           <a:lstStyle/>
           <a:p>
             <a:pPr algn="ctr"/>
-            <a:endParaRPr lang="en-CN" dirty="0">
-              <a:latin typeface="Arial" panose="020B0604020202020204" pitchFamily="34" charset="0"/>
-              <a:cs typeface="Arial" panose="020B0604020202020204" pitchFamily="34" charset="0"/>
-            </a:endParaRPr>
-          </a:p>
-        </p:txBody>
-      </p:sp>
-      <p:sp>
-        <p:nvSpPr>
-          <p:cNvPr id="422" name="Rounded Rectangle 187">
-            <a:extLst>
-              <a:ext uri="{FF2B5EF4-FFF2-40B4-BE49-F238E27FC236}">
-                <a16:creationId xmlns:a16="http://schemas.microsoft.com/office/drawing/2014/main" id="{8FFE6E8D-D767-4129-82CA-982F16DB3089}"/>
+            <a:endParaRPr lang="en-CN" dirty="0"/>
+          </a:p>
+        </p:txBody>
+      </p:sp>
+      <p:sp>
+        <p:nvSpPr>
+          <p:cNvPr id="188" name="Rounded Rectangle 187">
+            <a:extLst>
+              <a:ext uri="{FF2B5EF4-FFF2-40B4-BE49-F238E27FC236}">
+                <a16:creationId xmlns:a16="http://schemas.microsoft.com/office/drawing/2014/main" id="{A79FE3A4-BD55-2141-9AB2-8E6D823BC2FF}"/>
               </a:ext>
             </a:extLst>
           </p:cNvPr>
@@ -3110,8 +3037,8 @@
         </p:nvSpPr>
         <p:spPr>
           <a:xfrm>
-            <a:off x="2911943" y="1653414"/>
-            <a:ext cx="1942352" cy="1723420"/>
+            <a:off x="3961847" y="4215517"/>
+            <a:ext cx="2589803" cy="2297893"/>
           </a:xfrm>
           <a:prstGeom prst="roundRect">
             <a:avLst/>
@@ -3138,19 +3065,16 @@
           <a:lstStyle/>
           <a:p>
             <a:pPr algn="ctr"/>
-            <a:endParaRPr lang="en-CN" sz="1468">
-              <a:latin typeface="Arial" panose="020B0604020202020204" pitchFamily="34" charset="0"/>
-              <a:cs typeface="Arial" panose="020B0604020202020204" pitchFamily="34" charset="0"/>
-            </a:endParaRPr>
-          </a:p>
-        </p:txBody>
-      </p:sp>
-      <p:sp>
-        <p:nvSpPr>
-          <p:cNvPr id="423" name="Oval 3">
-            <a:extLst>
-              <a:ext uri="{FF2B5EF4-FFF2-40B4-BE49-F238E27FC236}">
-                <a16:creationId xmlns:a16="http://schemas.microsoft.com/office/drawing/2014/main" id="{792E6BAE-7F36-4034-B0B4-D316196203E8}"/>
+            <a:endParaRPr lang="en-CN" sz="1468"/>
+          </a:p>
+        </p:txBody>
+      </p:sp>
+      <p:sp>
+        <p:nvSpPr>
+          <p:cNvPr id="4" name="Oval 3">
+            <a:extLst>
+              <a:ext uri="{FF2B5EF4-FFF2-40B4-BE49-F238E27FC236}">
+                <a16:creationId xmlns:a16="http://schemas.microsoft.com/office/drawing/2014/main" id="{C7F55314-AECB-9C47-A6E6-0704E22F76D9}"/>
               </a:ext>
             </a:extLst>
           </p:cNvPr>
@@ -3159,8 +3083,8 @@
         </p:nvSpPr>
         <p:spPr>
           <a:xfrm>
-            <a:off x="498180" y="1509015"/>
-            <a:ext cx="274684" cy="274684"/>
+            <a:off x="304556" y="4036836"/>
+            <a:ext cx="366245" cy="366245"/>
           </a:xfrm>
           <a:prstGeom prst="ellipse">
             <a:avLst/>
@@ -3188,10 +3112,7 @@
           <a:p>
             <a:pPr algn="ctr"/>
             <a:r>
-              <a:rPr lang="en-CN" sz="1000" dirty="0">
-                <a:latin typeface="Arial" panose="020B0604020202020204" pitchFamily="34" charset="0"/>
-                <a:cs typeface="Arial" panose="020B0604020202020204" pitchFamily="34" charset="0"/>
-              </a:rPr>
+              <a:rPr lang="en-CN" sz="1468" dirty="0"/>
               <a:t>P</a:t>
             </a:r>
           </a:p>
@@ -3199,10 +3120,10 @@
       </p:sp>
       <p:sp>
         <p:nvSpPr>
-          <p:cNvPr id="424" name="Oval 4">
-            <a:extLst>
-              <a:ext uri="{FF2B5EF4-FFF2-40B4-BE49-F238E27FC236}">
-                <a16:creationId xmlns:a16="http://schemas.microsoft.com/office/drawing/2014/main" id="{E8AC7E3A-3E76-4837-86F3-76FE09D2159D}"/>
+          <p:cNvPr id="5" name="Oval 4">
+            <a:extLst>
+              <a:ext uri="{FF2B5EF4-FFF2-40B4-BE49-F238E27FC236}">
+                <a16:creationId xmlns:a16="http://schemas.microsoft.com/office/drawing/2014/main" id="{E96AFA9E-2C60-8947-9449-DC492C5143DA}"/>
               </a:ext>
             </a:extLst>
           </p:cNvPr>
@@ -3211,8 +3132,8 @@
         </p:nvSpPr>
         <p:spPr>
           <a:xfrm>
-            <a:off x="498146" y="1852104"/>
-            <a:ext cx="274684" cy="274684"/>
+            <a:off x="304556" y="4514064"/>
+            <a:ext cx="366245" cy="366245"/>
           </a:xfrm>
           <a:prstGeom prst="ellipse">
             <a:avLst/>
@@ -3240,10 +3161,7 @@
           <a:p>
             <a:pPr algn="ctr"/>
             <a:r>
-              <a:rPr lang="en-CN" sz="1000" dirty="0">
-                <a:latin typeface="Arial" panose="020B0604020202020204" pitchFamily="34" charset="0"/>
-                <a:cs typeface="Arial" panose="020B0604020202020204" pitchFamily="34" charset="0"/>
-              </a:rPr>
+              <a:rPr lang="en-CN" sz="1468" dirty="0"/>
               <a:t>E</a:t>
             </a:r>
           </a:p>
@@ -3251,10 +3169,10 @@
       </p:sp>
       <p:sp>
         <p:nvSpPr>
-          <p:cNvPr id="425" name="Oval 5">
-            <a:extLst>
-              <a:ext uri="{FF2B5EF4-FFF2-40B4-BE49-F238E27FC236}">
-                <a16:creationId xmlns:a16="http://schemas.microsoft.com/office/drawing/2014/main" id="{F841A69B-1320-437E-8026-ABC099FB0CA8}"/>
+          <p:cNvPr id="6" name="Oval 5">
+            <a:extLst>
+              <a:ext uri="{FF2B5EF4-FFF2-40B4-BE49-F238E27FC236}">
+                <a16:creationId xmlns:a16="http://schemas.microsoft.com/office/drawing/2014/main" id="{61051406-1D04-8D42-89D0-A95066EE7A03}"/>
               </a:ext>
             </a:extLst>
           </p:cNvPr>
@@ -3263,8 +3181,8 @@
         </p:nvSpPr>
         <p:spPr>
           <a:xfrm>
-            <a:off x="498146" y="2212936"/>
-            <a:ext cx="274684" cy="274684"/>
+            <a:off x="304556" y="5011269"/>
+            <a:ext cx="366245" cy="366245"/>
           </a:xfrm>
           <a:prstGeom prst="ellipse">
             <a:avLst/>
@@ -3292,10 +3210,7 @@
           <a:p>
             <a:pPr algn="ctr"/>
             <a:r>
-              <a:rPr lang="en-CN" sz="1000" dirty="0">
-                <a:latin typeface="Arial" panose="020B0604020202020204" pitchFamily="34" charset="0"/>
-                <a:cs typeface="Arial" panose="020B0604020202020204" pitchFamily="34" charset="0"/>
-              </a:rPr>
+              <a:rPr lang="en-CN" sz="1468" dirty="0"/>
               <a:t>P</a:t>
             </a:r>
           </a:p>
@@ -3303,10 +3218,10 @@
       </p:sp>
       <p:sp>
         <p:nvSpPr>
-          <p:cNvPr id="426" name="Oval 6">
-            <a:extLst>
-              <a:ext uri="{FF2B5EF4-FFF2-40B4-BE49-F238E27FC236}">
-                <a16:creationId xmlns:a16="http://schemas.microsoft.com/office/drawing/2014/main" id="{D21A0DCD-3C9B-434D-B039-C59F4A8A7BFA}"/>
+          <p:cNvPr id="7" name="Oval 6">
+            <a:extLst>
+              <a:ext uri="{FF2B5EF4-FFF2-40B4-BE49-F238E27FC236}">
+                <a16:creationId xmlns:a16="http://schemas.microsoft.com/office/drawing/2014/main" id="{7332E229-767B-9C4E-B8ED-5A672F60977D}"/>
               </a:ext>
             </a:extLst>
           </p:cNvPr>
@@ -3315,8 +3230,8 @@
         </p:nvSpPr>
         <p:spPr>
           <a:xfrm>
-            <a:off x="496019" y="2897734"/>
-            <a:ext cx="274684" cy="274684"/>
+            <a:off x="304556" y="5895803"/>
+            <a:ext cx="366245" cy="366245"/>
           </a:xfrm>
           <a:prstGeom prst="ellipse">
             <a:avLst/>
@@ -3344,10 +3259,7 @@
           <a:p>
             <a:pPr algn="ctr"/>
             <a:r>
-              <a:rPr lang="en-CN" sz="1000" dirty="0">
-                <a:latin typeface="Arial" panose="020B0604020202020204" pitchFamily="34" charset="0"/>
-                <a:cs typeface="Arial" panose="020B0604020202020204" pitchFamily="34" charset="0"/>
-              </a:rPr>
+              <a:rPr lang="en-CN" sz="1468" dirty="0"/>
               <a:t>E</a:t>
             </a:r>
           </a:p>
@@ -3355,10 +3267,10 @@
       </p:sp>
       <p:sp>
         <p:nvSpPr>
-          <p:cNvPr id="427" name="Oval 7">
-            <a:extLst>
-              <a:ext uri="{FF2B5EF4-FFF2-40B4-BE49-F238E27FC236}">
-                <a16:creationId xmlns:a16="http://schemas.microsoft.com/office/drawing/2014/main" id="{515193A1-AD5B-498C-9487-1B3134027A3C}"/>
+          <p:cNvPr id="8" name="Oval 7">
+            <a:extLst>
+              <a:ext uri="{FF2B5EF4-FFF2-40B4-BE49-F238E27FC236}">
+                <a16:creationId xmlns:a16="http://schemas.microsoft.com/office/drawing/2014/main" id="{C54FF2E2-2DBC-EB49-800A-900E6C5EDE73}"/>
               </a:ext>
             </a:extLst>
           </p:cNvPr>
@@ -3367,8 +3279,8 @@
         </p:nvSpPr>
         <p:spPr>
           <a:xfrm flipV="1">
-            <a:off x="608513" y="2562918"/>
-            <a:ext cx="29133" cy="29133"/>
+            <a:off x="471031" y="5452981"/>
+            <a:ext cx="38844" cy="38844"/>
           </a:xfrm>
           <a:prstGeom prst="ellipse">
             <a:avLst/>
@@ -3407,18 +3319,16 @@
                   </a:schemeClr>
                 </a:outerShdw>
               </a:effectLst>
-              <a:latin typeface="Arial" panose="020B0604020202020204" pitchFamily="34" charset="0"/>
-              <a:cs typeface="Arial" panose="020B0604020202020204" pitchFamily="34" charset="0"/>
             </a:endParaRPr>
           </a:p>
         </p:txBody>
       </p:sp>
       <p:sp>
         <p:nvSpPr>
-          <p:cNvPr id="428" name="Oval 8">
-            <a:extLst>
-              <a:ext uri="{FF2B5EF4-FFF2-40B4-BE49-F238E27FC236}">
-                <a16:creationId xmlns:a16="http://schemas.microsoft.com/office/drawing/2014/main" id="{5703F309-69AA-4E5A-BA3D-77FC505C73F5}"/>
+          <p:cNvPr id="9" name="Oval 8">
+            <a:extLst>
+              <a:ext uri="{FF2B5EF4-FFF2-40B4-BE49-F238E27FC236}">
+                <a16:creationId xmlns:a16="http://schemas.microsoft.com/office/drawing/2014/main" id="{AA08736B-DEDE-1C4E-B4B8-1D1F52AD2112}"/>
               </a:ext>
             </a:extLst>
           </p:cNvPr>
@@ -3427,8 +3337,8 @@
         </p:nvSpPr>
         <p:spPr>
           <a:xfrm flipV="1">
-            <a:off x="608513" y="2684446"/>
-            <a:ext cx="29133" cy="29133"/>
+            <a:off x="471031" y="5615018"/>
+            <a:ext cx="38844" cy="38844"/>
           </a:xfrm>
           <a:prstGeom prst="ellipse">
             <a:avLst/>
@@ -3467,18 +3377,16 @@
                   </a:schemeClr>
                 </a:outerShdw>
               </a:effectLst>
-              <a:latin typeface="Arial" panose="020B0604020202020204" pitchFamily="34" charset="0"/>
-              <a:cs typeface="Arial" panose="020B0604020202020204" pitchFamily="34" charset="0"/>
             </a:endParaRPr>
           </a:p>
         </p:txBody>
       </p:sp>
       <p:sp>
         <p:nvSpPr>
-          <p:cNvPr id="429" name="Oval 9">
-            <a:extLst>
-              <a:ext uri="{FF2B5EF4-FFF2-40B4-BE49-F238E27FC236}">
-                <a16:creationId xmlns:a16="http://schemas.microsoft.com/office/drawing/2014/main" id="{755EB6CE-5E11-4835-8250-8BF6F74EB0E5}"/>
+          <p:cNvPr id="10" name="Oval 9">
+            <a:extLst>
+              <a:ext uri="{FF2B5EF4-FFF2-40B4-BE49-F238E27FC236}">
+                <a16:creationId xmlns:a16="http://schemas.microsoft.com/office/drawing/2014/main" id="{FF19435C-EF8F-8A4D-A148-76CC6BD37D64}"/>
               </a:ext>
             </a:extLst>
           </p:cNvPr>
@@ -3487,8 +3395,8 @@
         </p:nvSpPr>
         <p:spPr>
           <a:xfrm flipV="1">
-            <a:off x="612674" y="2809302"/>
-            <a:ext cx="29133" cy="29133"/>
+            <a:off x="476579" y="5781492"/>
+            <a:ext cx="38844" cy="38844"/>
           </a:xfrm>
           <a:prstGeom prst="ellipse">
             <a:avLst/>
@@ -3527,18 +3435,16 @@
                   </a:schemeClr>
                 </a:outerShdw>
               </a:effectLst>
-              <a:latin typeface="Arial" panose="020B0604020202020204" pitchFamily="34" charset="0"/>
-              <a:cs typeface="Arial" panose="020B0604020202020204" pitchFamily="34" charset="0"/>
             </a:endParaRPr>
           </a:p>
         </p:txBody>
       </p:sp>
       <p:cxnSp>
         <p:nvCxnSpPr>
-          <p:cNvPr id="430" name="Straight Connector 11">
-            <a:extLst>
-              <a:ext uri="{FF2B5EF4-FFF2-40B4-BE49-F238E27FC236}">
-                <a16:creationId xmlns:a16="http://schemas.microsoft.com/office/drawing/2014/main" id="{4D5A46E7-886D-4B54-B45B-B650FF6091CE}"/>
+          <p:cNvPr id="12" name="Straight Connector 11">
+            <a:extLst>
+              <a:ext uri="{FF2B5EF4-FFF2-40B4-BE49-F238E27FC236}">
+                <a16:creationId xmlns:a16="http://schemas.microsoft.com/office/drawing/2014/main" id="{D40C1E27-ABB2-FD42-992D-5535B4330813}"/>
               </a:ext>
             </a:extLst>
           </p:cNvPr>
@@ -3549,8 +3455,8 @@
         </p:nvCxnSpPr>
         <p:spPr>
           <a:xfrm>
-            <a:off x="1034576" y="1628194"/>
-            <a:ext cx="0" cy="1434184"/>
+            <a:off x="1083658" y="4215517"/>
+            <a:ext cx="0" cy="1912245"/>
           </a:xfrm>
           <a:prstGeom prst="line">
             <a:avLst/>
@@ -3574,23 +3480,22 @@
       </p:cxnSp>
       <p:cxnSp>
         <p:nvCxnSpPr>
-          <p:cNvPr id="431" name="Straight Connector 13">
-            <a:extLst>
-              <a:ext uri="{FF2B5EF4-FFF2-40B4-BE49-F238E27FC236}">
-                <a16:creationId xmlns:a16="http://schemas.microsoft.com/office/drawing/2014/main" id="{F17AB976-74DD-47ED-BDBF-7310FECD8E67}"/>
+          <p:cNvPr id="14" name="Straight Connector 13">
+            <a:extLst>
+              <a:ext uri="{FF2B5EF4-FFF2-40B4-BE49-F238E27FC236}">
+                <a16:creationId xmlns:a16="http://schemas.microsoft.com/office/drawing/2014/main" id="{B30758ED-A7E9-1944-8712-B78FC4C6C8A2}"/>
               </a:ext>
             </a:extLst>
           </p:cNvPr>
           <p:cNvCxnSpPr>
             <a:cxnSpLocks/>
-            <a:endCxn id="423" idx="6"/>
           </p:cNvCxnSpPr>
           <p:nvPr/>
         </p:nvCxnSpPr>
         <p:spPr>
-          <a:xfrm flipH="1" flipV="1">
-            <a:off x="772866" y="1646359"/>
-            <a:ext cx="252341" cy="7057"/>
+          <a:xfrm flipH="1">
+            <a:off x="815078" y="4215516"/>
+            <a:ext cx="275239" cy="0"/>
           </a:xfrm>
           <a:prstGeom prst="line">
             <a:avLst/>
@@ -3614,23 +3519,22 @@
       </p:cxnSp>
       <p:cxnSp>
         <p:nvCxnSpPr>
-          <p:cNvPr id="432" name="Straight Connector 16">
-            <a:extLst>
-              <a:ext uri="{FF2B5EF4-FFF2-40B4-BE49-F238E27FC236}">
-                <a16:creationId xmlns:a16="http://schemas.microsoft.com/office/drawing/2014/main" id="{98471B91-293B-4411-AD6B-0209FE9B5647}"/>
+          <p:cNvPr id="17" name="Straight Connector 16">
+            <a:extLst>
+              <a:ext uri="{FF2B5EF4-FFF2-40B4-BE49-F238E27FC236}">
+                <a16:creationId xmlns:a16="http://schemas.microsoft.com/office/drawing/2014/main" id="{66B8A594-61F3-8149-B0F6-B8E08A0F5F5A}"/>
               </a:ext>
             </a:extLst>
           </p:cNvPr>
           <p:cNvCxnSpPr>
             <a:cxnSpLocks/>
-            <a:endCxn id="426" idx="6"/>
           </p:cNvCxnSpPr>
           <p:nvPr/>
         </p:nvCxnSpPr>
         <p:spPr>
-          <a:xfrm flipH="1" flipV="1">
-            <a:off x="770705" y="3035078"/>
-            <a:ext cx="291923" cy="6659"/>
+          <a:xfrm flipH="1">
+            <a:off x="815078" y="6114444"/>
+            <a:ext cx="275239" cy="0"/>
           </a:xfrm>
           <a:prstGeom prst="line">
             <a:avLst/>
@@ -3654,23 +3558,22 @@
       </p:cxnSp>
       <p:cxnSp>
         <p:nvCxnSpPr>
-          <p:cNvPr id="433" name="Straight Connector 17">
-            <a:extLst>
-              <a:ext uri="{FF2B5EF4-FFF2-40B4-BE49-F238E27FC236}">
-                <a16:creationId xmlns:a16="http://schemas.microsoft.com/office/drawing/2014/main" id="{B1B19D59-1041-43F3-AC6B-8359560708B1}"/>
+          <p:cNvPr id="18" name="Straight Connector 17">
+            <a:extLst>
+              <a:ext uri="{FF2B5EF4-FFF2-40B4-BE49-F238E27FC236}">
+                <a16:creationId xmlns:a16="http://schemas.microsoft.com/office/drawing/2014/main" id="{B7E4E1C2-1F4A-0A48-BABC-B9EE0B7D70DC}"/>
               </a:ext>
             </a:extLst>
           </p:cNvPr>
           <p:cNvCxnSpPr>
             <a:cxnSpLocks/>
-            <a:endCxn id="425" idx="6"/>
           </p:cNvCxnSpPr>
           <p:nvPr/>
         </p:nvCxnSpPr>
         <p:spPr>
           <a:xfrm flipH="1">
-            <a:off x="772832" y="2350278"/>
-            <a:ext cx="272061" cy="0"/>
+            <a:off x="801760" y="5206599"/>
+            <a:ext cx="275239" cy="0"/>
           </a:xfrm>
           <a:prstGeom prst="line">
             <a:avLst/>
@@ -3694,23 +3597,22 @@
       </p:cxnSp>
       <p:cxnSp>
         <p:nvCxnSpPr>
-          <p:cNvPr id="434" name="Straight Connector 18">
-            <a:extLst>
-              <a:ext uri="{FF2B5EF4-FFF2-40B4-BE49-F238E27FC236}">
-                <a16:creationId xmlns:a16="http://schemas.microsoft.com/office/drawing/2014/main" id="{78D5BDA5-2A73-4FF4-92AD-239CC84A7A72}"/>
+          <p:cNvPr id="19" name="Straight Connector 18">
+            <a:extLst>
+              <a:ext uri="{FF2B5EF4-FFF2-40B4-BE49-F238E27FC236}">
+                <a16:creationId xmlns:a16="http://schemas.microsoft.com/office/drawing/2014/main" id="{657A9A93-5ADC-664B-B110-FEFD6C1FFC86}"/>
               </a:ext>
             </a:extLst>
           </p:cNvPr>
           <p:cNvCxnSpPr>
             <a:cxnSpLocks/>
-            <a:endCxn id="424" idx="6"/>
           </p:cNvCxnSpPr>
           <p:nvPr/>
         </p:nvCxnSpPr>
         <p:spPr>
           <a:xfrm flipH="1">
-            <a:off x="772830" y="1989446"/>
-            <a:ext cx="261748" cy="0"/>
+            <a:off x="808419" y="4697186"/>
+            <a:ext cx="275239" cy="0"/>
           </a:xfrm>
           <a:prstGeom prst="line">
             <a:avLst/>
@@ -3734,22 +3636,20 @@
       </p:cxnSp>
       <p:cxnSp>
         <p:nvCxnSpPr>
-          <p:cNvPr id="435" name="Straight Arrow Connector 24">
-            <a:extLst>
-              <a:ext uri="{FF2B5EF4-FFF2-40B4-BE49-F238E27FC236}">
-                <a16:creationId xmlns:a16="http://schemas.microsoft.com/office/drawing/2014/main" id="{DBD4C1A8-BCE0-46F2-B613-A5ECFE6EE49A}"/>
-              </a:ext>
-            </a:extLst>
-          </p:cNvPr>
-          <p:cNvCxnSpPr>
-            <a:cxnSpLocks/>
-          </p:cNvCxnSpPr>
+          <p:cNvPr id="25" name="Straight Arrow Connector 24">
+            <a:extLst>
+              <a:ext uri="{FF2B5EF4-FFF2-40B4-BE49-F238E27FC236}">
+                <a16:creationId xmlns:a16="http://schemas.microsoft.com/office/drawing/2014/main" id="{6941776B-20CC-CC44-9662-3FAA7129A79F}"/>
+              </a:ext>
+            </a:extLst>
+          </p:cNvPr>
+          <p:cNvCxnSpPr/>
           <p:nvPr/>
         </p:nvCxnSpPr>
         <p:spPr>
           <a:xfrm>
-            <a:off x="1025205" y="2456815"/>
-            <a:ext cx="164816" cy="0"/>
+            <a:off x="1071163" y="5320344"/>
+            <a:ext cx="439495" cy="0"/>
           </a:xfrm>
           <a:prstGeom prst="straightConnector1">
             <a:avLst/>
@@ -3775,10 +3675,10 @@
       </p:cxnSp>
       <p:sp>
         <p:nvSpPr>
-          <p:cNvPr id="436" name="Rounded Rectangle 25">
-            <a:extLst>
-              <a:ext uri="{FF2B5EF4-FFF2-40B4-BE49-F238E27FC236}">
-                <a16:creationId xmlns:a16="http://schemas.microsoft.com/office/drawing/2014/main" id="{208713B8-1441-448E-BAF5-72171E441625}"/>
+          <p:cNvPr id="26" name="Rounded Rectangle 25">
+            <a:extLst>
+              <a:ext uri="{FF2B5EF4-FFF2-40B4-BE49-F238E27FC236}">
+                <a16:creationId xmlns:a16="http://schemas.microsoft.com/office/drawing/2014/main" id="{4996AEDA-191F-BD4D-AE76-F7E5A18FCBFD}"/>
               </a:ext>
             </a:extLst>
           </p:cNvPr>
@@ -3787,8 +3687,8 @@
         </p:nvSpPr>
         <p:spPr>
           <a:xfrm>
-            <a:off x="1204098" y="1628198"/>
-            <a:ext cx="1513256" cy="1723421"/>
+            <a:off x="1504675" y="4215519"/>
+            <a:ext cx="2017675" cy="2297894"/>
           </a:xfrm>
           <a:prstGeom prst="roundRect">
             <a:avLst/>
@@ -3818,19 +3718,16 @@
           <a:lstStyle/>
           <a:p>
             <a:pPr algn="ctr"/>
-            <a:endParaRPr lang="en-CN" sz="1468">
-              <a:latin typeface="Arial" panose="020B0604020202020204" pitchFamily="34" charset="0"/>
-              <a:cs typeface="Arial" panose="020B0604020202020204" pitchFamily="34" charset="0"/>
-            </a:endParaRPr>
-          </a:p>
-        </p:txBody>
-      </p:sp>
-      <p:sp>
-        <p:nvSpPr>
-          <p:cNvPr id="437" name="Rounded Rectangle 26">
-            <a:extLst>
-              <a:ext uri="{FF2B5EF4-FFF2-40B4-BE49-F238E27FC236}">
-                <a16:creationId xmlns:a16="http://schemas.microsoft.com/office/drawing/2014/main" id="{B008381E-244D-4655-B2FF-7C0343AA8D6D}"/>
+            <a:endParaRPr lang="en-CN" sz="1468"/>
+          </a:p>
+        </p:txBody>
+      </p:sp>
+      <p:sp>
+        <p:nvSpPr>
+          <p:cNvPr id="27" name="Rounded Rectangle 26">
+            <a:extLst>
+              <a:ext uri="{FF2B5EF4-FFF2-40B4-BE49-F238E27FC236}">
+                <a16:creationId xmlns:a16="http://schemas.microsoft.com/office/drawing/2014/main" id="{E6A5278A-30EA-5346-8F7F-7C1782F145BB}"/>
               </a:ext>
             </a:extLst>
           </p:cNvPr>
@@ -3839,8 +3736,8 @@
         </p:nvSpPr>
         <p:spPr>
           <a:xfrm rot="5400000">
-            <a:off x="1375880" y="1635087"/>
-            <a:ext cx="153990" cy="432834"/>
+            <a:off x="1733718" y="4224708"/>
+            <a:ext cx="205320" cy="577112"/>
           </a:xfrm>
           <a:prstGeom prst="roundRect">
             <a:avLst/>
@@ -3868,19 +3765,16 @@
           <a:lstStyle/>
           <a:p>
             <a:pPr algn="ctr"/>
-            <a:endParaRPr lang="en-CN" sz="1468">
-              <a:latin typeface="Arial" panose="020B0604020202020204" pitchFamily="34" charset="0"/>
-              <a:cs typeface="Arial" panose="020B0604020202020204" pitchFamily="34" charset="0"/>
-            </a:endParaRPr>
-          </a:p>
-        </p:txBody>
-      </p:sp>
-      <p:sp>
-        <p:nvSpPr>
-          <p:cNvPr id="438" name="Rounded Rectangle 29">
-            <a:extLst>
-              <a:ext uri="{FF2B5EF4-FFF2-40B4-BE49-F238E27FC236}">
-                <a16:creationId xmlns:a16="http://schemas.microsoft.com/office/drawing/2014/main" id="{6EF2C6E9-3842-4AF2-9694-EAC7801CDF74}"/>
+            <a:endParaRPr lang="en-CN" sz="1468"/>
+          </a:p>
+        </p:txBody>
+      </p:sp>
+      <p:sp>
+        <p:nvSpPr>
+          <p:cNvPr id="30" name="Rounded Rectangle 29">
+            <a:extLst>
+              <a:ext uri="{FF2B5EF4-FFF2-40B4-BE49-F238E27FC236}">
+                <a16:creationId xmlns:a16="http://schemas.microsoft.com/office/drawing/2014/main" id="{5C80084A-B654-7A45-96C4-43C82C2F2C2D}"/>
               </a:ext>
             </a:extLst>
           </p:cNvPr>
@@ -3889,8 +3783,8 @@
         </p:nvSpPr>
         <p:spPr>
           <a:xfrm rot="5400000">
-            <a:off x="1366731" y="1991070"/>
-            <a:ext cx="153990" cy="432834"/>
+            <a:off x="1721519" y="4699352"/>
+            <a:ext cx="205320" cy="577112"/>
           </a:xfrm>
           <a:prstGeom prst="roundRect">
             <a:avLst/>
@@ -3917,19 +3811,16 @@
           <a:lstStyle/>
           <a:p>
             <a:pPr algn="ctr"/>
-            <a:endParaRPr lang="en-CN" sz="1468">
-              <a:latin typeface="Arial" panose="020B0604020202020204" pitchFamily="34" charset="0"/>
-              <a:cs typeface="Arial" panose="020B0604020202020204" pitchFamily="34" charset="0"/>
-            </a:endParaRPr>
-          </a:p>
-        </p:txBody>
-      </p:sp>
-      <p:sp>
-        <p:nvSpPr>
-          <p:cNvPr id="439" name="Rounded Rectangle 30">
-            <a:extLst>
-              <a:ext uri="{FF2B5EF4-FFF2-40B4-BE49-F238E27FC236}">
-                <a16:creationId xmlns:a16="http://schemas.microsoft.com/office/drawing/2014/main" id="{AF98B49D-4403-41C6-AFEB-24662E691180}"/>
+            <a:endParaRPr lang="en-CN" sz="1468"/>
+          </a:p>
+        </p:txBody>
+      </p:sp>
+      <p:sp>
+        <p:nvSpPr>
+          <p:cNvPr id="31" name="Rounded Rectangle 30">
+            <a:extLst>
+              <a:ext uri="{FF2B5EF4-FFF2-40B4-BE49-F238E27FC236}">
+                <a16:creationId xmlns:a16="http://schemas.microsoft.com/office/drawing/2014/main" id="{B2EEAC09-ED9C-3540-A006-1B4AE703A0A2}"/>
               </a:ext>
             </a:extLst>
           </p:cNvPr>
@@ -3938,8 +3829,8 @@
         </p:nvSpPr>
         <p:spPr>
           <a:xfrm rot="5400000">
-            <a:off x="1383371" y="2348198"/>
-            <a:ext cx="153990" cy="432834"/>
+            <a:off x="1743706" y="5175522"/>
+            <a:ext cx="205320" cy="577112"/>
           </a:xfrm>
           <a:prstGeom prst="roundRect">
             <a:avLst/>
@@ -3966,19 +3857,16 @@
           <a:lstStyle/>
           <a:p>
             <a:pPr algn="ctr"/>
-            <a:endParaRPr lang="en-CN" sz="1468">
-              <a:latin typeface="Arial" panose="020B0604020202020204" pitchFamily="34" charset="0"/>
-              <a:cs typeface="Arial" panose="020B0604020202020204" pitchFamily="34" charset="0"/>
-            </a:endParaRPr>
+            <a:endParaRPr lang="en-CN" sz="1468"/>
           </a:p>
         </p:txBody>
       </p:sp>
       <p:cxnSp>
         <p:nvCxnSpPr>
-          <p:cNvPr id="440" name="Straight Arrow Connector 34">
-            <a:extLst>
-              <a:ext uri="{FF2B5EF4-FFF2-40B4-BE49-F238E27FC236}">
-                <a16:creationId xmlns:a16="http://schemas.microsoft.com/office/drawing/2014/main" id="{EDFB6FCC-B9EF-43DA-AB71-A155B0B33D5A}"/>
+          <p:cNvPr id="35" name="Straight Arrow Connector 34">
+            <a:extLst>
+              <a:ext uri="{FF2B5EF4-FFF2-40B4-BE49-F238E27FC236}">
+                <a16:creationId xmlns:a16="http://schemas.microsoft.com/office/drawing/2014/main" id="{71EEF666-640D-4A41-B720-63BDB98A32E9}"/>
               </a:ext>
             </a:extLst>
           </p:cNvPr>
@@ -3989,8 +3877,8 @@
         </p:nvCxnSpPr>
         <p:spPr>
           <a:xfrm>
-            <a:off x="1367141" y="1938847"/>
-            <a:ext cx="0" cy="191647"/>
+            <a:off x="1722066" y="4629718"/>
+            <a:ext cx="0" cy="255529"/>
           </a:xfrm>
           <a:prstGeom prst="straightConnector1">
             <a:avLst/>
@@ -4016,10 +3904,10 @@
       </p:cxnSp>
       <p:sp>
         <p:nvSpPr>
-          <p:cNvPr id="441" name="Rounded Rectangle 36">
-            <a:extLst>
-              <a:ext uri="{FF2B5EF4-FFF2-40B4-BE49-F238E27FC236}">
-                <a16:creationId xmlns:a16="http://schemas.microsoft.com/office/drawing/2014/main" id="{AD24EDD3-4E98-4330-8B2D-39F39CA795E6}"/>
+          <p:cNvPr id="37" name="Rounded Rectangle 36">
+            <a:extLst>
+              <a:ext uri="{FF2B5EF4-FFF2-40B4-BE49-F238E27FC236}">
+                <a16:creationId xmlns:a16="http://schemas.microsoft.com/office/drawing/2014/main" id="{23CE359C-6969-E14D-A922-42EC480A8F1F}"/>
               </a:ext>
             </a:extLst>
           </p:cNvPr>
@@ -4028,8 +3916,8 @@
         </p:nvSpPr>
         <p:spPr>
           <a:xfrm rot="5400000">
-            <a:off x="1388371" y="2895654"/>
-            <a:ext cx="153990" cy="432834"/>
+            <a:off x="1750373" y="5905463"/>
+            <a:ext cx="205320" cy="577112"/>
           </a:xfrm>
           <a:prstGeom prst="roundRect">
             <a:avLst/>
@@ -4056,19 +3944,16 @@
           <a:lstStyle/>
           <a:p>
             <a:pPr algn="ctr"/>
-            <a:endParaRPr lang="en-CN" sz="1468">
-              <a:latin typeface="Arial" panose="020B0604020202020204" pitchFamily="34" charset="0"/>
-              <a:cs typeface="Arial" panose="020B0604020202020204" pitchFamily="34" charset="0"/>
-            </a:endParaRPr>
+            <a:endParaRPr lang="en-CN" sz="1468"/>
           </a:p>
         </p:txBody>
       </p:sp>
       <p:cxnSp>
         <p:nvCxnSpPr>
-          <p:cNvPr id="442" name="Straight Arrow Connector 38">
-            <a:extLst>
-              <a:ext uri="{FF2B5EF4-FFF2-40B4-BE49-F238E27FC236}">
-                <a16:creationId xmlns:a16="http://schemas.microsoft.com/office/drawing/2014/main" id="{53C628C4-1403-43C5-A385-E35F311969F0}"/>
+          <p:cNvPr id="39" name="Straight Arrow Connector 38">
+            <a:extLst>
+              <a:ext uri="{FF2B5EF4-FFF2-40B4-BE49-F238E27FC236}">
+                <a16:creationId xmlns:a16="http://schemas.microsoft.com/office/drawing/2014/main" id="{AE76A9F9-1C45-2440-B152-2285406678B6}"/>
               </a:ext>
             </a:extLst>
           </p:cNvPr>
@@ -4079,8 +3964,8 @@
         </p:nvCxnSpPr>
         <p:spPr>
           <a:xfrm>
-            <a:off x="1358805" y="2284485"/>
-            <a:ext cx="0" cy="198159"/>
+            <a:off x="1710952" y="5090568"/>
+            <a:ext cx="0" cy="264212"/>
           </a:xfrm>
           <a:prstGeom prst="straightConnector1">
             <a:avLst/>
@@ -4106,10 +3991,10 @@
       </p:cxnSp>
       <p:cxnSp>
         <p:nvCxnSpPr>
-          <p:cNvPr id="443" name="Straight Arrow Connector 39">
-            <a:extLst>
-              <a:ext uri="{FF2B5EF4-FFF2-40B4-BE49-F238E27FC236}">
-                <a16:creationId xmlns:a16="http://schemas.microsoft.com/office/drawing/2014/main" id="{B56016A4-7044-4C62-9A9C-AD4380D97A91}"/>
+          <p:cNvPr id="40" name="Straight Arrow Connector 39">
+            <a:extLst>
+              <a:ext uri="{FF2B5EF4-FFF2-40B4-BE49-F238E27FC236}">
+                <a16:creationId xmlns:a16="http://schemas.microsoft.com/office/drawing/2014/main" id="{CC8D5B2D-7849-6B42-99ED-4D3F020A9C28}"/>
               </a:ext>
             </a:extLst>
           </p:cNvPr>
@@ -4120,8 +4005,8 @@
         </p:nvCxnSpPr>
         <p:spPr>
           <a:xfrm>
-            <a:off x="1354658" y="2873896"/>
-            <a:ext cx="2497" cy="161180"/>
+            <a:off x="1705420" y="5876452"/>
+            <a:ext cx="3329" cy="214907"/>
           </a:xfrm>
           <a:prstGeom prst="straightConnector1">
             <a:avLst/>
@@ -4147,10 +4032,10 @@
       </p:cxnSp>
       <p:cxnSp>
         <p:nvCxnSpPr>
-          <p:cNvPr id="444" name="Straight Connector 41">
-            <a:extLst>
-              <a:ext uri="{FF2B5EF4-FFF2-40B4-BE49-F238E27FC236}">
-                <a16:creationId xmlns:a16="http://schemas.microsoft.com/office/drawing/2014/main" id="{B1CB5729-FD60-4554-BA6A-32DF0B7C0E49}"/>
+          <p:cNvPr id="42" name="Straight Connector 41">
+            <a:extLst>
+              <a:ext uri="{FF2B5EF4-FFF2-40B4-BE49-F238E27FC236}">
+                <a16:creationId xmlns:a16="http://schemas.microsoft.com/office/drawing/2014/main" id="{DD1AAA23-D167-084E-BC91-A76E7A79F51E}"/>
               </a:ext>
             </a:extLst>
           </p:cNvPr>
@@ -4161,8 +4046,8 @@
         </p:nvCxnSpPr>
         <p:spPr>
           <a:xfrm>
-            <a:off x="1357146" y="2636057"/>
-            <a:ext cx="0" cy="131411"/>
+            <a:off x="1708739" y="5559331"/>
+            <a:ext cx="0" cy="175215"/>
           </a:xfrm>
           <a:prstGeom prst="line">
             <a:avLst/>
@@ -4186,10 +4071,10 @@
       </p:cxnSp>
       <p:cxnSp>
         <p:nvCxnSpPr>
-          <p:cNvPr id="445" name="Straight Connector 44">
-            <a:extLst>
-              <a:ext uri="{FF2B5EF4-FFF2-40B4-BE49-F238E27FC236}">
-                <a16:creationId xmlns:a16="http://schemas.microsoft.com/office/drawing/2014/main" id="{1E4AEF3C-BE0C-45AE-A830-353CB85417EC}"/>
+          <p:cNvPr id="45" name="Straight Connector 44">
+            <a:extLst>
+              <a:ext uri="{FF2B5EF4-FFF2-40B4-BE49-F238E27FC236}">
+                <a16:creationId xmlns:a16="http://schemas.microsoft.com/office/drawing/2014/main" id="{2A869D40-896C-4243-8D2D-C2E58E1106AC}"/>
               </a:ext>
             </a:extLst>
           </p:cNvPr>
@@ -4200,8 +4085,8 @@
         </p:nvCxnSpPr>
         <p:spPr>
           <a:xfrm flipH="1" flipV="1">
-            <a:off x="1292213" y="2744309"/>
-            <a:ext cx="133186" cy="54458"/>
+            <a:off x="1622162" y="5703670"/>
+            <a:ext cx="177581" cy="72611"/>
           </a:xfrm>
           <a:prstGeom prst="line">
             <a:avLst/>
@@ -4225,10 +4110,10 @@
       </p:cxnSp>
       <p:cxnSp>
         <p:nvCxnSpPr>
-          <p:cNvPr id="446" name="Straight Arrow Connector 77">
-            <a:extLst>
-              <a:ext uri="{FF2B5EF4-FFF2-40B4-BE49-F238E27FC236}">
-                <a16:creationId xmlns:a16="http://schemas.microsoft.com/office/drawing/2014/main" id="{1E61EB8B-F9B4-42B3-B1F3-C50007F373FC}"/>
+          <p:cNvPr id="78" name="Straight Arrow Connector 77">
+            <a:extLst>
+              <a:ext uri="{FF2B5EF4-FFF2-40B4-BE49-F238E27FC236}">
+                <a16:creationId xmlns:a16="http://schemas.microsoft.com/office/drawing/2014/main" id="{A618F1EE-15F1-694E-8C2F-202CA4DD13B2}"/>
               </a:ext>
             </a:extLst>
           </p:cNvPr>
@@ -4239,8 +4124,8 @@
         </p:nvCxnSpPr>
         <p:spPr>
           <a:xfrm flipV="1">
-            <a:off x="1528614" y="1918584"/>
-            <a:ext cx="0" cy="211908"/>
+            <a:off x="1937363" y="4602703"/>
+            <a:ext cx="0" cy="282544"/>
           </a:xfrm>
           <a:prstGeom prst="straightConnector1">
             <a:avLst/>
@@ -4266,10 +4151,10 @@
       </p:cxnSp>
       <p:cxnSp>
         <p:nvCxnSpPr>
-          <p:cNvPr id="447" name="Straight Arrow Connector 81">
-            <a:extLst>
-              <a:ext uri="{FF2B5EF4-FFF2-40B4-BE49-F238E27FC236}">
-                <a16:creationId xmlns:a16="http://schemas.microsoft.com/office/drawing/2014/main" id="{2FD77F6E-568C-429B-9E3B-046FB211C49C}"/>
+          <p:cNvPr id="82" name="Straight Arrow Connector 81">
+            <a:extLst>
+              <a:ext uri="{FF2B5EF4-FFF2-40B4-BE49-F238E27FC236}">
+                <a16:creationId xmlns:a16="http://schemas.microsoft.com/office/drawing/2014/main" id="{9BE59F72-FADA-2C42-9CB1-6CF577D5A4A9}"/>
               </a:ext>
             </a:extLst>
           </p:cNvPr>
@@ -4280,8 +4165,8 @@
         </p:nvCxnSpPr>
         <p:spPr>
           <a:xfrm flipV="1">
-            <a:off x="1528614" y="2280144"/>
-            <a:ext cx="0" cy="211908"/>
+            <a:off x="1937363" y="5084783"/>
+            <a:ext cx="0" cy="282544"/>
           </a:xfrm>
           <a:prstGeom prst="straightConnector1">
             <a:avLst/>
@@ -4307,10 +4192,10 @@
       </p:cxnSp>
       <p:cxnSp>
         <p:nvCxnSpPr>
-          <p:cNvPr id="448" name="Straight Connector 90">
-            <a:extLst>
-              <a:ext uri="{FF2B5EF4-FFF2-40B4-BE49-F238E27FC236}">
-                <a16:creationId xmlns:a16="http://schemas.microsoft.com/office/drawing/2014/main" id="{70425880-B108-47A8-AE8E-5270900FD1B2}"/>
+          <p:cNvPr id="91" name="Straight Connector 90">
+            <a:extLst>
+              <a:ext uri="{FF2B5EF4-FFF2-40B4-BE49-F238E27FC236}">
+                <a16:creationId xmlns:a16="http://schemas.microsoft.com/office/drawing/2014/main" id="{D4DCB397-8819-6541-8B58-78310E84FFAF}"/>
               </a:ext>
             </a:extLst>
           </p:cNvPr>
@@ -4321,8 +4206,8 @@
         </p:nvCxnSpPr>
         <p:spPr>
           <a:xfrm flipH="1" flipV="1">
-            <a:off x="1288063" y="2846324"/>
-            <a:ext cx="133186" cy="54458"/>
+            <a:off x="1616629" y="5839690"/>
+            <a:ext cx="177581" cy="72611"/>
           </a:xfrm>
           <a:prstGeom prst="line">
             <a:avLst/>
@@ -4346,10 +4231,10 @@
       </p:cxnSp>
       <p:cxnSp>
         <p:nvCxnSpPr>
-          <p:cNvPr id="449" name="Straight Connector 92">
-            <a:extLst>
-              <a:ext uri="{FF2B5EF4-FFF2-40B4-BE49-F238E27FC236}">
-                <a16:creationId xmlns:a16="http://schemas.microsoft.com/office/drawing/2014/main" id="{2C11CA4E-AF7D-4C7E-9832-4EB44B5264AC}"/>
+          <p:cNvPr id="93" name="Straight Connector 92">
+            <a:extLst>
+              <a:ext uri="{FF2B5EF4-FFF2-40B4-BE49-F238E27FC236}">
+                <a16:creationId xmlns:a16="http://schemas.microsoft.com/office/drawing/2014/main" id="{9F881CAF-D3A9-8C4D-B37B-8F3FAABEB130}"/>
               </a:ext>
             </a:extLst>
           </p:cNvPr>
@@ -4360,8 +4245,8 @@
         </p:nvCxnSpPr>
         <p:spPr>
           <a:xfrm flipH="1" flipV="1">
-            <a:off x="1473133" y="2789175"/>
-            <a:ext cx="133186" cy="54458"/>
+            <a:off x="1863389" y="5763491"/>
+            <a:ext cx="177581" cy="72611"/>
           </a:xfrm>
           <a:prstGeom prst="line">
             <a:avLst/>
@@ -4385,10 +4270,10 @@
       </p:cxnSp>
       <p:cxnSp>
         <p:nvCxnSpPr>
-          <p:cNvPr id="450" name="Straight Connector 93">
-            <a:extLst>
-              <a:ext uri="{FF2B5EF4-FFF2-40B4-BE49-F238E27FC236}">
-                <a16:creationId xmlns:a16="http://schemas.microsoft.com/office/drawing/2014/main" id="{ED867A2C-7377-4200-9630-559559D0EE63}"/>
+          <p:cNvPr id="94" name="Straight Connector 93">
+            <a:extLst>
+              <a:ext uri="{FF2B5EF4-FFF2-40B4-BE49-F238E27FC236}">
+                <a16:creationId xmlns:a16="http://schemas.microsoft.com/office/drawing/2014/main" id="{D9E086F8-8A21-5D43-B945-D5DB847AE5A2}"/>
               </a:ext>
             </a:extLst>
           </p:cNvPr>
@@ -4399,8 +4284,8 @@
         </p:nvCxnSpPr>
         <p:spPr>
           <a:xfrm flipH="1" flipV="1">
-            <a:off x="1472007" y="2870023"/>
-            <a:ext cx="133186" cy="54458"/>
+            <a:off x="1861888" y="5871289"/>
+            <a:ext cx="177581" cy="72611"/>
           </a:xfrm>
           <a:prstGeom prst="line">
             <a:avLst/>
@@ -4424,10 +4309,10 @@
       </p:cxnSp>
       <p:cxnSp>
         <p:nvCxnSpPr>
-          <p:cNvPr id="451" name="Straight Arrow Connector 97">
-            <a:extLst>
-              <a:ext uri="{FF2B5EF4-FFF2-40B4-BE49-F238E27FC236}">
-                <a16:creationId xmlns:a16="http://schemas.microsoft.com/office/drawing/2014/main" id="{B14E2CA0-0AC8-4137-8DF6-3000C22FB961}"/>
+          <p:cNvPr id="98" name="Straight Arrow Connector 97">
+            <a:extLst>
+              <a:ext uri="{FF2B5EF4-FFF2-40B4-BE49-F238E27FC236}">
+                <a16:creationId xmlns:a16="http://schemas.microsoft.com/office/drawing/2014/main" id="{C321FC3A-801C-AA41-9001-55F0424091B8}"/>
               </a:ext>
             </a:extLst>
           </p:cNvPr>
@@ -4438,8 +4323,8 @@
         </p:nvCxnSpPr>
         <p:spPr>
           <a:xfrm flipH="1" flipV="1">
-            <a:off x="1533609" y="2638356"/>
-            <a:ext cx="4992" cy="178048"/>
+            <a:off x="1944023" y="5562399"/>
+            <a:ext cx="6656" cy="237397"/>
           </a:xfrm>
           <a:prstGeom prst="straightConnector1">
             <a:avLst/>
@@ -4465,10 +4350,10 @@
       </p:cxnSp>
       <p:cxnSp>
         <p:nvCxnSpPr>
-          <p:cNvPr id="452" name="Straight Connector 99">
-            <a:extLst>
-              <a:ext uri="{FF2B5EF4-FFF2-40B4-BE49-F238E27FC236}">
-                <a16:creationId xmlns:a16="http://schemas.microsoft.com/office/drawing/2014/main" id="{12D199AF-9586-4853-AD17-2F87B505BBA1}"/>
+          <p:cNvPr id="100" name="Straight Connector 99">
+            <a:extLst>
+              <a:ext uri="{FF2B5EF4-FFF2-40B4-BE49-F238E27FC236}">
+                <a16:creationId xmlns:a16="http://schemas.microsoft.com/office/drawing/2014/main" id="{6A33F69B-10A7-5243-B0FC-D9CBDDA62076}"/>
               </a:ext>
             </a:extLst>
           </p:cNvPr>
@@ -4479,8 +4364,8 @@
         </p:nvCxnSpPr>
         <p:spPr>
           <a:xfrm>
-            <a:off x="1533609" y="2893285"/>
-            <a:ext cx="4992" cy="148450"/>
+            <a:off x="1944023" y="5902304"/>
+            <a:ext cx="6656" cy="197933"/>
           </a:xfrm>
           <a:prstGeom prst="line">
             <a:avLst/>
@@ -4504,10 +4389,10 @@
       </p:cxnSp>
       <p:sp>
         <p:nvSpPr>
-          <p:cNvPr id="453" name="Rounded Rectangle 104">
-            <a:extLst>
-              <a:ext uri="{FF2B5EF4-FFF2-40B4-BE49-F238E27FC236}">
-                <a16:creationId xmlns:a16="http://schemas.microsoft.com/office/drawing/2014/main" id="{0E04EB7A-C454-434E-AB2B-ED7C5C62F485}"/>
+          <p:cNvPr id="105" name="Rounded Rectangle 104">
+            <a:extLst>
+              <a:ext uri="{FF2B5EF4-FFF2-40B4-BE49-F238E27FC236}">
+                <a16:creationId xmlns:a16="http://schemas.microsoft.com/office/drawing/2014/main" id="{3D9FCE1E-C8DE-C841-8B1E-F8B04CA2EA37}"/>
               </a:ext>
             </a:extLst>
           </p:cNvPr>
@@ -4516,8 +4401,8 @@
         </p:nvSpPr>
         <p:spPr>
           <a:xfrm rot="5400000">
-            <a:off x="2380264" y="1635087"/>
-            <a:ext cx="153990" cy="432834"/>
+            <a:off x="3072897" y="4224708"/>
+            <a:ext cx="205320" cy="577112"/>
           </a:xfrm>
           <a:prstGeom prst="roundRect">
             <a:avLst/>
@@ -4545,19 +4430,16 @@
           <a:lstStyle/>
           <a:p>
             <a:pPr algn="ctr"/>
-            <a:endParaRPr lang="en-CN" sz="1468">
-              <a:latin typeface="Arial" panose="020B0604020202020204" pitchFamily="34" charset="0"/>
-              <a:cs typeface="Arial" panose="020B0604020202020204" pitchFamily="34" charset="0"/>
-            </a:endParaRPr>
-          </a:p>
-        </p:txBody>
-      </p:sp>
-      <p:sp>
-        <p:nvSpPr>
-          <p:cNvPr id="454" name="Rounded Rectangle 105">
-            <a:extLst>
-              <a:ext uri="{FF2B5EF4-FFF2-40B4-BE49-F238E27FC236}">
-                <a16:creationId xmlns:a16="http://schemas.microsoft.com/office/drawing/2014/main" id="{6629133F-9ED4-4350-854E-21E212776D78}"/>
+            <a:endParaRPr lang="en-CN" sz="1468"/>
+          </a:p>
+        </p:txBody>
+      </p:sp>
+      <p:sp>
+        <p:nvSpPr>
+          <p:cNvPr id="106" name="Rounded Rectangle 105">
+            <a:extLst>
+              <a:ext uri="{FF2B5EF4-FFF2-40B4-BE49-F238E27FC236}">
+                <a16:creationId xmlns:a16="http://schemas.microsoft.com/office/drawing/2014/main" id="{CE9C84FF-CBFC-D648-97B4-557DFB1A317E}"/>
               </a:ext>
             </a:extLst>
           </p:cNvPr>
@@ -4566,8 +4448,8 @@
         </p:nvSpPr>
         <p:spPr>
           <a:xfrm rot="5400000">
-            <a:off x="2371116" y="1991070"/>
-            <a:ext cx="153990" cy="432834"/>
+            <a:off x="3060700" y="4699352"/>
+            <a:ext cx="205320" cy="577112"/>
           </a:xfrm>
           <a:prstGeom prst="roundRect">
             <a:avLst/>
@@ -4594,19 +4476,16 @@
           <a:lstStyle/>
           <a:p>
             <a:pPr algn="ctr"/>
-            <a:endParaRPr lang="en-CN" sz="1468">
-              <a:latin typeface="Arial" panose="020B0604020202020204" pitchFamily="34" charset="0"/>
-              <a:cs typeface="Arial" panose="020B0604020202020204" pitchFamily="34" charset="0"/>
-            </a:endParaRPr>
-          </a:p>
-        </p:txBody>
-      </p:sp>
-      <p:sp>
-        <p:nvSpPr>
-          <p:cNvPr id="455" name="Rounded Rectangle 106">
-            <a:extLst>
-              <a:ext uri="{FF2B5EF4-FFF2-40B4-BE49-F238E27FC236}">
-                <a16:creationId xmlns:a16="http://schemas.microsoft.com/office/drawing/2014/main" id="{D08AC7E9-6685-4A24-9A06-F98FE5BBBD5F}"/>
+            <a:endParaRPr lang="en-CN" sz="1468"/>
+          </a:p>
+        </p:txBody>
+      </p:sp>
+      <p:sp>
+        <p:nvSpPr>
+          <p:cNvPr id="107" name="Rounded Rectangle 106">
+            <a:extLst>
+              <a:ext uri="{FF2B5EF4-FFF2-40B4-BE49-F238E27FC236}">
+                <a16:creationId xmlns:a16="http://schemas.microsoft.com/office/drawing/2014/main" id="{E8BA2DC1-9D47-BB43-BB4B-4B547F0102A0}"/>
               </a:ext>
             </a:extLst>
           </p:cNvPr>
@@ -4615,8 +4494,8 @@
         </p:nvSpPr>
         <p:spPr>
           <a:xfrm rot="5400000">
-            <a:off x="2387756" y="2348198"/>
-            <a:ext cx="153990" cy="432834"/>
+            <a:off x="3082886" y="5175522"/>
+            <a:ext cx="205320" cy="577112"/>
           </a:xfrm>
           <a:prstGeom prst="roundRect">
             <a:avLst/>
@@ -4643,19 +4522,16 @@
           <a:lstStyle/>
           <a:p>
             <a:pPr algn="ctr"/>
-            <a:endParaRPr lang="en-CN" sz="1468">
-              <a:latin typeface="Arial" panose="020B0604020202020204" pitchFamily="34" charset="0"/>
-              <a:cs typeface="Arial" panose="020B0604020202020204" pitchFamily="34" charset="0"/>
-            </a:endParaRPr>
+            <a:endParaRPr lang="en-CN" sz="1468"/>
           </a:p>
         </p:txBody>
       </p:sp>
       <p:cxnSp>
         <p:nvCxnSpPr>
-          <p:cNvPr id="456" name="Straight Arrow Connector 107">
-            <a:extLst>
-              <a:ext uri="{FF2B5EF4-FFF2-40B4-BE49-F238E27FC236}">
-                <a16:creationId xmlns:a16="http://schemas.microsoft.com/office/drawing/2014/main" id="{FA6FD123-A615-4139-B79F-2FA8346124B2}"/>
+          <p:cNvPr id="108" name="Straight Arrow Connector 107">
+            <a:extLst>
+              <a:ext uri="{FF2B5EF4-FFF2-40B4-BE49-F238E27FC236}">
+                <a16:creationId xmlns:a16="http://schemas.microsoft.com/office/drawing/2014/main" id="{029EF8A4-6BB9-514C-9FBC-7165CB56C0D4}"/>
               </a:ext>
             </a:extLst>
           </p:cNvPr>
@@ -4666,8 +4542,8 @@
         </p:nvCxnSpPr>
         <p:spPr>
           <a:xfrm>
-            <a:off x="2371526" y="1938848"/>
-            <a:ext cx="0" cy="191647"/>
+            <a:off x="3061246" y="4629719"/>
+            <a:ext cx="0" cy="255529"/>
           </a:xfrm>
           <a:prstGeom prst="straightConnector1">
             <a:avLst/>
@@ -4693,10 +4569,10 @@
       </p:cxnSp>
       <p:sp>
         <p:nvSpPr>
-          <p:cNvPr id="457" name="Rounded Rectangle 108">
-            <a:extLst>
-              <a:ext uri="{FF2B5EF4-FFF2-40B4-BE49-F238E27FC236}">
-                <a16:creationId xmlns:a16="http://schemas.microsoft.com/office/drawing/2014/main" id="{8E201DE4-67DE-4E98-8514-0EEF4C1E1D21}"/>
+          <p:cNvPr id="109" name="Rounded Rectangle 108">
+            <a:extLst>
+              <a:ext uri="{FF2B5EF4-FFF2-40B4-BE49-F238E27FC236}">
+                <a16:creationId xmlns:a16="http://schemas.microsoft.com/office/drawing/2014/main" id="{DEFE0D1F-4406-A149-A01E-06392B757CF1}"/>
               </a:ext>
             </a:extLst>
           </p:cNvPr>
@@ -4705,8 +4581,8 @@
         </p:nvSpPr>
         <p:spPr>
           <a:xfrm rot="5400000">
-            <a:off x="2392755" y="2895654"/>
-            <a:ext cx="153990" cy="432834"/>
+            <a:off x="3089552" y="5905463"/>
+            <a:ext cx="205320" cy="577112"/>
           </a:xfrm>
           <a:prstGeom prst="roundRect">
             <a:avLst/>
@@ -4733,19 +4609,16 @@
           <a:lstStyle/>
           <a:p>
             <a:pPr algn="ctr"/>
-            <a:endParaRPr lang="en-CN" sz="1468">
-              <a:latin typeface="Arial" panose="020B0604020202020204" pitchFamily="34" charset="0"/>
-              <a:cs typeface="Arial" panose="020B0604020202020204" pitchFamily="34" charset="0"/>
-            </a:endParaRPr>
+            <a:endParaRPr lang="en-CN" sz="1468"/>
           </a:p>
         </p:txBody>
       </p:sp>
       <p:cxnSp>
         <p:nvCxnSpPr>
-          <p:cNvPr id="458" name="Straight Arrow Connector 109">
-            <a:extLst>
-              <a:ext uri="{FF2B5EF4-FFF2-40B4-BE49-F238E27FC236}">
-                <a16:creationId xmlns:a16="http://schemas.microsoft.com/office/drawing/2014/main" id="{D8AE2376-DE57-42D3-9F0B-F06D0F2F09A2}"/>
+          <p:cNvPr id="110" name="Straight Arrow Connector 109">
+            <a:extLst>
+              <a:ext uri="{FF2B5EF4-FFF2-40B4-BE49-F238E27FC236}">
+                <a16:creationId xmlns:a16="http://schemas.microsoft.com/office/drawing/2014/main" id="{D0FA8627-88D3-344D-AEEB-CD49D695D20E}"/>
               </a:ext>
             </a:extLst>
           </p:cNvPr>
@@ -4756,8 +4629,8 @@
         </p:nvCxnSpPr>
         <p:spPr>
           <a:xfrm>
-            <a:off x="2363190" y="2284485"/>
-            <a:ext cx="0" cy="198159"/>
+            <a:off x="3050132" y="5090568"/>
+            <a:ext cx="0" cy="264212"/>
           </a:xfrm>
           <a:prstGeom prst="straightConnector1">
             <a:avLst/>
@@ -4783,10 +4656,10 @@
       </p:cxnSp>
       <p:cxnSp>
         <p:nvCxnSpPr>
-          <p:cNvPr id="459" name="Straight Arrow Connector 110">
-            <a:extLst>
-              <a:ext uri="{FF2B5EF4-FFF2-40B4-BE49-F238E27FC236}">
-                <a16:creationId xmlns:a16="http://schemas.microsoft.com/office/drawing/2014/main" id="{7B7BF5D3-BFD0-4BBC-B9E7-7CABFB87A2EF}"/>
+          <p:cNvPr id="111" name="Straight Arrow Connector 110">
+            <a:extLst>
+              <a:ext uri="{FF2B5EF4-FFF2-40B4-BE49-F238E27FC236}">
+                <a16:creationId xmlns:a16="http://schemas.microsoft.com/office/drawing/2014/main" id="{373D87B8-6FE3-0546-BAAA-38FB36E2FCE7}"/>
               </a:ext>
             </a:extLst>
           </p:cNvPr>
@@ -4797,8 +4670,8 @@
         </p:nvCxnSpPr>
         <p:spPr>
           <a:xfrm>
-            <a:off x="2359044" y="2849321"/>
-            <a:ext cx="2497" cy="185757"/>
+            <a:off x="3044601" y="5843683"/>
+            <a:ext cx="3329" cy="247676"/>
           </a:xfrm>
           <a:prstGeom prst="straightConnector1">
             <a:avLst/>
@@ -4824,10 +4697,10 @@
       </p:cxnSp>
       <p:cxnSp>
         <p:nvCxnSpPr>
-          <p:cNvPr id="460" name="Straight Connector 111">
-            <a:extLst>
-              <a:ext uri="{FF2B5EF4-FFF2-40B4-BE49-F238E27FC236}">
-                <a16:creationId xmlns:a16="http://schemas.microsoft.com/office/drawing/2014/main" id="{080AF4F5-FDDB-4C7F-B17B-4D83407C3BAE}"/>
+          <p:cNvPr id="112" name="Straight Connector 111">
+            <a:extLst>
+              <a:ext uri="{FF2B5EF4-FFF2-40B4-BE49-F238E27FC236}">
+                <a16:creationId xmlns:a16="http://schemas.microsoft.com/office/drawing/2014/main" id="{B1FE2DB7-F9F8-4648-A079-25FA2AD57923}"/>
               </a:ext>
             </a:extLst>
           </p:cNvPr>
@@ -4838,8 +4711,8 @@
         </p:nvCxnSpPr>
         <p:spPr>
           <a:xfrm>
-            <a:off x="2361530" y="2636058"/>
-            <a:ext cx="0" cy="131411"/>
+            <a:off x="3047918" y="5559332"/>
+            <a:ext cx="0" cy="175215"/>
           </a:xfrm>
           <a:prstGeom prst="line">
             <a:avLst/>
@@ -4863,10 +4736,10 @@
       </p:cxnSp>
       <p:cxnSp>
         <p:nvCxnSpPr>
-          <p:cNvPr id="461" name="Straight Connector 112">
-            <a:extLst>
-              <a:ext uri="{FF2B5EF4-FFF2-40B4-BE49-F238E27FC236}">
-                <a16:creationId xmlns:a16="http://schemas.microsoft.com/office/drawing/2014/main" id="{44D28866-145F-4E1A-9878-D5A144F68510}"/>
+          <p:cNvPr id="113" name="Straight Connector 112">
+            <a:extLst>
+              <a:ext uri="{FF2B5EF4-FFF2-40B4-BE49-F238E27FC236}">
+                <a16:creationId xmlns:a16="http://schemas.microsoft.com/office/drawing/2014/main" id="{AA42506B-B6A6-4949-9140-EE3782BFE9EC}"/>
               </a:ext>
             </a:extLst>
           </p:cNvPr>
@@ -4877,8 +4750,8 @@
         </p:nvCxnSpPr>
         <p:spPr>
           <a:xfrm flipH="1" flipV="1">
-            <a:off x="2296597" y="2744311"/>
-            <a:ext cx="133186" cy="54458"/>
+            <a:off x="2961341" y="5703672"/>
+            <a:ext cx="177581" cy="72611"/>
           </a:xfrm>
           <a:prstGeom prst="line">
             <a:avLst/>
@@ -4902,10 +4775,10 @@
       </p:cxnSp>
       <p:cxnSp>
         <p:nvCxnSpPr>
-          <p:cNvPr id="462" name="Straight Arrow Connector 113">
-            <a:extLst>
-              <a:ext uri="{FF2B5EF4-FFF2-40B4-BE49-F238E27FC236}">
-                <a16:creationId xmlns:a16="http://schemas.microsoft.com/office/drawing/2014/main" id="{135FB71F-2DF7-4C7E-A75C-C75AF1843F4E}"/>
+          <p:cNvPr id="114" name="Straight Arrow Connector 113">
+            <a:extLst>
+              <a:ext uri="{FF2B5EF4-FFF2-40B4-BE49-F238E27FC236}">
+                <a16:creationId xmlns:a16="http://schemas.microsoft.com/office/drawing/2014/main" id="{10F19566-6763-F249-9D7E-4B40B7F8F742}"/>
               </a:ext>
             </a:extLst>
           </p:cNvPr>
@@ -4916,8 +4789,8 @@
         </p:nvCxnSpPr>
         <p:spPr>
           <a:xfrm flipV="1">
-            <a:off x="2532999" y="1918584"/>
-            <a:ext cx="0" cy="211908"/>
+            <a:off x="3276543" y="4602703"/>
+            <a:ext cx="0" cy="282544"/>
           </a:xfrm>
           <a:prstGeom prst="straightConnector1">
             <a:avLst/>
@@ -4943,10 +4816,10 @@
       </p:cxnSp>
       <p:cxnSp>
         <p:nvCxnSpPr>
-          <p:cNvPr id="463" name="Straight Arrow Connector 114">
-            <a:extLst>
-              <a:ext uri="{FF2B5EF4-FFF2-40B4-BE49-F238E27FC236}">
-                <a16:creationId xmlns:a16="http://schemas.microsoft.com/office/drawing/2014/main" id="{8BE90C26-A685-4395-820C-56D613E26DD5}"/>
+          <p:cNvPr id="115" name="Straight Arrow Connector 114">
+            <a:extLst>
+              <a:ext uri="{FF2B5EF4-FFF2-40B4-BE49-F238E27FC236}">
+                <a16:creationId xmlns:a16="http://schemas.microsoft.com/office/drawing/2014/main" id="{19FF4CD7-997E-F24B-9E87-B52CDD4B9018}"/>
               </a:ext>
             </a:extLst>
           </p:cNvPr>
@@ -4957,8 +4830,8 @@
         </p:nvCxnSpPr>
         <p:spPr>
           <a:xfrm flipV="1">
-            <a:off x="2532999" y="2280144"/>
-            <a:ext cx="0" cy="211908"/>
+            <a:off x="3276543" y="5084783"/>
+            <a:ext cx="0" cy="282544"/>
           </a:xfrm>
           <a:prstGeom prst="straightConnector1">
             <a:avLst/>
@@ -4984,10 +4857,10 @@
       </p:cxnSp>
       <p:cxnSp>
         <p:nvCxnSpPr>
-          <p:cNvPr id="464" name="Straight Connector 115">
-            <a:extLst>
-              <a:ext uri="{FF2B5EF4-FFF2-40B4-BE49-F238E27FC236}">
-                <a16:creationId xmlns:a16="http://schemas.microsoft.com/office/drawing/2014/main" id="{EF78A773-DBDC-4FA7-8A28-23711BB3CD0B}"/>
+          <p:cNvPr id="116" name="Straight Connector 115">
+            <a:extLst>
+              <a:ext uri="{FF2B5EF4-FFF2-40B4-BE49-F238E27FC236}">
+                <a16:creationId xmlns:a16="http://schemas.microsoft.com/office/drawing/2014/main" id="{448B11FF-37C1-9C4A-8F7B-1472FF1EFD29}"/>
               </a:ext>
             </a:extLst>
           </p:cNvPr>
@@ -4998,8 +4871,8 @@
         </p:nvCxnSpPr>
         <p:spPr>
           <a:xfrm flipH="1" flipV="1">
-            <a:off x="2292448" y="2822091"/>
-            <a:ext cx="133186" cy="54458"/>
+            <a:off x="2955809" y="5807379"/>
+            <a:ext cx="177581" cy="72611"/>
           </a:xfrm>
           <a:prstGeom prst="line">
             <a:avLst/>
@@ -5023,10 +4896,10 @@
       </p:cxnSp>
       <p:cxnSp>
         <p:nvCxnSpPr>
-          <p:cNvPr id="465" name="Straight Connector 116">
-            <a:extLst>
-              <a:ext uri="{FF2B5EF4-FFF2-40B4-BE49-F238E27FC236}">
-                <a16:creationId xmlns:a16="http://schemas.microsoft.com/office/drawing/2014/main" id="{53760B9C-093B-4CAF-AAC5-354B2DB58797}"/>
+          <p:cNvPr id="117" name="Straight Connector 116">
+            <a:extLst>
+              <a:ext uri="{FF2B5EF4-FFF2-40B4-BE49-F238E27FC236}">
+                <a16:creationId xmlns:a16="http://schemas.microsoft.com/office/drawing/2014/main" id="{45106AE2-F44C-FC4D-9AB1-CBE93CF8D9BE}"/>
               </a:ext>
             </a:extLst>
           </p:cNvPr>
@@ -5037,8 +4910,8 @@
         </p:nvCxnSpPr>
         <p:spPr>
           <a:xfrm flipH="1" flipV="1">
-            <a:off x="2477521" y="2789174"/>
-            <a:ext cx="131545" cy="60144"/>
+            <a:off x="3202570" y="5763490"/>
+            <a:ext cx="175393" cy="80192"/>
           </a:xfrm>
           <a:prstGeom prst="line">
             <a:avLst/>
@@ -5062,10 +4935,10 @@
       </p:cxnSp>
       <p:cxnSp>
         <p:nvCxnSpPr>
-          <p:cNvPr id="466" name="Straight Connector 117">
-            <a:extLst>
-              <a:ext uri="{FF2B5EF4-FFF2-40B4-BE49-F238E27FC236}">
-                <a16:creationId xmlns:a16="http://schemas.microsoft.com/office/drawing/2014/main" id="{56079F87-F213-4679-9AB8-2AD6D613C18A}"/>
+          <p:cNvPr id="118" name="Straight Connector 117">
+            <a:extLst>
+              <a:ext uri="{FF2B5EF4-FFF2-40B4-BE49-F238E27FC236}">
+                <a16:creationId xmlns:a16="http://schemas.microsoft.com/office/drawing/2014/main" id="{81EF2E1B-34C9-F34A-8546-7F2B9909C12B}"/>
               </a:ext>
             </a:extLst>
           </p:cNvPr>
@@ -5076,8 +4949,8 @@
         </p:nvCxnSpPr>
         <p:spPr>
           <a:xfrm flipH="1" flipV="1">
-            <a:off x="2476392" y="2870024"/>
-            <a:ext cx="133186" cy="54458"/>
+            <a:off x="3201067" y="5871290"/>
+            <a:ext cx="177581" cy="72611"/>
           </a:xfrm>
           <a:prstGeom prst="line">
             <a:avLst/>
@@ -5101,10 +4974,10 @@
       </p:cxnSp>
       <p:cxnSp>
         <p:nvCxnSpPr>
-          <p:cNvPr id="467" name="Straight Arrow Connector 118">
-            <a:extLst>
-              <a:ext uri="{FF2B5EF4-FFF2-40B4-BE49-F238E27FC236}">
-                <a16:creationId xmlns:a16="http://schemas.microsoft.com/office/drawing/2014/main" id="{4BCDD10B-4804-4691-90EA-1B9C30D722AC}"/>
+          <p:cNvPr id="119" name="Straight Arrow Connector 118">
+            <a:extLst>
+              <a:ext uri="{FF2B5EF4-FFF2-40B4-BE49-F238E27FC236}">
+                <a16:creationId xmlns:a16="http://schemas.microsoft.com/office/drawing/2014/main" id="{73DC443A-D48F-6441-AB01-81CC4A764E87}"/>
               </a:ext>
             </a:extLst>
           </p:cNvPr>
@@ -5115,8 +4988,8 @@
         </p:nvCxnSpPr>
         <p:spPr>
           <a:xfrm flipH="1" flipV="1">
-            <a:off x="2534972" y="2638358"/>
-            <a:ext cx="845" cy="178047"/>
+            <a:off x="3279172" y="5562399"/>
+            <a:ext cx="1127" cy="237396"/>
           </a:xfrm>
           <a:prstGeom prst="straightConnector1">
             <a:avLst/>
@@ -5142,10 +5015,10 @@
       </p:cxnSp>
       <p:cxnSp>
         <p:nvCxnSpPr>
-          <p:cNvPr id="468" name="Straight Connector 119">
-            <a:extLst>
-              <a:ext uri="{FF2B5EF4-FFF2-40B4-BE49-F238E27FC236}">
-                <a16:creationId xmlns:a16="http://schemas.microsoft.com/office/drawing/2014/main" id="{C9D867F2-D9AA-4314-82B9-94DA7F4C74CF}"/>
+          <p:cNvPr id="120" name="Straight Connector 119">
+            <a:extLst>
+              <a:ext uri="{FF2B5EF4-FFF2-40B4-BE49-F238E27FC236}">
+                <a16:creationId xmlns:a16="http://schemas.microsoft.com/office/drawing/2014/main" id="{8B77B50E-8D28-7449-A131-835B1DCA5A26}"/>
               </a:ext>
             </a:extLst>
           </p:cNvPr>
@@ -5156,8 +5029,8 @@
         </p:nvCxnSpPr>
         <p:spPr>
           <a:xfrm>
-            <a:off x="2537993" y="2893288"/>
-            <a:ext cx="0" cy="141791"/>
+            <a:off x="3283202" y="5902306"/>
+            <a:ext cx="0" cy="189055"/>
           </a:xfrm>
           <a:prstGeom prst="line">
             <a:avLst/>
@@ -5181,10 +5054,10 @@
       </p:cxnSp>
       <p:cxnSp>
         <p:nvCxnSpPr>
-          <p:cNvPr id="469" name="Straight Arrow Connector 120">
-            <a:extLst>
-              <a:ext uri="{FF2B5EF4-FFF2-40B4-BE49-F238E27FC236}">
-                <a16:creationId xmlns:a16="http://schemas.microsoft.com/office/drawing/2014/main" id="{10362484-16CE-4F13-9A8D-7505507ABD1F}"/>
+          <p:cNvPr id="121" name="Straight Arrow Connector 120">
+            <a:extLst>
+              <a:ext uri="{FF2B5EF4-FFF2-40B4-BE49-F238E27FC236}">
+                <a16:creationId xmlns:a16="http://schemas.microsoft.com/office/drawing/2014/main" id="{C628F3CB-659B-554C-82AC-7EE4EA3FB562}"/>
               </a:ext>
             </a:extLst>
           </p:cNvPr>
@@ -5195,8 +5068,8 @@
         </p:nvCxnSpPr>
         <p:spPr>
           <a:xfrm>
-            <a:off x="2023784" y="1838119"/>
-            <a:ext cx="207911" cy="0"/>
+            <a:off x="2597588" y="4495417"/>
+            <a:ext cx="277214" cy="0"/>
           </a:xfrm>
           <a:prstGeom prst="straightConnector1">
             <a:avLst/>
@@ -5222,10 +5095,10 @@
       </p:cxnSp>
       <p:cxnSp>
         <p:nvCxnSpPr>
-          <p:cNvPr id="470" name="Straight Connector 122">
-            <a:extLst>
-              <a:ext uri="{FF2B5EF4-FFF2-40B4-BE49-F238E27FC236}">
-                <a16:creationId xmlns:a16="http://schemas.microsoft.com/office/drawing/2014/main" id="{564D1C82-6330-4D4F-9A1F-31B88F836613}"/>
+          <p:cNvPr id="123" name="Straight Connector 122">
+            <a:extLst>
+              <a:ext uri="{FF2B5EF4-FFF2-40B4-BE49-F238E27FC236}">
+                <a16:creationId xmlns:a16="http://schemas.microsoft.com/office/drawing/2014/main" id="{3F70262E-AE42-364C-9F70-5990953EE0E0}"/>
               </a:ext>
             </a:extLst>
           </p:cNvPr>
@@ -5236,8 +5109,8 @@
         </p:nvCxnSpPr>
         <p:spPr>
           <a:xfrm>
-            <a:off x="1669291" y="1838119"/>
-            <a:ext cx="204908" cy="0"/>
+            <a:off x="2124933" y="4495417"/>
+            <a:ext cx="273210" cy="0"/>
           </a:xfrm>
           <a:prstGeom prst="line">
             <a:avLst/>
@@ -5261,10 +5134,10 @@
       </p:cxnSp>
       <p:cxnSp>
         <p:nvCxnSpPr>
-          <p:cNvPr id="471" name="Straight Connector 134">
-            <a:extLst>
-              <a:ext uri="{FF2B5EF4-FFF2-40B4-BE49-F238E27FC236}">
-                <a16:creationId xmlns:a16="http://schemas.microsoft.com/office/drawing/2014/main" id="{6A0EE0F8-0BF0-4F17-919A-9DA51D065176}"/>
+          <p:cNvPr id="135" name="Straight Connector 134">
+            <a:extLst>
+              <a:ext uri="{FF2B5EF4-FFF2-40B4-BE49-F238E27FC236}">
+                <a16:creationId xmlns:a16="http://schemas.microsoft.com/office/drawing/2014/main" id="{2E7DE254-3DF6-CA41-8D50-1EB69EE7B9A0}"/>
               </a:ext>
             </a:extLst>
           </p:cNvPr>
@@ -5275,8 +5148,8 @@
         </p:nvCxnSpPr>
         <p:spPr>
           <a:xfrm flipH="1" flipV="1">
-            <a:off x="1847373" y="1752475"/>
-            <a:ext cx="63468" cy="171292"/>
+            <a:off x="2362375" y="4381224"/>
+            <a:ext cx="84624" cy="228389"/>
           </a:xfrm>
           <a:prstGeom prst="line">
             <a:avLst/>
@@ -5300,10 +5173,10 @@
       </p:cxnSp>
       <p:cxnSp>
         <p:nvCxnSpPr>
-          <p:cNvPr id="472" name="Straight Connector 137">
-            <a:extLst>
-              <a:ext uri="{FF2B5EF4-FFF2-40B4-BE49-F238E27FC236}">
-                <a16:creationId xmlns:a16="http://schemas.microsoft.com/office/drawing/2014/main" id="{CBD43716-DA69-48C3-A964-6981AF66C900}"/>
+          <p:cNvPr id="138" name="Straight Connector 137">
+            <a:extLst>
+              <a:ext uri="{FF2B5EF4-FFF2-40B4-BE49-F238E27FC236}">
+                <a16:creationId xmlns:a16="http://schemas.microsoft.com/office/drawing/2014/main" id="{C0C60ACB-33CC-D448-AC90-6592085946EF}"/>
               </a:ext>
             </a:extLst>
           </p:cNvPr>
@@ -5314,8 +5187,8 @@
         </p:nvCxnSpPr>
         <p:spPr>
           <a:xfrm flipH="1" flipV="1">
-            <a:off x="1988812" y="1751162"/>
-            <a:ext cx="63468" cy="171292"/>
+            <a:off x="2550961" y="4379474"/>
+            <a:ext cx="84624" cy="228389"/>
           </a:xfrm>
           <a:prstGeom prst="line">
             <a:avLst/>
@@ -5339,10 +5212,10 @@
       </p:cxnSp>
       <p:cxnSp>
         <p:nvCxnSpPr>
-          <p:cNvPr id="473" name="Straight Arrow Connector 138">
-            <a:extLst>
-              <a:ext uri="{FF2B5EF4-FFF2-40B4-BE49-F238E27FC236}">
-                <a16:creationId xmlns:a16="http://schemas.microsoft.com/office/drawing/2014/main" id="{56E78016-F203-4B81-91B8-38315B591E9D}"/>
+          <p:cNvPr id="139" name="Straight Arrow Connector 138">
+            <a:extLst>
+              <a:ext uri="{FF2B5EF4-FFF2-40B4-BE49-F238E27FC236}">
+                <a16:creationId xmlns:a16="http://schemas.microsoft.com/office/drawing/2014/main" id="{70DC017B-05D1-074E-892E-43F75345E61F}"/>
               </a:ext>
             </a:extLst>
           </p:cNvPr>
@@ -5353,8 +5226,8 @@
         </p:nvCxnSpPr>
         <p:spPr>
           <a:xfrm>
-            <a:off x="2017421" y="2204749"/>
-            <a:ext cx="207911" cy="0"/>
+            <a:off x="2589103" y="4984257"/>
+            <a:ext cx="277214" cy="0"/>
           </a:xfrm>
           <a:prstGeom prst="straightConnector1">
             <a:avLst/>
@@ -5380,10 +5253,10 @@
       </p:cxnSp>
       <p:cxnSp>
         <p:nvCxnSpPr>
-          <p:cNvPr id="474" name="Straight Connector 139">
-            <a:extLst>
-              <a:ext uri="{FF2B5EF4-FFF2-40B4-BE49-F238E27FC236}">
-                <a16:creationId xmlns:a16="http://schemas.microsoft.com/office/drawing/2014/main" id="{5E00B3CB-4E1A-4DC4-9B5A-BAE4E4A82501}"/>
+          <p:cNvPr id="140" name="Straight Connector 139">
+            <a:extLst>
+              <a:ext uri="{FF2B5EF4-FFF2-40B4-BE49-F238E27FC236}">
+                <a16:creationId xmlns:a16="http://schemas.microsoft.com/office/drawing/2014/main" id="{5BB9FB51-A0FA-014A-8460-1A3F31935D53}"/>
               </a:ext>
             </a:extLst>
           </p:cNvPr>
@@ -5394,8 +5267,8 @@
         </p:nvCxnSpPr>
         <p:spPr>
           <a:xfrm>
-            <a:off x="1662927" y="2204749"/>
-            <a:ext cx="204908" cy="0"/>
+            <a:off x="2116448" y="4984257"/>
+            <a:ext cx="273210" cy="0"/>
           </a:xfrm>
           <a:prstGeom prst="line">
             <a:avLst/>
@@ -5419,10 +5292,10 @@
       </p:cxnSp>
       <p:cxnSp>
         <p:nvCxnSpPr>
-          <p:cNvPr id="475" name="Straight Connector 140">
-            <a:extLst>
-              <a:ext uri="{FF2B5EF4-FFF2-40B4-BE49-F238E27FC236}">
-                <a16:creationId xmlns:a16="http://schemas.microsoft.com/office/drawing/2014/main" id="{1FA19F6F-4D92-490C-9E49-FEEB847DD9DB}"/>
+          <p:cNvPr id="141" name="Straight Connector 140">
+            <a:extLst>
+              <a:ext uri="{FF2B5EF4-FFF2-40B4-BE49-F238E27FC236}">
+                <a16:creationId xmlns:a16="http://schemas.microsoft.com/office/drawing/2014/main" id="{F982648D-7F37-254A-95E6-4D0619A2DE02}"/>
               </a:ext>
             </a:extLst>
           </p:cNvPr>
@@ -5433,8 +5306,8 @@
         </p:nvCxnSpPr>
         <p:spPr>
           <a:xfrm flipH="1" flipV="1">
-            <a:off x="1841009" y="2119105"/>
-            <a:ext cx="63468" cy="171292"/>
+            <a:off x="2353890" y="4870064"/>
+            <a:ext cx="84624" cy="228389"/>
           </a:xfrm>
           <a:prstGeom prst="line">
             <a:avLst/>
@@ -5458,10 +5331,10 @@
       </p:cxnSp>
       <p:cxnSp>
         <p:nvCxnSpPr>
-          <p:cNvPr id="476" name="Straight Connector 141">
-            <a:extLst>
-              <a:ext uri="{FF2B5EF4-FFF2-40B4-BE49-F238E27FC236}">
-                <a16:creationId xmlns:a16="http://schemas.microsoft.com/office/drawing/2014/main" id="{C76ADC93-4072-4667-BAC8-3DB350A64AB0}"/>
+          <p:cNvPr id="142" name="Straight Connector 141">
+            <a:extLst>
+              <a:ext uri="{FF2B5EF4-FFF2-40B4-BE49-F238E27FC236}">
+                <a16:creationId xmlns:a16="http://schemas.microsoft.com/office/drawing/2014/main" id="{451CC5B0-0051-1243-AA5E-51316BC27164}"/>
               </a:ext>
             </a:extLst>
           </p:cNvPr>
@@ -5472,8 +5345,8 @@
         </p:nvCxnSpPr>
         <p:spPr>
           <a:xfrm flipH="1" flipV="1">
-            <a:off x="1982448" y="2117792"/>
-            <a:ext cx="63468" cy="171292"/>
+            <a:off x="2542476" y="4868314"/>
+            <a:ext cx="84624" cy="228389"/>
           </a:xfrm>
           <a:prstGeom prst="line">
             <a:avLst/>
@@ -5497,10 +5370,10 @@
       </p:cxnSp>
       <p:cxnSp>
         <p:nvCxnSpPr>
-          <p:cNvPr id="477" name="Straight Arrow Connector 142">
-            <a:extLst>
-              <a:ext uri="{FF2B5EF4-FFF2-40B4-BE49-F238E27FC236}">
-                <a16:creationId xmlns:a16="http://schemas.microsoft.com/office/drawing/2014/main" id="{9723DC6F-0456-4581-A181-5FC3BC1424EF}"/>
+          <p:cNvPr id="143" name="Straight Arrow Connector 142">
+            <a:extLst>
+              <a:ext uri="{FF2B5EF4-FFF2-40B4-BE49-F238E27FC236}">
+                <a16:creationId xmlns:a16="http://schemas.microsoft.com/office/drawing/2014/main" id="{C536F86F-7E94-3C47-BDBB-1C00252458A3}"/>
               </a:ext>
             </a:extLst>
           </p:cNvPr>
@@ -5511,8 +5384,8 @@
         </p:nvCxnSpPr>
         <p:spPr>
           <a:xfrm>
-            <a:off x="2037410" y="2575640"/>
-            <a:ext cx="207911" cy="0"/>
+            <a:off x="2615756" y="5478778"/>
+            <a:ext cx="277214" cy="0"/>
           </a:xfrm>
           <a:prstGeom prst="straightConnector1">
             <a:avLst/>
@@ -5538,10 +5411,10 @@
       </p:cxnSp>
       <p:cxnSp>
         <p:nvCxnSpPr>
-          <p:cNvPr id="478" name="Straight Connector 143">
-            <a:extLst>
-              <a:ext uri="{FF2B5EF4-FFF2-40B4-BE49-F238E27FC236}">
-                <a16:creationId xmlns:a16="http://schemas.microsoft.com/office/drawing/2014/main" id="{98E6F60E-B6B4-4E71-97BD-EFFD9C1FF418}"/>
+          <p:cNvPr id="144" name="Straight Connector 143">
+            <a:extLst>
+              <a:ext uri="{FF2B5EF4-FFF2-40B4-BE49-F238E27FC236}">
+                <a16:creationId xmlns:a16="http://schemas.microsoft.com/office/drawing/2014/main" id="{AEBF12EC-D84A-3541-A098-42D15AC548FC}"/>
               </a:ext>
             </a:extLst>
           </p:cNvPr>
@@ -5552,8 +5425,8 @@
         </p:nvCxnSpPr>
         <p:spPr>
           <a:xfrm>
-            <a:off x="1682917" y="2575640"/>
-            <a:ext cx="204908" cy="0"/>
+            <a:off x="2143101" y="5478778"/>
+            <a:ext cx="273210" cy="0"/>
           </a:xfrm>
           <a:prstGeom prst="line">
             <a:avLst/>
@@ -5577,10 +5450,10 @@
       </p:cxnSp>
       <p:cxnSp>
         <p:nvCxnSpPr>
-          <p:cNvPr id="479" name="Straight Connector 144">
-            <a:extLst>
-              <a:ext uri="{FF2B5EF4-FFF2-40B4-BE49-F238E27FC236}">
-                <a16:creationId xmlns:a16="http://schemas.microsoft.com/office/drawing/2014/main" id="{4C0DB356-6C2A-4D81-92F5-1A20D44816FF}"/>
+          <p:cNvPr id="145" name="Straight Connector 144">
+            <a:extLst>
+              <a:ext uri="{FF2B5EF4-FFF2-40B4-BE49-F238E27FC236}">
+                <a16:creationId xmlns:a16="http://schemas.microsoft.com/office/drawing/2014/main" id="{4C35F99E-3AF3-AB44-BD87-D75D575E69F8}"/>
               </a:ext>
             </a:extLst>
           </p:cNvPr>
@@ -5591,8 +5464,8 @@
         </p:nvCxnSpPr>
         <p:spPr>
           <a:xfrm flipH="1" flipV="1">
-            <a:off x="1860998" y="2489996"/>
-            <a:ext cx="63468" cy="171292"/>
+            <a:off x="2380542" y="5364586"/>
+            <a:ext cx="84624" cy="228389"/>
           </a:xfrm>
           <a:prstGeom prst="line">
             <a:avLst/>
@@ -5616,10 +5489,10 @@
       </p:cxnSp>
       <p:cxnSp>
         <p:nvCxnSpPr>
-          <p:cNvPr id="480" name="Straight Connector 145">
-            <a:extLst>
-              <a:ext uri="{FF2B5EF4-FFF2-40B4-BE49-F238E27FC236}">
-                <a16:creationId xmlns:a16="http://schemas.microsoft.com/office/drawing/2014/main" id="{D9D173D4-8DAE-4E13-ABE7-D95EF1BA832C}"/>
+          <p:cNvPr id="146" name="Straight Connector 145">
+            <a:extLst>
+              <a:ext uri="{FF2B5EF4-FFF2-40B4-BE49-F238E27FC236}">
+                <a16:creationId xmlns:a16="http://schemas.microsoft.com/office/drawing/2014/main" id="{8D2869DA-79C3-4246-9677-2B4EA9FF68B8}"/>
               </a:ext>
             </a:extLst>
           </p:cNvPr>
@@ -5630,8 +5503,8 @@
         </p:nvCxnSpPr>
         <p:spPr>
           <a:xfrm flipH="1" flipV="1">
-            <a:off x="2002437" y="2488684"/>
-            <a:ext cx="63468" cy="171292"/>
+            <a:off x="2569128" y="5362836"/>
+            <a:ext cx="84624" cy="228389"/>
           </a:xfrm>
           <a:prstGeom prst="line">
             <a:avLst/>
@@ -5655,10 +5528,10 @@
       </p:cxnSp>
       <p:cxnSp>
         <p:nvCxnSpPr>
-          <p:cNvPr id="481" name="Straight Arrow Connector 146">
-            <a:extLst>
-              <a:ext uri="{FF2B5EF4-FFF2-40B4-BE49-F238E27FC236}">
-                <a16:creationId xmlns:a16="http://schemas.microsoft.com/office/drawing/2014/main" id="{C76CB952-BBD0-4431-9419-2F72378A09C4}"/>
+          <p:cNvPr id="147" name="Straight Arrow Connector 146">
+            <a:extLst>
+              <a:ext uri="{FF2B5EF4-FFF2-40B4-BE49-F238E27FC236}">
+                <a16:creationId xmlns:a16="http://schemas.microsoft.com/office/drawing/2014/main" id="{3D9545FB-3A96-9B4A-B808-C12A0BCFFD14}"/>
               </a:ext>
             </a:extLst>
           </p:cNvPr>
@@ -5669,8 +5542,8 @@
         </p:nvCxnSpPr>
         <p:spPr>
           <a:xfrm>
-            <a:off x="2034156" y="3104815"/>
-            <a:ext cx="207911" cy="0"/>
+            <a:off x="2611417" y="6184345"/>
+            <a:ext cx="277214" cy="0"/>
           </a:xfrm>
           <a:prstGeom prst="straightConnector1">
             <a:avLst/>
@@ -5696,10 +5569,10 @@
       </p:cxnSp>
       <p:cxnSp>
         <p:nvCxnSpPr>
-          <p:cNvPr id="482" name="Straight Connector 147">
-            <a:extLst>
-              <a:ext uri="{FF2B5EF4-FFF2-40B4-BE49-F238E27FC236}">
-                <a16:creationId xmlns:a16="http://schemas.microsoft.com/office/drawing/2014/main" id="{DC60D72A-56B5-4101-8B04-FDFCD5B15166}"/>
+          <p:cNvPr id="148" name="Straight Connector 147">
+            <a:extLst>
+              <a:ext uri="{FF2B5EF4-FFF2-40B4-BE49-F238E27FC236}">
+                <a16:creationId xmlns:a16="http://schemas.microsoft.com/office/drawing/2014/main" id="{73C42665-4A4F-E145-96A0-3A29D9CBAEED}"/>
               </a:ext>
             </a:extLst>
           </p:cNvPr>
@@ -5710,8 +5583,8 @@
         </p:nvCxnSpPr>
         <p:spPr>
           <a:xfrm>
-            <a:off x="1679663" y="3104815"/>
-            <a:ext cx="204908" cy="0"/>
+            <a:off x="2138762" y="6184345"/>
+            <a:ext cx="273210" cy="0"/>
           </a:xfrm>
           <a:prstGeom prst="line">
             <a:avLst/>
@@ -5735,10 +5608,10 @@
       </p:cxnSp>
       <p:cxnSp>
         <p:nvCxnSpPr>
-          <p:cNvPr id="483" name="Straight Connector 148">
-            <a:extLst>
-              <a:ext uri="{FF2B5EF4-FFF2-40B4-BE49-F238E27FC236}">
-                <a16:creationId xmlns:a16="http://schemas.microsoft.com/office/drawing/2014/main" id="{29C92254-1D18-47B5-89C6-9FD523C56EC0}"/>
+          <p:cNvPr id="149" name="Straight Connector 148">
+            <a:extLst>
+              <a:ext uri="{FF2B5EF4-FFF2-40B4-BE49-F238E27FC236}">
+                <a16:creationId xmlns:a16="http://schemas.microsoft.com/office/drawing/2014/main" id="{4FB35CBA-736A-8144-88F9-B4E65630F7A5}"/>
               </a:ext>
             </a:extLst>
           </p:cNvPr>
@@ -5749,8 +5622,8 @@
         </p:nvCxnSpPr>
         <p:spPr>
           <a:xfrm flipH="1" flipV="1">
-            <a:off x="1857744" y="3019171"/>
-            <a:ext cx="63468" cy="171292"/>
+            <a:off x="2376204" y="6070152"/>
+            <a:ext cx="84624" cy="228389"/>
           </a:xfrm>
           <a:prstGeom prst="line">
             <a:avLst/>
@@ -5774,10 +5647,10 @@
       </p:cxnSp>
       <p:cxnSp>
         <p:nvCxnSpPr>
-          <p:cNvPr id="484" name="Straight Connector 149">
-            <a:extLst>
-              <a:ext uri="{FF2B5EF4-FFF2-40B4-BE49-F238E27FC236}">
-                <a16:creationId xmlns:a16="http://schemas.microsoft.com/office/drawing/2014/main" id="{D7671B4A-C89F-4672-80AB-87C8EA14E66A}"/>
+          <p:cNvPr id="150" name="Straight Connector 149">
+            <a:extLst>
+              <a:ext uri="{FF2B5EF4-FFF2-40B4-BE49-F238E27FC236}">
+                <a16:creationId xmlns:a16="http://schemas.microsoft.com/office/drawing/2014/main" id="{71F2F059-CDAC-1447-BA8A-6D1578105C3C}"/>
               </a:ext>
             </a:extLst>
           </p:cNvPr>
@@ -5788,8 +5661,8 @@
         </p:nvCxnSpPr>
         <p:spPr>
           <a:xfrm flipH="1" flipV="1">
-            <a:off x="1999184" y="3017858"/>
-            <a:ext cx="63468" cy="171292"/>
+            <a:off x="2564790" y="6068402"/>
+            <a:ext cx="84624" cy="228389"/>
           </a:xfrm>
           <a:prstGeom prst="line">
             <a:avLst/>
@@ -5811,12 +5684,51 @@
           </a:fontRef>
         </p:style>
       </p:cxnSp>
-      <p:sp>
-        <p:nvSpPr>
-          <p:cNvPr id="485" name="Rounded Rectangle 159">
-            <a:extLst>
-              <a:ext uri="{FF2B5EF4-FFF2-40B4-BE49-F238E27FC236}">
-                <a16:creationId xmlns:a16="http://schemas.microsoft.com/office/drawing/2014/main" id="{767326ED-2D99-4E01-A96B-F582131277C8}"/>
+      <p:cxnSp>
+        <p:nvCxnSpPr>
+          <p:cNvPr id="151" name="Straight Arrow Connector 150">
+            <a:extLst>
+              <a:ext uri="{FF2B5EF4-FFF2-40B4-BE49-F238E27FC236}">
+                <a16:creationId xmlns:a16="http://schemas.microsoft.com/office/drawing/2014/main" id="{A6D0B391-651F-E044-B166-37AAC8906FF6}"/>
+              </a:ext>
+            </a:extLst>
+          </p:cNvPr>
+          <p:cNvCxnSpPr/>
+          <p:nvPr/>
+        </p:nvCxnSpPr>
+        <p:spPr>
+          <a:xfrm>
+            <a:off x="3522350" y="5294753"/>
+            <a:ext cx="439495" cy="0"/>
+          </a:xfrm>
+          <a:prstGeom prst="straightConnector1">
+            <a:avLst/>
+          </a:prstGeom>
+          <a:ln w="19050">
+            <a:tailEnd type="triangle"/>
+          </a:ln>
+        </p:spPr>
+        <p:style>
+          <a:lnRef idx="1">
+            <a:schemeClr val="dk1"/>
+          </a:lnRef>
+          <a:fillRef idx="0">
+            <a:schemeClr val="dk1"/>
+          </a:fillRef>
+          <a:effectRef idx="0">
+            <a:schemeClr val="dk1"/>
+          </a:effectRef>
+          <a:fontRef idx="minor">
+            <a:schemeClr val="tx1"/>
+          </a:fontRef>
+        </p:style>
+      </p:cxnSp>
+      <p:sp>
+        <p:nvSpPr>
+          <p:cNvPr id="160" name="Rounded Rectangle 159">
+            <a:extLst>
+              <a:ext uri="{FF2B5EF4-FFF2-40B4-BE49-F238E27FC236}">
+                <a16:creationId xmlns:a16="http://schemas.microsoft.com/office/drawing/2014/main" id="{227AF815-50F2-A94C-9F50-58D8A18F7B38}"/>
               </a:ext>
             </a:extLst>
           </p:cNvPr>
@@ -5825,8 +5737,8 @@
         </p:nvSpPr>
         <p:spPr>
           <a:xfrm rot="5400000">
-            <a:off x="2461987" y="2376731"/>
-            <a:ext cx="1275979" cy="163769"/>
+            <a:off x="3397013" y="5213563"/>
+            <a:ext cx="1701305" cy="218359"/>
           </a:xfrm>
           <a:prstGeom prst="roundRect">
             <a:avLst/>
@@ -5854,10 +5766,7 @@
           <a:p>
             <a:pPr algn="ctr"/>
             <a:r>
-              <a:rPr lang="en-CN" sz="1000" dirty="0">
-                <a:latin typeface="Arial" panose="020B0604020202020204" pitchFamily="34" charset="0"/>
-                <a:cs typeface="Arial" panose="020B0604020202020204" pitchFamily="34" charset="0"/>
-              </a:rPr>
+              <a:rPr lang="en-CN" sz="1468" dirty="0"/>
               <a:t>Self-Attention</a:t>
             </a:r>
           </a:p>
@@ -5865,10 +5774,10 @@
       </p:sp>
       <p:cxnSp>
         <p:nvCxnSpPr>
-          <p:cNvPr id="486" name="Straight Arrow Connector 160">
-            <a:extLst>
-              <a:ext uri="{FF2B5EF4-FFF2-40B4-BE49-F238E27FC236}">
-                <a16:creationId xmlns:a16="http://schemas.microsoft.com/office/drawing/2014/main" id="{1C9B2520-8865-4D0E-8EDE-3A72867E4EDE}"/>
+          <p:cNvPr id="161" name="Straight Arrow Connector 160">
+            <a:extLst>
+              <a:ext uri="{FF2B5EF4-FFF2-40B4-BE49-F238E27FC236}">
+                <a16:creationId xmlns:a16="http://schemas.microsoft.com/office/drawing/2014/main" id="{5494A937-A8DF-A641-9704-8CEDEA26176B}"/>
               </a:ext>
             </a:extLst>
           </p:cNvPr>
@@ -5879,8 +5788,8 @@
         </p:nvCxnSpPr>
         <p:spPr>
           <a:xfrm>
-            <a:off x="3184886" y="2433688"/>
-            <a:ext cx="152471" cy="0"/>
+            <a:off x="4360879" y="5289509"/>
+            <a:ext cx="203295" cy="0"/>
           </a:xfrm>
           <a:prstGeom prst="straightConnector1">
             <a:avLst/>
@@ -5906,10 +5815,10 @@
       </p:cxnSp>
       <p:sp>
         <p:nvSpPr>
-          <p:cNvPr id="487" name="Rounded Rectangle 162">
-            <a:extLst>
-              <a:ext uri="{FF2B5EF4-FFF2-40B4-BE49-F238E27FC236}">
-                <a16:creationId xmlns:a16="http://schemas.microsoft.com/office/drawing/2014/main" id="{9931B537-269E-47BF-A0B0-09E5C53A3000}"/>
+          <p:cNvPr id="163" name="Rounded Rectangle 162">
+            <a:extLst>
+              <a:ext uri="{FF2B5EF4-FFF2-40B4-BE49-F238E27FC236}">
+                <a16:creationId xmlns:a16="http://schemas.microsoft.com/office/drawing/2014/main" id="{99E572B5-4F68-CC43-A00B-E5F0C72702F8}"/>
               </a:ext>
             </a:extLst>
           </p:cNvPr>
@@ -5918,8 +5827,8 @@
         </p:nvSpPr>
         <p:spPr>
           <a:xfrm rot="5400000">
-            <a:off x="2786198" y="2376731"/>
-            <a:ext cx="1275979" cy="163769"/>
+            <a:off x="3829294" y="5213563"/>
+            <a:ext cx="1701305" cy="218359"/>
           </a:xfrm>
           <a:prstGeom prst="roundRect">
             <a:avLst/>
@@ -5947,10 +5856,7 @@
           <a:p>
             <a:pPr algn="ctr"/>
             <a:r>
-              <a:rPr lang="en-CN" sz="1000" dirty="0">
-                <a:latin typeface="Arial" panose="020B0604020202020204" pitchFamily="34" charset="0"/>
-                <a:cs typeface="Arial" panose="020B0604020202020204" pitchFamily="34" charset="0"/>
-              </a:rPr>
+              <a:rPr lang="en-CN" sz="1468" dirty="0"/>
               <a:t>Feed Forwaard</a:t>
             </a:r>
           </a:p>
@@ -5958,10 +5864,10 @@
       </p:sp>
       <p:sp>
         <p:nvSpPr>
-          <p:cNvPr id="488" name="Rounded Rectangle 163">
-            <a:extLst>
-              <a:ext uri="{FF2B5EF4-FFF2-40B4-BE49-F238E27FC236}">
-                <a16:creationId xmlns:a16="http://schemas.microsoft.com/office/drawing/2014/main" id="{431AFDAD-5240-414C-9F68-93185C1CD1B6}"/>
+          <p:cNvPr id="164" name="Rounded Rectangle 163">
+            <a:extLst>
+              <a:ext uri="{FF2B5EF4-FFF2-40B4-BE49-F238E27FC236}">
+                <a16:creationId xmlns:a16="http://schemas.microsoft.com/office/drawing/2014/main" id="{EA0E1BB0-CE0C-C040-AD1F-099F3DA83CD9}"/>
               </a:ext>
             </a:extLst>
           </p:cNvPr>
@@ -5970,8 +5876,8 @@
         </p:nvSpPr>
         <p:spPr>
           <a:xfrm>
-            <a:off x="2959744" y="1708744"/>
-            <a:ext cx="598331" cy="1499740"/>
+            <a:off x="4060689" y="4322916"/>
+            <a:ext cx="797774" cy="1999653"/>
           </a:xfrm>
           <a:prstGeom prst="roundRect">
             <a:avLst/>
@@ -6000,19 +5906,16 @@
           <a:lstStyle/>
           <a:p>
             <a:pPr algn="ctr"/>
-            <a:endParaRPr lang="en-CN" sz="1468">
-              <a:latin typeface="Arial" panose="020B0604020202020204" pitchFamily="34" charset="0"/>
-              <a:cs typeface="Arial" panose="020B0604020202020204" pitchFamily="34" charset="0"/>
-            </a:endParaRPr>
+            <a:endParaRPr lang="en-CN" sz="1468"/>
           </a:p>
         </p:txBody>
       </p:sp>
       <p:cxnSp>
         <p:nvCxnSpPr>
-          <p:cNvPr id="489" name="Straight Arrow Connector 166">
-            <a:extLst>
-              <a:ext uri="{FF2B5EF4-FFF2-40B4-BE49-F238E27FC236}">
-                <a16:creationId xmlns:a16="http://schemas.microsoft.com/office/drawing/2014/main" id="{5368AB83-F55C-4356-BFAF-543075E43510}"/>
+          <p:cNvPr id="167" name="Straight Arrow Connector 166">
+            <a:extLst>
+              <a:ext uri="{FF2B5EF4-FFF2-40B4-BE49-F238E27FC236}">
+                <a16:creationId xmlns:a16="http://schemas.microsoft.com/office/drawing/2014/main" id="{E91683DA-4605-6044-8799-B3660C1DCF1F}"/>
               </a:ext>
             </a:extLst>
           </p:cNvPr>
@@ -6023,8 +5926,8 @@
         </p:nvCxnSpPr>
         <p:spPr>
           <a:xfrm>
-            <a:off x="3906960" y="1951116"/>
-            <a:ext cx="207911" cy="0"/>
+            <a:off x="5323644" y="4646079"/>
+            <a:ext cx="277214" cy="0"/>
           </a:xfrm>
           <a:prstGeom prst="straightConnector1">
             <a:avLst/>
@@ -6050,10 +5953,10 @@
       </p:cxnSp>
       <p:cxnSp>
         <p:nvCxnSpPr>
-          <p:cNvPr id="490" name="Straight Connector 167">
-            <a:extLst>
-              <a:ext uri="{FF2B5EF4-FFF2-40B4-BE49-F238E27FC236}">
-                <a16:creationId xmlns:a16="http://schemas.microsoft.com/office/drawing/2014/main" id="{F6EC54EC-1AE5-4F3A-A50E-98985F705476}"/>
+          <p:cNvPr id="168" name="Straight Connector 167">
+            <a:extLst>
+              <a:ext uri="{FF2B5EF4-FFF2-40B4-BE49-F238E27FC236}">
+                <a16:creationId xmlns:a16="http://schemas.microsoft.com/office/drawing/2014/main" id="{C018C427-6D5B-2544-BD85-4ACB87F1FF23}"/>
               </a:ext>
             </a:extLst>
           </p:cNvPr>
@@ -6064,8 +5967,8 @@
         </p:nvCxnSpPr>
         <p:spPr>
           <a:xfrm>
-            <a:off x="3552467" y="1951116"/>
-            <a:ext cx="204908" cy="0"/>
+            <a:off x="4850989" y="4646079"/>
+            <a:ext cx="273210" cy="0"/>
           </a:xfrm>
           <a:prstGeom prst="line">
             <a:avLst/>
@@ -6089,10 +5992,10 @@
       </p:cxnSp>
       <p:cxnSp>
         <p:nvCxnSpPr>
-          <p:cNvPr id="491" name="Straight Connector 168">
-            <a:extLst>
-              <a:ext uri="{FF2B5EF4-FFF2-40B4-BE49-F238E27FC236}">
-                <a16:creationId xmlns:a16="http://schemas.microsoft.com/office/drawing/2014/main" id="{3E320A36-6C4D-417E-ADB5-8C18DC5EBC8A}"/>
+          <p:cNvPr id="169" name="Straight Connector 168">
+            <a:extLst>
+              <a:ext uri="{FF2B5EF4-FFF2-40B4-BE49-F238E27FC236}">
+                <a16:creationId xmlns:a16="http://schemas.microsoft.com/office/drawing/2014/main" id="{E41BE89B-90A8-2C4D-A53F-3565286C6840}"/>
               </a:ext>
             </a:extLst>
           </p:cNvPr>
@@ -6103,8 +6006,8 @@
         </p:nvCxnSpPr>
         <p:spPr>
           <a:xfrm flipH="1" flipV="1">
-            <a:off x="3730548" y="1865471"/>
-            <a:ext cx="63468" cy="171292"/>
+            <a:off x="5088430" y="4531886"/>
+            <a:ext cx="84624" cy="228389"/>
           </a:xfrm>
           <a:prstGeom prst="line">
             <a:avLst/>
@@ -6128,10 +6031,10 @@
       </p:cxnSp>
       <p:cxnSp>
         <p:nvCxnSpPr>
-          <p:cNvPr id="492" name="Straight Connector 169">
-            <a:extLst>
-              <a:ext uri="{FF2B5EF4-FFF2-40B4-BE49-F238E27FC236}">
-                <a16:creationId xmlns:a16="http://schemas.microsoft.com/office/drawing/2014/main" id="{6E0E5569-0704-4EF7-A020-DEA2AFD312E2}"/>
+          <p:cNvPr id="170" name="Straight Connector 169">
+            <a:extLst>
+              <a:ext uri="{FF2B5EF4-FFF2-40B4-BE49-F238E27FC236}">
+                <a16:creationId xmlns:a16="http://schemas.microsoft.com/office/drawing/2014/main" id="{22B0E528-EE49-2A4A-956E-B603C8F2A52A}"/>
               </a:ext>
             </a:extLst>
           </p:cNvPr>
@@ -6142,8 +6045,8 @@
         </p:nvCxnSpPr>
         <p:spPr>
           <a:xfrm flipH="1" flipV="1">
-            <a:off x="3871987" y="1864159"/>
-            <a:ext cx="63468" cy="171292"/>
+            <a:off x="5277016" y="4530137"/>
+            <a:ext cx="84624" cy="228389"/>
           </a:xfrm>
           <a:prstGeom prst="line">
             <a:avLst/>
@@ -6167,10 +6070,10 @@
       </p:cxnSp>
       <p:cxnSp>
         <p:nvCxnSpPr>
-          <p:cNvPr id="493" name="Straight Arrow Connector 170">
-            <a:extLst>
-              <a:ext uri="{FF2B5EF4-FFF2-40B4-BE49-F238E27FC236}">
-                <a16:creationId xmlns:a16="http://schemas.microsoft.com/office/drawing/2014/main" id="{E6AE3148-854C-4AD2-8869-02454480A004}"/>
+          <p:cNvPr id="171" name="Straight Arrow Connector 170">
+            <a:extLst>
+              <a:ext uri="{FF2B5EF4-FFF2-40B4-BE49-F238E27FC236}">
+                <a16:creationId xmlns:a16="http://schemas.microsoft.com/office/drawing/2014/main" id="{C655C335-BB76-A14C-BD14-ED0ABCE1758E}"/>
               </a:ext>
             </a:extLst>
           </p:cNvPr>
@@ -6181,8 +6084,8 @@
         </p:nvCxnSpPr>
         <p:spPr>
           <a:xfrm>
-            <a:off x="3906960" y="2265690"/>
-            <a:ext cx="207911" cy="0"/>
+            <a:off x="5323644" y="5065511"/>
+            <a:ext cx="277214" cy="0"/>
           </a:xfrm>
           <a:prstGeom prst="straightConnector1">
             <a:avLst/>
@@ -6208,10 +6111,10 @@
       </p:cxnSp>
       <p:cxnSp>
         <p:nvCxnSpPr>
-          <p:cNvPr id="494" name="Straight Connector 171">
-            <a:extLst>
-              <a:ext uri="{FF2B5EF4-FFF2-40B4-BE49-F238E27FC236}">
-                <a16:creationId xmlns:a16="http://schemas.microsoft.com/office/drawing/2014/main" id="{41DE219F-902F-43B2-95C2-46EDC881BC08}"/>
+          <p:cNvPr id="172" name="Straight Connector 171">
+            <a:extLst>
+              <a:ext uri="{FF2B5EF4-FFF2-40B4-BE49-F238E27FC236}">
+                <a16:creationId xmlns:a16="http://schemas.microsoft.com/office/drawing/2014/main" id="{ED3CBAF4-108F-3949-B104-9EA8DA4A5823}"/>
               </a:ext>
             </a:extLst>
           </p:cNvPr>
@@ -6222,8 +6125,8 @@
         </p:nvCxnSpPr>
         <p:spPr>
           <a:xfrm>
-            <a:off x="3552467" y="2265690"/>
-            <a:ext cx="204908" cy="0"/>
+            <a:off x="4850989" y="5065511"/>
+            <a:ext cx="273210" cy="0"/>
           </a:xfrm>
           <a:prstGeom prst="line">
             <a:avLst/>
@@ -6247,10 +6150,10 @@
       </p:cxnSp>
       <p:cxnSp>
         <p:nvCxnSpPr>
-          <p:cNvPr id="495" name="Straight Connector 172">
-            <a:extLst>
-              <a:ext uri="{FF2B5EF4-FFF2-40B4-BE49-F238E27FC236}">
-                <a16:creationId xmlns:a16="http://schemas.microsoft.com/office/drawing/2014/main" id="{4C82AEC7-C86B-4768-BE36-356248B2BDBE}"/>
+          <p:cNvPr id="173" name="Straight Connector 172">
+            <a:extLst>
+              <a:ext uri="{FF2B5EF4-FFF2-40B4-BE49-F238E27FC236}">
+                <a16:creationId xmlns:a16="http://schemas.microsoft.com/office/drawing/2014/main" id="{C36DA307-16B0-D547-8894-0BA5C05E558D}"/>
               </a:ext>
             </a:extLst>
           </p:cNvPr>
@@ -6261,8 +6164,8 @@
         </p:nvCxnSpPr>
         <p:spPr>
           <a:xfrm flipH="1" flipV="1">
-            <a:off x="3730548" y="2180045"/>
-            <a:ext cx="63468" cy="171292"/>
+            <a:off x="5088430" y="4951318"/>
+            <a:ext cx="84624" cy="228389"/>
           </a:xfrm>
           <a:prstGeom prst="line">
             <a:avLst/>
@@ -6286,10 +6189,10 @@
       </p:cxnSp>
       <p:cxnSp>
         <p:nvCxnSpPr>
-          <p:cNvPr id="496" name="Straight Connector 173">
-            <a:extLst>
-              <a:ext uri="{FF2B5EF4-FFF2-40B4-BE49-F238E27FC236}">
-                <a16:creationId xmlns:a16="http://schemas.microsoft.com/office/drawing/2014/main" id="{AE860D31-4591-466D-BB95-E8AAE06E38F1}"/>
+          <p:cNvPr id="174" name="Straight Connector 173">
+            <a:extLst>
+              <a:ext uri="{FF2B5EF4-FFF2-40B4-BE49-F238E27FC236}">
+                <a16:creationId xmlns:a16="http://schemas.microsoft.com/office/drawing/2014/main" id="{715E8F24-91CF-F14C-93E7-D90F53F96344}"/>
               </a:ext>
             </a:extLst>
           </p:cNvPr>
@@ -6300,8 +6203,8 @@
         </p:nvCxnSpPr>
         <p:spPr>
           <a:xfrm flipH="1" flipV="1">
-            <a:off x="3871987" y="2178733"/>
-            <a:ext cx="63468" cy="171292"/>
+            <a:off x="5277016" y="4949569"/>
+            <a:ext cx="84624" cy="228389"/>
           </a:xfrm>
           <a:prstGeom prst="line">
             <a:avLst/>
@@ -6325,10 +6228,10 @@
       </p:cxnSp>
       <p:cxnSp>
         <p:nvCxnSpPr>
-          <p:cNvPr id="497" name="Straight Arrow Connector 174">
-            <a:extLst>
-              <a:ext uri="{FF2B5EF4-FFF2-40B4-BE49-F238E27FC236}">
-                <a16:creationId xmlns:a16="http://schemas.microsoft.com/office/drawing/2014/main" id="{AE751AB4-D705-49A1-965C-80FE6F24E5D3}"/>
+          <p:cNvPr id="175" name="Straight Arrow Connector 174">
+            <a:extLst>
+              <a:ext uri="{FF2B5EF4-FFF2-40B4-BE49-F238E27FC236}">
+                <a16:creationId xmlns:a16="http://schemas.microsoft.com/office/drawing/2014/main" id="{76D60C6B-16C8-B247-81D6-39D8C15F54DD}"/>
               </a:ext>
             </a:extLst>
           </p:cNvPr>
@@ -6339,8 +6242,8 @@
         </p:nvCxnSpPr>
         <p:spPr>
           <a:xfrm>
-            <a:off x="3906960" y="2596387"/>
-            <a:ext cx="207911" cy="0"/>
+            <a:off x="5323644" y="5506441"/>
+            <a:ext cx="277214" cy="0"/>
           </a:xfrm>
           <a:prstGeom prst="straightConnector1">
             <a:avLst/>
@@ -6366,10 +6269,10 @@
       </p:cxnSp>
       <p:cxnSp>
         <p:nvCxnSpPr>
-          <p:cNvPr id="498" name="Straight Connector 175">
-            <a:extLst>
-              <a:ext uri="{FF2B5EF4-FFF2-40B4-BE49-F238E27FC236}">
-                <a16:creationId xmlns:a16="http://schemas.microsoft.com/office/drawing/2014/main" id="{62E8A87E-CBD2-45F1-9FB2-54BB587B6FCE}"/>
+          <p:cNvPr id="176" name="Straight Connector 175">
+            <a:extLst>
+              <a:ext uri="{FF2B5EF4-FFF2-40B4-BE49-F238E27FC236}">
+                <a16:creationId xmlns:a16="http://schemas.microsoft.com/office/drawing/2014/main" id="{6B24D689-3241-AA41-952E-489B1D9B36E7}"/>
               </a:ext>
             </a:extLst>
           </p:cNvPr>
@@ -6380,8 +6283,8 @@
         </p:nvCxnSpPr>
         <p:spPr>
           <a:xfrm>
-            <a:off x="3552467" y="2596387"/>
-            <a:ext cx="204908" cy="0"/>
+            <a:off x="4850989" y="5506441"/>
+            <a:ext cx="273210" cy="0"/>
           </a:xfrm>
           <a:prstGeom prst="line">
             <a:avLst/>
@@ -6405,10 +6308,10 @@
       </p:cxnSp>
       <p:cxnSp>
         <p:nvCxnSpPr>
-          <p:cNvPr id="499" name="Straight Connector 176">
-            <a:extLst>
-              <a:ext uri="{FF2B5EF4-FFF2-40B4-BE49-F238E27FC236}">
-                <a16:creationId xmlns:a16="http://schemas.microsoft.com/office/drawing/2014/main" id="{419FAB15-F540-4BEC-A47C-AE8281730408}"/>
+          <p:cNvPr id="177" name="Straight Connector 176">
+            <a:extLst>
+              <a:ext uri="{FF2B5EF4-FFF2-40B4-BE49-F238E27FC236}">
+                <a16:creationId xmlns:a16="http://schemas.microsoft.com/office/drawing/2014/main" id="{B49B5C24-3664-484D-8B60-B2B37A6E537D}"/>
               </a:ext>
             </a:extLst>
           </p:cNvPr>
@@ -6419,8 +6322,8 @@
         </p:nvCxnSpPr>
         <p:spPr>
           <a:xfrm flipH="1" flipV="1">
-            <a:off x="3730548" y="2510743"/>
-            <a:ext cx="63468" cy="171292"/>
+            <a:off x="5088430" y="5392248"/>
+            <a:ext cx="84624" cy="228389"/>
           </a:xfrm>
           <a:prstGeom prst="line">
             <a:avLst/>
@@ -6444,10 +6347,10 @@
       </p:cxnSp>
       <p:cxnSp>
         <p:nvCxnSpPr>
-          <p:cNvPr id="500" name="Straight Connector 177">
-            <a:extLst>
-              <a:ext uri="{FF2B5EF4-FFF2-40B4-BE49-F238E27FC236}">
-                <a16:creationId xmlns:a16="http://schemas.microsoft.com/office/drawing/2014/main" id="{B6FC26B2-3AB1-41A7-9056-F79B9A620CBC}"/>
+          <p:cNvPr id="178" name="Straight Connector 177">
+            <a:extLst>
+              <a:ext uri="{FF2B5EF4-FFF2-40B4-BE49-F238E27FC236}">
+                <a16:creationId xmlns:a16="http://schemas.microsoft.com/office/drawing/2014/main" id="{6B91689F-3F1D-CE43-A9E3-1BA2A156937D}"/>
               </a:ext>
             </a:extLst>
           </p:cNvPr>
@@ -6458,8 +6361,8 @@
         </p:nvCxnSpPr>
         <p:spPr>
           <a:xfrm flipH="1" flipV="1">
-            <a:off x="3871987" y="2509431"/>
-            <a:ext cx="63468" cy="171292"/>
+            <a:off x="5277016" y="5390499"/>
+            <a:ext cx="84624" cy="228389"/>
           </a:xfrm>
           <a:prstGeom prst="line">
             <a:avLst/>
@@ -6483,10 +6386,10 @@
       </p:cxnSp>
       <p:cxnSp>
         <p:nvCxnSpPr>
-          <p:cNvPr id="501" name="Straight Arrow Connector 178">
-            <a:extLst>
-              <a:ext uri="{FF2B5EF4-FFF2-40B4-BE49-F238E27FC236}">
-                <a16:creationId xmlns:a16="http://schemas.microsoft.com/office/drawing/2014/main" id="{A1D87162-FB52-41A3-9C3F-98464C9AC8EE}"/>
+          <p:cNvPr id="179" name="Straight Arrow Connector 178">
+            <a:extLst>
+              <a:ext uri="{FF2B5EF4-FFF2-40B4-BE49-F238E27FC236}">
+                <a16:creationId xmlns:a16="http://schemas.microsoft.com/office/drawing/2014/main" id="{CB49FFE6-88CD-A942-9C3F-AD41F1562F92}"/>
               </a:ext>
             </a:extLst>
           </p:cNvPr>
@@ -6497,8 +6400,8 @@
         </p:nvCxnSpPr>
         <p:spPr>
           <a:xfrm>
-            <a:off x="3906960" y="2954008"/>
-            <a:ext cx="207911" cy="0"/>
+            <a:off x="5323644" y="5983269"/>
+            <a:ext cx="277214" cy="0"/>
           </a:xfrm>
           <a:prstGeom prst="straightConnector1">
             <a:avLst/>
@@ -6524,10 +6427,10 @@
       </p:cxnSp>
       <p:cxnSp>
         <p:nvCxnSpPr>
-          <p:cNvPr id="502" name="Straight Connector 179">
-            <a:extLst>
-              <a:ext uri="{FF2B5EF4-FFF2-40B4-BE49-F238E27FC236}">
-                <a16:creationId xmlns:a16="http://schemas.microsoft.com/office/drawing/2014/main" id="{354AD74C-FDD6-4A29-A147-CACD47E2E3FD}"/>
+          <p:cNvPr id="180" name="Straight Connector 179">
+            <a:extLst>
+              <a:ext uri="{FF2B5EF4-FFF2-40B4-BE49-F238E27FC236}">
+                <a16:creationId xmlns:a16="http://schemas.microsoft.com/office/drawing/2014/main" id="{796A729C-D973-3945-807E-F2CE63B8CFAD}"/>
               </a:ext>
             </a:extLst>
           </p:cNvPr>
@@ -6538,8 +6441,8 @@
         </p:nvCxnSpPr>
         <p:spPr>
           <a:xfrm>
-            <a:off x="3552467" y="2954008"/>
-            <a:ext cx="204908" cy="0"/>
+            <a:off x="4850989" y="5983269"/>
+            <a:ext cx="273210" cy="0"/>
           </a:xfrm>
           <a:prstGeom prst="line">
             <a:avLst/>
@@ -6563,10 +6466,10 @@
       </p:cxnSp>
       <p:cxnSp>
         <p:nvCxnSpPr>
-          <p:cNvPr id="503" name="Straight Connector 180">
-            <a:extLst>
-              <a:ext uri="{FF2B5EF4-FFF2-40B4-BE49-F238E27FC236}">
-                <a16:creationId xmlns:a16="http://schemas.microsoft.com/office/drawing/2014/main" id="{A023EAB7-FE00-4AB7-AB18-8277C74A7584}"/>
+          <p:cNvPr id="181" name="Straight Connector 180">
+            <a:extLst>
+              <a:ext uri="{FF2B5EF4-FFF2-40B4-BE49-F238E27FC236}">
+                <a16:creationId xmlns:a16="http://schemas.microsoft.com/office/drawing/2014/main" id="{DAEA4539-E492-CA41-BBA7-31C25AFB9803}"/>
               </a:ext>
             </a:extLst>
           </p:cNvPr>
@@ -6577,8 +6480,8 @@
         </p:nvCxnSpPr>
         <p:spPr>
           <a:xfrm flipH="1" flipV="1">
-            <a:off x="3730548" y="2868364"/>
-            <a:ext cx="63468" cy="171292"/>
+            <a:off x="5088430" y="5869076"/>
+            <a:ext cx="84624" cy="228389"/>
           </a:xfrm>
           <a:prstGeom prst="line">
             <a:avLst/>
@@ -6602,10 +6505,10 @@
       </p:cxnSp>
       <p:cxnSp>
         <p:nvCxnSpPr>
-          <p:cNvPr id="504" name="Straight Connector 181">
-            <a:extLst>
-              <a:ext uri="{FF2B5EF4-FFF2-40B4-BE49-F238E27FC236}">
-                <a16:creationId xmlns:a16="http://schemas.microsoft.com/office/drawing/2014/main" id="{0C147474-F494-47DB-B73B-7621DC5637EC}"/>
+          <p:cNvPr id="182" name="Straight Connector 181">
+            <a:extLst>
+              <a:ext uri="{FF2B5EF4-FFF2-40B4-BE49-F238E27FC236}">
+                <a16:creationId xmlns:a16="http://schemas.microsoft.com/office/drawing/2014/main" id="{2470BCE1-2E26-0D4B-B49E-5FEDFE44DCA3}"/>
               </a:ext>
             </a:extLst>
           </p:cNvPr>
@@ -6616,8 +6519,8 @@
         </p:nvCxnSpPr>
         <p:spPr>
           <a:xfrm flipH="1" flipV="1">
-            <a:off x="3871987" y="2867051"/>
-            <a:ext cx="63468" cy="171292"/>
+            <a:off x="5277016" y="5867326"/>
+            <a:ext cx="84624" cy="228389"/>
           </a:xfrm>
           <a:prstGeom prst="line">
             <a:avLst/>
@@ -6641,10 +6544,10 @@
       </p:cxnSp>
       <p:sp>
         <p:nvSpPr>
-          <p:cNvPr id="505" name="Rounded Rectangle 182">
-            <a:extLst>
-              <a:ext uri="{FF2B5EF4-FFF2-40B4-BE49-F238E27FC236}">
-                <a16:creationId xmlns:a16="http://schemas.microsoft.com/office/drawing/2014/main" id="{1CC9014C-3325-42B2-8270-0FED77DD2023}"/>
+          <p:cNvPr id="183" name="Rounded Rectangle 182">
+            <a:extLst>
+              <a:ext uri="{FF2B5EF4-FFF2-40B4-BE49-F238E27FC236}">
+                <a16:creationId xmlns:a16="http://schemas.microsoft.com/office/drawing/2014/main" id="{69BA0878-3CD9-DD4D-89BF-E42F539C8540}"/>
               </a:ext>
             </a:extLst>
           </p:cNvPr>
@@ -6653,8 +6556,8 @@
         </p:nvSpPr>
         <p:spPr>
           <a:xfrm rot="5400000">
-            <a:off x="3617114" y="2371982"/>
-            <a:ext cx="1275979" cy="163769"/>
+            <a:off x="4937183" y="5207231"/>
+            <a:ext cx="1701305" cy="218359"/>
           </a:xfrm>
           <a:prstGeom prst="roundRect">
             <a:avLst/>
@@ -6682,10 +6585,7 @@
           <a:p>
             <a:pPr algn="ctr"/>
             <a:r>
-              <a:rPr lang="en-CN" sz="1000" dirty="0">
-                <a:latin typeface="Arial" panose="020B0604020202020204" pitchFamily="34" charset="0"/>
-                <a:cs typeface="Arial" panose="020B0604020202020204" pitchFamily="34" charset="0"/>
-              </a:rPr>
+              <a:rPr lang="en-CN" sz="1468" dirty="0"/>
               <a:t>Self-Attention</a:t>
             </a:r>
           </a:p>
@@ -6693,10 +6593,10 @@
       </p:sp>
       <p:cxnSp>
         <p:nvCxnSpPr>
-          <p:cNvPr id="506" name="Straight Arrow Connector 183">
-            <a:extLst>
-              <a:ext uri="{FF2B5EF4-FFF2-40B4-BE49-F238E27FC236}">
-                <a16:creationId xmlns:a16="http://schemas.microsoft.com/office/drawing/2014/main" id="{9C2C8108-1DFA-494E-A209-4098018540B0}"/>
+          <p:cNvPr id="184" name="Straight Arrow Connector 183">
+            <a:extLst>
+              <a:ext uri="{FF2B5EF4-FFF2-40B4-BE49-F238E27FC236}">
+                <a16:creationId xmlns:a16="http://schemas.microsoft.com/office/drawing/2014/main" id="{3000997C-369F-2248-BF3C-2FC15AD70AEA}"/>
               </a:ext>
             </a:extLst>
           </p:cNvPr>
@@ -6707,8 +6607,8 @@
         </p:nvCxnSpPr>
         <p:spPr>
           <a:xfrm>
-            <a:off x="4340012" y="2428939"/>
-            <a:ext cx="152471" cy="0"/>
+            <a:off x="5901047" y="5283177"/>
+            <a:ext cx="203295" cy="0"/>
           </a:xfrm>
           <a:prstGeom prst="straightConnector1">
             <a:avLst/>
@@ -6734,10 +6634,10 @@
       </p:cxnSp>
       <p:sp>
         <p:nvSpPr>
-          <p:cNvPr id="507" name="Rounded Rectangle 184">
-            <a:extLst>
-              <a:ext uri="{FF2B5EF4-FFF2-40B4-BE49-F238E27FC236}">
-                <a16:creationId xmlns:a16="http://schemas.microsoft.com/office/drawing/2014/main" id="{528DC06C-FA76-411F-8FBB-B0A218E92BAE}"/>
+          <p:cNvPr id="185" name="Rounded Rectangle 184">
+            <a:extLst>
+              <a:ext uri="{FF2B5EF4-FFF2-40B4-BE49-F238E27FC236}">
+                <a16:creationId xmlns:a16="http://schemas.microsoft.com/office/drawing/2014/main" id="{11691E8D-7C43-204E-A85F-B4AE8BE2DCC8}"/>
               </a:ext>
             </a:extLst>
           </p:cNvPr>
@@ -6746,8 +6646,8 @@
         </p:nvSpPr>
         <p:spPr>
           <a:xfrm rot="5400000">
-            <a:off x="3941324" y="2371982"/>
-            <a:ext cx="1275979" cy="163769"/>
+            <a:off x="5369462" y="5207231"/>
+            <a:ext cx="1701305" cy="218359"/>
           </a:xfrm>
           <a:prstGeom prst="roundRect">
             <a:avLst/>
@@ -6775,10 +6675,7 @@
           <a:p>
             <a:pPr algn="ctr"/>
             <a:r>
-              <a:rPr lang="en-CN" sz="1000" dirty="0">
-                <a:latin typeface="Arial" panose="020B0604020202020204" pitchFamily="34" charset="0"/>
-                <a:cs typeface="Arial" panose="020B0604020202020204" pitchFamily="34" charset="0"/>
-              </a:rPr>
+              <a:rPr lang="en-CN" sz="1468" dirty="0"/>
               <a:t>Feed Forwaard</a:t>
             </a:r>
           </a:p>
@@ -6786,10 +6683,10 @@
       </p:sp>
       <p:sp>
         <p:nvSpPr>
-          <p:cNvPr id="508" name="Rounded Rectangle 185">
-            <a:extLst>
-              <a:ext uri="{FF2B5EF4-FFF2-40B4-BE49-F238E27FC236}">
-                <a16:creationId xmlns:a16="http://schemas.microsoft.com/office/drawing/2014/main" id="{3E9326EE-261B-42E7-8FF1-9813DEFF957F}"/>
+          <p:cNvPr id="186" name="Rounded Rectangle 185">
+            <a:extLst>
+              <a:ext uri="{FF2B5EF4-FFF2-40B4-BE49-F238E27FC236}">
+                <a16:creationId xmlns:a16="http://schemas.microsoft.com/office/drawing/2014/main" id="{99C47E83-6989-9142-978F-F7299391BA95}"/>
               </a:ext>
             </a:extLst>
           </p:cNvPr>
@@ -6798,8 +6695,8 @@
         </p:nvSpPr>
         <p:spPr>
           <a:xfrm>
-            <a:off x="4114870" y="1703995"/>
-            <a:ext cx="598331" cy="1499740"/>
+            <a:off x="5600857" y="4316584"/>
+            <a:ext cx="797774" cy="1999653"/>
           </a:xfrm>
           <a:prstGeom prst="roundRect">
             <a:avLst/>
@@ -6828,19 +6725,16 @@
           <a:lstStyle/>
           <a:p>
             <a:pPr algn="ctr"/>
-            <a:endParaRPr lang="en-CN" sz="1468">
-              <a:latin typeface="Arial" panose="020B0604020202020204" pitchFamily="34" charset="0"/>
-              <a:cs typeface="Arial" panose="020B0604020202020204" pitchFamily="34" charset="0"/>
-            </a:endParaRPr>
-          </a:p>
-        </p:txBody>
-      </p:sp>
-      <p:sp>
-        <p:nvSpPr>
-          <p:cNvPr id="509" name="Rounded Rectangle 206">
-            <a:extLst>
-              <a:ext uri="{FF2B5EF4-FFF2-40B4-BE49-F238E27FC236}">
-                <a16:creationId xmlns:a16="http://schemas.microsoft.com/office/drawing/2014/main" id="{AE2E7A2A-3516-4C83-B003-2616BE7666FF}"/>
+            <a:endParaRPr lang="en-CN" sz="1468"/>
+          </a:p>
+        </p:txBody>
+      </p:sp>
+      <p:sp>
+        <p:nvSpPr>
+          <p:cNvPr id="207" name="Rounded Rectangle 206">
+            <a:extLst>
+              <a:ext uri="{FF2B5EF4-FFF2-40B4-BE49-F238E27FC236}">
+                <a16:creationId xmlns:a16="http://schemas.microsoft.com/office/drawing/2014/main" id="{BE944C39-ACD4-994D-A80E-A45EC7FD11BC}"/>
               </a:ext>
             </a:extLst>
           </p:cNvPr>
@@ -6849,8 +6743,8 @@
         </p:nvSpPr>
         <p:spPr>
           <a:xfrm>
-            <a:off x="390171" y="3327930"/>
-            <a:ext cx="545107" cy="249283"/>
+            <a:off x="224450" y="6564838"/>
+            <a:ext cx="543100" cy="215500"/>
           </a:xfrm>
           <a:prstGeom prst="roundRect">
             <a:avLst/>
@@ -6878,38 +6772,29 @@
           <a:p>
             <a:pPr algn="ctr"/>
             <a:r>
-              <a:rPr lang="en-CN" sz="800" dirty="0">
-                <a:latin typeface="Arial" panose="020B0604020202020204" pitchFamily="34" charset="0"/>
-                <a:cs typeface="Arial" panose="020B0604020202020204" pitchFamily="34" charset="0"/>
-              </a:rPr>
+              <a:rPr lang="en-CN" sz="897" dirty="0"/>
               <a:t>Charge</a:t>
             </a:r>
-            <a:endParaRPr lang="en-CN" sz="1400" dirty="0">
-              <a:latin typeface="Arial" panose="020B0604020202020204" pitchFamily="34" charset="0"/>
-              <a:cs typeface="Arial" panose="020B0604020202020204" pitchFamily="34" charset="0"/>
-            </a:endParaRPr>
+            <a:endParaRPr lang="en-CN" sz="1468" dirty="0"/>
           </a:p>
         </p:txBody>
       </p:sp>
       <p:cxnSp>
         <p:nvCxnSpPr>
-          <p:cNvPr id="510" name="Straight Connector 208">
-            <a:extLst>
-              <a:ext uri="{FF2B5EF4-FFF2-40B4-BE49-F238E27FC236}">
-                <a16:creationId xmlns:a16="http://schemas.microsoft.com/office/drawing/2014/main" id="{04F42114-7501-4F55-BD26-64783EDED39E}"/>
-              </a:ext>
-            </a:extLst>
-          </p:cNvPr>
-          <p:cNvCxnSpPr>
-            <a:cxnSpLocks/>
-            <a:stCxn id="509" idx="3"/>
-          </p:cNvCxnSpPr>
+          <p:cNvPr id="209" name="Straight Connector 208">
+            <a:extLst>
+              <a:ext uri="{FF2B5EF4-FFF2-40B4-BE49-F238E27FC236}">
+                <a16:creationId xmlns:a16="http://schemas.microsoft.com/office/drawing/2014/main" id="{6C05AE99-CCB6-3D45-B3CE-648BAF90AB99}"/>
+              </a:ext>
+            </a:extLst>
+          </p:cNvPr>
+          <p:cNvCxnSpPr/>
           <p:nvPr/>
         </p:nvCxnSpPr>
         <p:spPr>
           <a:xfrm>
-            <a:off x="935279" y="3452572"/>
-            <a:ext cx="99299" cy="13507"/>
+            <a:off x="815078" y="6666027"/>
+            <a:ext cx="268580" cy="0"/>
           </a:xfrm>
           <a:prstGeom prst="line">
             <a:avLst/>
@@ -6935,10 +6820,10 @@
       </p:cxnSp>
       <p:cxnSp>
         <p:nvCxnSpPr>
-          <p:cNvPr id="511" name="Straight Connector 209">
-            <a:extLst>
-              <a:ext uri="{FF2B5EF4-FFF2-40B4-BE49-F238E27FC236}">
-                <a16:creationId xmlns:a16="http://schemas.microsoft.com/office/drawing/2014/main" id="{4A7799BE-E23A-4ABC-89C8-1DA11166391E}"/>
+          <p:cNvPr id="210" name="Straight Connector 209">
+            <a:extLst>
+              <a:ext uri="{FF2B5EF4-FFF2-40B4-BE49-F238E27FC236}">
+                <a16:creationId xmlns:a16="http://schemas.microsoft.com/office/drawing/2014/main" id="{9B28684E-B5E9-2C45-AC60-310E5F48854B}"/>
               </a:ext>
             </a:extLst>
           </p:cNvPr>
@@ -6949,8 +6834,8 @@
         </p:nvCxnSpPr>
         <p:spPr>
           <a:xfrm flipV="1">
-            <a:off x="1029582" y="3080521"/>
-            <a:ext cx="0" cy="396212"/>
+            <a:off x="1076999" y="6151952"/>
+            <a:ext cx="0" cy="528283"/>
           </a:xfrm>
           <a:prstGeom prst="line">
             <a:avLst/>
@@ -6976,23 +6861,22 @@
       </p:cxnSp>
       <p:cxnSp>
         <p:nvCxnSpPr>
-          <p:cNvPr id="512" name="Straight Arrow Connector 211">
-            <a:extLst>
-              <a:ext uri="{FF2B5EF4-FFF2-40B4-BE49-F238E27FC236}">
-                <a16:creationId xmlns:a16="http://schemas.microsoft.com/office/drawing/2014/main" id="{8A020EA7-6562-4F4D-A246-709FA6A16A14}"/>
+          <p:cNvPr id="212" name="Straight Arrow Connector 211">
+            <a:extLst>
+              <a:ext uri="{FF2B5EF4-FFF2-40B4-BE49-F238E27FC236}">
+                <a16:creationId xmlns:a16="http://schemas.microsoft.com/office/drawing/2014/main" id="{3565974D-0956-7B44-9A37-CA0E711DD911}"/>
               </a:ext>
             </a:extLst>
           </p:cNvPr>
           <p:cNvCxnSpPr>
             <a:cxnSpLocks/>
-            <a:endCxn id="421" idx="1"/>
           </p:cNvCxnSpPr>
           <p:nvPr/>
         </p:nvCxnSpPr>
         <p:spPr>
           <a:xfrm>
-            <a:off x="4827959" y="2015602"/>
-            <a:ext cx="158674" cy="0"/>
+            <a:off x="6551648" y="4702082"/>
+            <a:ext cx="176102" cy="0"/>
           </a:xfrm>
           <a:prstGeom prst="straightConnector1">
             <a:avLst/>
@@ -7018,10 +6902,10 @@
       </p:cxnSp>
       <p:cxnSp>
         <p:nvCxnSpPr>
-          <p:cNvPr id="513" name="Straight Arrow Connector 212">
-            <a:extLst>
-              <a:ext uri="{FF2B5EF4-FFF2-40B4-BE49-F238E27FC236}">
-                <a16:creationId xmlns:a16="http://schemas.microsoft.com/office/drawing/2014/main" id="{5250809C-7679-402D-ADDA-91BE77C8E138}"/>
+          <p:cNvPr id="213" name="Straight Arrow Connector 212">
+            <a:extLst>
+              <a:ext uri="{FF2B5EF4-FFF2-40B4-BE49-F238E27FC236}">
+                <a16:creationId xmlns:a16="http://schemas.microsoft.com/office/drawing/2014/main" id="{7DEAE411-4451-9740-ADD4-D41FA7E861EA}"/>
               </a:ext>
             </a:extLst>
           </p:cNvPr>
@@ -7032,8 +6916,8 @@
         </p:nvCxnSpPr>
         <p:spPr>
           <a:xfrm>
-            <a:off x="4827959" y="2964181"/>
-            <a:ext cx="351818" cy="0"/>
+            <a:off x="6551648" y="6027614"/>
+            <a:ext cx="1372838" cy="0"/>
           </a:xfrm>
           <a:prstGeom prst="straightConnector1">
             <a:avLst/>
@@ -7060,10 +6944,10 @@
       </p:cxnSp>
       <p:sp>
         <p:nvSpPr>
-          <p:cNvPr id="514" name="Rounded Rectangle 214">
-            <a:extLst>
-              <a:ext uri="{FF2B5EF4-FFF2-40B4-BE49-F238E27FC236}">
-                <a16:creationId xmlns:a16="http://schemas.microsoft.com/office/drawing/2014/main" id="{21901A9E-7774-4CCB-B7A0-5225F22132CB}"/>
+          <p:cNvPr id="215" name="Rounded Rectangle 214">
+            <a:extLst>
+              <a:ext uri="{FF2B5EF4-FFF2-40B4-BE49-F238E27FC236}">
+                <a16:creationId xmlns:a16="http://schemas.microsoft.com/office/drawing/2014/main" id="{2582FA8E-15D6-FD46-A555-C3FFF7DFD6CE}"/>
               </a:ext>
             </a:extLst>
           </p:cNvPr>
@@ -7072,8 +6956,8 @@
         </p:nvSpPr>
         <p:spPr>
           <a:xfrm>
-            <a:off x="5181268" y="2857530"/>
-            <a:ext cx="995414" cy="190334"/>
+            <a:off x="7924486" y="5912301"/>
+            <a:ext cx="1901440" cy="253779"/>
           </a:xfrm>
           <a:prstGeom prst="roundRect">
             <a:avLst/>
@@ -7099,10 +6983,7 @@
           <a:p>
             <a:pPr algn="ctr"/>
             <a:r>
-              <a:rPr lang="en-CN" sz="1000" dirty="0">
-                <a:latin typeface="Arial" panose="020B0604020202020204" pitchFamily="34" charset="0"/>
-                <a:cs typeface="Arial" panose="020B0604020202020204" pitchFamily="34" charset="0"/>
-              </a:rPr>
+              <a:rPr lang="en-CN" sz="1142" dirty="0"/>
               <a:t>Ion Intensity</a:t>
             </a:r>
           </a:p>
@@ -7110,10 +6991,10 @@
       </p:sp>
       <p:sp>
         <p:nvSpPr>
-          <p:cNvPr id="515" name="TextBox 215">
-            <a:extLst>
-              <a:ext uri="{FF2B5EF4-FFF2-40B4-BE49-F238E27FC236}">
-                <a16:creationId xmlns:a16="http://schemas.microsoft.com/office/drawing/2014/main" id="{3D9B4AC7-4248-4620-8594-CEEFE9AB1372}"/>
+          <p:cNvPr id="216" name="TextBox 215">
+            <a:extLst>
+              <a:ext uri="{FF2B5EF4-FFF2-40B4-BE49-F238E27FC236}">
+                <a16:creationId xmlns:a16="http://schemas.microsoft.com/office/drawing/2014/main" id="{51B70DFD-727D-FA46-8081-55257A7529FE}"/>
               </a:ext>
             </a:extLst>
           </p:cNvPr>
@@ -7122,8 +7003,8 @@
         </p:nvSpPr>
         <p:spPr>
           <a:xfrm>
-            <a:off x="274023" y="1279155"/>
-            <a:ext cx="1071127" cy="243015"/>
+            <a:off x="83269" y="3768167"/>
+            <a:ext cx="979755" cy="243015"/>
           </a:xfrm>
           <a:prstGeom prst="rect">
             <a:avLst/>
@@ -7137,10 +7018,7 @@
           <a:lstStyle/>
           <a:p>
             <a:r>
-              <a:rPr lang="en-CN" sz="979" dirty="0">
-                <a:latin typeface="Arial" panose="020B0604020202020204" pitchFamily="34" charset="0"/>
-                <a:cs typeface="Arial" panose="020B0604020202020204" pitchFamily="34" charset="0"/>
-              </a:rPr>
+              <a:rPr lang="en-CN" sz="979" dirty="0"/>
               <a:t>Input Sequence</a:t>
             </a:r>
           </a:p>
@@ -7148,10 +7026,10 @@
       </p:sp>
       <p:sp>
         <p:nvSpPr>
-          <p:cNvPr id="516" name="TextBox 216">
-            <a:extLst>
-              <a:ext uri="{FF2B5EF4-FFF2-40B4-BE49-F238E27FC236}">
-                <a16:creationId xmlns:a16="http://schemas.microsoft.com/office/drawing/2014/main" id="{3207B785-2858-4AB2-91F5-C0AD708A4E5C}"/>
+          <p:cNvPr id="217" name="TextBox 216">
+            <a:extLst>
+              <a:ext uri="{FF2B5EF4-FFF2-40B4-BE49-F238E27FC236}">
+                <a16:creationId xmlns:a16="http://schemas.microsoft.com/office/drawing/2014/main" id="{C327B080-1431-344A-9369-29294EFCA43F}"/>
               </a:ext>
             </a:extLst>
           </p:cNvPr>
@@ -7160,8 +7038,8 @@
         </p:nvSpPr>
         <p:spPr>
           <a:xfrm>
-            <a:off x="1522961" y="1293433"/>
-            <a:ext cx="968535" cy="243015"/>
+            <a:off x="2134922" y="3768996"/>
+            <a:ext cx="888385" cy="243015"/>
           </a:xfrm>
           <a:prstGeom prst="rect">
             <a:avLst/>
@@ -7175,10 +7053,7 @@
           <a:lstStyle/>
           <a:p>
             <a:r>
-              <a:rPr lang="en-CN" sz="979" dirty="0">
-                <a:latin typeface="Arial" panose="020B0604020202020204" pitchFamily="34" charset="0"/>
-                <a:cs typeface="Arial" panose="020B0604020202020204" pitchFamily="34" charset="0"/>
-              </a:rPr>
+              <a:rPr lang="en-CN" sz="979" dirty="0"/>
               <a:t>LSTM Module</a:t>
             </a:r>
           </a:p>
@@ -7186,10 +7061,10 @@
       </p:sp>
       <p:sp>
         <p:nvSpPr>
-          <p:cNvPr id="517" name="TextBox 217">
-            <a:extLst>
-              <a:ext uri="{FF2B5EF4-FFF2-40B4-BE49-F238E27FC236}">
-                <a16:creationId xmlns:a16="http://schemas.microsoft.com/office/drawing/2014/main" id="{017FCE69-8886-497F-AF48-EA08EE14C862}"/>
+          <p:cNvPr id="218" name="TextBox 217">
+            <a:extLst>
+              <a:ext uri="{FF2B5EF4-FFF2-40B4-BE49-F238E27FC236}">
+                <a16:creationId xmlns:a16="http://schemas.microsoft.com/office/drawing/2014/main" id="{A767A61A-4593-9C4C-ACB4-8FEDF2D0DCA6}"/>
               </a:ext>
             </a:extLst>
           </p:cNvPr>
@@ -7198,8 +7073,8 @@
         </p:nvSpPr>
         <p:spPr>
           <a:xfrm>
-            <a:off x="3196990" y="1286007"/>
-            <a:ext cx="1319592" cy="243015"/>
+            <a:off x="4786478" y="3765913"/>
+            <a:ext cx="1244251" cy="243015"/>
           </a:xfrm>
           <a:prstGeom prst="rect">
             <a:avLst/>
@@ -7213,10 +7088,7 @@
           <a:lstStyle/>
           <a:p>
             <a:r>
-              <a:rPr lang="en-CN" sz="979" dirty="0">
-                <a:latin typeface="Arial" panose="020B0604020202020204" pitchFamily="34" charset="0"/>
-                <a:cs typeface="Arial" panose="020B0604020202020204" pitchFamily="34" charset="0"/>
-              </a:rPr>
+              <a:rPr lang="en-CN" sz="979" dirty="0"/>
               <a:t>Transformer Module</a:t>
             </a:r>
           </a:p>
@@ -7224,10 +7096,10 @@
       </p:sp>
       <p:sp>
         <p:nvSpPr>
-          <p:cNvPr id="518" name="TextBox 218">
-            <a:extLst>
-              <a:ext uri="{FF2B5EF4-FFF2-40B4-BE49-F238E27FC236}">
-                <a16:creationId xmlns:a16="http://schemas.microsoft.com/office/drawing/2014/main" id="{B99756FD-2D79-475D-AC35-531EF78D915A}"/>
+          <p:cNvPr id="219" name="TextBox 218">
+            <a:extLst>
+              <a:ext uri="{FF2B5EF4-FFF2-40B4-BE49-F238E27FC236}">
+                <a16:creationId xmlns:a16="http://schemas.microsoft.com/office/drawing/2014/main" id="{D811D2A3-BB4A-514D-A19E-C8CB064DDBE2}"/>
               </a:ext>
             </a:extLst>
           </p:cNvPr>
@@ -7236,8 +7108,8 @@
         </p:nvSpPr>
         <p:spPr>
           <a:xfrm>
-            <a:off x="5222078" y="1279155"/>
-            <a:ext cx="744114" cy="243015"/>
+            <a:off x="9240061" y="3824642"/>
+            <a:ext cx="704039" cy="243015"/>
           </a:xfrm>
           <a:prstGeom prst="rect">
             <a:avLst/>
@@ -7251,71 +7123,198 @@
           <a:lstStyle/>
           <a:p>
             <a:r>
-              <a:rPr lang="en-CN" sz="979" dirty="0">
+              <a:rPr lang="en-CN" sz="979" dirty="0"/>
+              <a:t>Prediction</a:t>
+            </a:r>
+          </a:p>
+        </p:txBody>
+      </p:sp>
+      <p:sp>
+        <p:nvSpPr>
+          <p:cNvPr id="2" name="Rounded Rectangle 1">
+            <a:extLst>
+              <a:ext uri="{FF2B5EF4-FFF2-40B4-BE49-F238E27FC236}">
+                <a16:creationId xmlns:a16="http://schemas.microsoft.com/office/drawing/2014/main" id="{330161D4-68E7-014E-87B3-E932A375FB80}"/>
+              </a:ext>
+            </a:extLst>
+          </p:cNvPr>
+          <p:cNvSpPr/>
+          <p:nvPr/>
+        </p:nvSpPr>
+        <p:spPr>
+          <a:xfrm>
+            <a:off x="6726741" y="4432225"/>
+            <a:ext cx="1152853" cy="509099"/>
+          </a:xfrm>
+          <a:prstGeom prst="roundRect">
+            <a:avLst/>
+          </a:prstGeom>
+          <a:solidFill>
+            <a:schemeClr val="accent1">
+              <a:lumMod val="60000"/>
+              <a:lumOff val="40000"/>
+            </a:schemeClr>
+          </a:solidFill>
+          <a:ln>
+            <a:solidFill>
+              <a:schemeClr val="tx1"/>
+            </a:solidFill>
+            <a:prstDash val="sysDot"/>
+          </a:ln>
+        </p:spPr>
+        <p:style>
+          <a:lnRef idx="2">
+            <a:schemeClr val="accent3">
+              <a:shade val="50000"/>
+            </a:schemeClr>
+          </a:lnRef>
+          <a:fillRef idx="1">
+            <a:schemeClr val="accent3"/>
+          </a:fillRef>
+          <a:effectRef idx="0">
+            <a:schemeClr val="accent3"/>
+          </a:effectRef>
+          <a:fontRef idx="minor">
+            <a:schemeClr val="lt1"/>
+          </a:fontRef>
+        </p:style>
+        <p:txBody>
+          <a:bodyPr rtlCol="0" anchor="ctr"/>
+          <a:lstStyle/>
+          <a:p>
+            <a:pPr algn="ctr"/>
+            <a:r>
+              <a:rPr lang="en-CN" sz="1305" dirty="0"/>
+              <a:t>Adapted AA </a:t>
+            </a:r>
+          </a:p>
+          <a:p>
+            <a:pPr algn="ctr"/>
+            <a:r>
+              <a:rPr lang="en-CN" sz="1305" dirty="0"/>
+              <a:t>Weight Layer</a:t>
+            </a:r>
+          </a:p>
+        </p:txBody>
+      </p:sp>
+      <p:cxnSp>
+        <p:nvCxnSpPr>
+          <p:cNvPr id="102" name="Straight Arrow Connector 101">
+            <a:extLst>
+              <a:ext uri="{FF2B5EF4-FFF2-40B4-BE49-F238E27FC236}">
+                <a16:creationId xmlns:a16="http://schemas.microsoft.com/office/drawing/2014/main" id="{8440B04F-C5AA-BD4F-B28D-99764C853347}"/>
+              </a:ext>
+            </a:extLst>
+          </p:cNvPr>
+          <p:cNvCxnSpPr>
+            <a:cxnSpLocks/>
+          </p:cNvCxnSpPr>
+          <p:nvPr/>
+        </p:nvCxnSpPr>
+        <p:spPr>
+          <a:xfrm>
+            <a:off x="7882508" y="4683773"/>
+            <a:ext cx="162974" cy="2811"/>
+          </a:xfrm>
+          <a:prstGeom prst="straightConnector1">
+            <a:avLst/>
+          </a:prstGeom>
+          <a:ln w="19050">
+            <a:headEnd type="none"/>
+            <a:tailEnd type="triangle"/>
+          </a:ln>
+        </p:spPr>
+        <p:style>
+          <a:lnRef idx="1">
+            <a:schemeClr val="dk1"/>
+          </a:lnRef>
+          <a:fillRef idx="0">
+            <a:schemeClr val="dk1"/>
+          </a:fillRef>
+          <a:effectRef idx="0">
+            <a:schemeClr val="dk1"/>
+          </a:effectRef>
+          <a:fontRef idx="minor">
+            <a:schemeClr val="tx1"/>
+          </a:fontRef>
+        </p:style>
+      </p:cxnSp>
+      <p:sp>
+        <p:nvSpPr>
+          <p:cNvPr id="13" name="TextBox 12">
+            <a:extLst>
+              <a:ext uri="{FF2B5EF4-FFF2-40B4-BE49-F238E27FC236}">
+                <a16:creationId xmlns:a16="http://schemas.microsoft.com/office/drawing/2014/main" id="{A9AF6B27-39E3-6744-9A64-FD73D2FC4EDA}"/>
+              </a:ext>
+            </a:extLst>
+          </p:cNvPr>
+          <p:cNvSpPr txBox="1"/>
+          <p:nvPr/>
+        </p:nvSpPr>
+        <p:spPr>
+          <a:xfrm>
+            <a:off x="224450" y="7206712"/>
+            <a:ext cx="9429184" cy="600164"/>
+          </a:xfrm>
+          <a:prstGeom prst="rect">
+            <a:avLst/>
+          </a:prstGeom>
+          <a:noFill/>
+        </p:spPr>
+        <p:txBody>
+          <a:bodyPr wrap="none" rtlCol="0">
+            <a:spAutoFit/>
+          </a:bodyPr>
+          <a:lstStyle/>
+          <a:p>
+            <a:r>
+              <a:rPr lang="en-CN" sz="1100" dirty="0">
                 <a:latin typeface="Arial" panose="020B0604020202020204" pitchFamily="34" charset="0"/>
                 <a:cs typeface="Arial" panose="020B0604020202020204" pitchFamily="34" charset="0"/>
               </a:rPr>
-              <a:t>Prediction</a:t>
-            </a:r>
-          </a:p>
-        </p:txBody>
-      </p:sp>
-      <p:sp>
-        <p:nvSpPr>
-          <p:cNvPr id="519" name="Rounded Rectangle 129">
-            <a:extLst>
-              <a:ext uri="{FF2B5EF4-FFF2-40B4-BE49-F238E27FC236}">
-                <a16:creationId xmlns:a16="http://schemas.microsoft.com/office/drawing/2014/main" id="{88190D14-64DB-465F-8DEC-ECB58EF9C775}"/>
-              </a:ext>
-            </a:extLst>
-          </p:cNvPr>
-          <p:cNvSpPr/>
-          <p:nvPr/>
-        </p:nvSpPr>
-        <p:spPr>
-          <a:xfrm>
-            <a:off x="5918791" y="1918584"/>
-            <a:ext cx="397406" cy="185860"/>
-          </a:xfrm>
-          <a:prstGeom prst="roundRect">
-            <a:avLst/>
-          </a:prstGeom>
-        </p:spPr>
-        <p:style>
-          <a:lnRef idx="1">
-            <a:schemeClr val="accent2"/>
-          </a:lnRef>
-          <a:fillRef idx="2">
-            <a:schemeClr val="accent2"/>
-          </a:fillRef>
-          <a:effectRef idx="1">
-            <a:schemeClr val="accent2"/>
-          </a:effectRef>
-          <a:fontRef idx="minor">
-            <a:schemeClr val="dk1"/>
-          </a:fontRef>
-        </p:style>
-        <p:txBody>
-          <a:bodyPr rtlCol="0" anchor="ctr"/>
-          <a:lstStyle/>
-          <a:p>
-            <a:pPr algn="ctr"/>
-            <a:r>
-              <a:rPr lang="en-CN" sz="1000" dirty="0">
+              <a:t>The workflow of of our method. For ion intensity prediction, we input the sequence and precursor charge (for RT prediction, we only input sequence).</a:t>
+            </a:r>
+          </a:p>
+          <a:p>
+            <a:r>
+              <a:rPr lang="en-CN" sz="1100" dirty="0">
                 <a:latin typeface="Arial" panose="020B0604020202020204" pitchFamily="34" charset="0"/>
                 <a:cs typeface="Arial" panose="020B0604020202020204" pitchFamily="34" charset="0"/>
               </a:rPr>
-              <a:t>RT</a:t>
+              <a:t>Then the sequence is embeded and take fo</a:t>
+            </a:r>
+            <a:r>
+              <a:rPr lang="en-US" sz="1100" dirty="0">
+                <a:latin typeface="Arial" panose="020B0604020202020204" pitchFamily="34" charset="0"/>
+                <a:cs typeface="Arial" panose="020B0604020202020204" pitchFamily="34" charset="0"/>
+              </a:rPr>
+              <a:t>r</a:t>
+            </a:r>
+            <a:r>
+              <a:rPr lang="en-CN" sz="1100" dirty="0">
+                <a:latin typeface="Arial" panose="020B0604020202020204" pitchFamily="34" charset="0"/>
+                <a:cs typeface="Arial" panose="020B0604020202020204" pitchFamily="34" charset="0"/>
+              </a:rPr>
+              <a:t>ward the LSTM and Transformer module and output the prediction. Especially, for RT prediction, </a:t>
+            </a:r>
+          </a:p>
+          <a:p>
+            <a:r>
+              <a:rPr lang="en-CN" sz="1100" dirty="0">
+                <a:latin typeface="Arial" panose="020B0604020202020204" pitchFamily="34" charset="0"/>
+                <a:cs typeface="Arial" panose="020B0604020202020204" pitchFamily="34" charset="0"/>
+              </a:rPr>
+              <a:t>we add a time-distributed module which would adaptively assign the different wieght for different amino acid in input. </a:t>
             </a:r>
           </a:p>
         </p:txBody>
       </p:sp>
       <p:cxnSp>
         <p:nvCxnSpPr>
-          <p:cNvPr id="520" name="Straight Arrow Connector 121">
-            <a:extLst>
-              <a:ext uri="{FF2B5EF4-FFF2-40B4-BE49-F238E27FC236}">
-                <a16:creationId xmlns:a16="http://schemas.microsoft.com/office/drawing/2014/main" id="{60F350A2-5B09-4E1C-8C66-C0B6557F11E6}"/>
+          <p:cNvPr id="46" name="Elbow Connector 45">
+            <a:extLst>
+              <a:ext uri="{FF2B5EF4-FFF2-40B4-BE49-F238E27FC236}">
+                <a16:creationId xmlns:a16="http://schemas.microsoft.com/office/drawing/2014/main" id="{A6FBA92A-C0EA-604A-9993-3B12CD7B9B73}"/>
               </a:ext>
             </a:extLst>
           </p:cNvPr>
@@ -7325,9 +7324,56 @@
           <p:nvPr/>
         </p:nvCxnSpPr>
         <p:spPr>
-          <a:xfrm>
-            <a:off x="2717354" y="2456815"/>
-            <a:ext cx="164816" cy="0"/>
+          <a:xfrm rot="16200000" flipH="1">
+            <a:off x="7600375" y="3740184"/>
+            <a:ext cx="108000" cy="2052000"/>
+          </a:xfrm>
+          <a:prstGeom prst="bentConnector3">
+            <a:avLst>
+              <a:gd name="adj1" fmla="val 284493"/>
+            </a:avLst>
+          </a:prstGeom>
+          <a:ln w="12700" cap="rnd">
+            <a:solidFill>
+              <a:schemeClr val="tx1"/>
+            </a:solidFill>
+            <a:round/>
+            <a:tailEnd type="triangle"/>
+          </a:ln>
+        </p:spPr>
+        <p:style>
+          <a:lnRef idx="1">
+            <a:schemeClr val="accent1"/>
+          </a:lnRef>
+          <a:fillRef idx="0">
+            <a:schemeClr val="accent1"/>
+          </a:fillRef>
+          <a:effectRef idx="0">
+            <a:schemeClr val="accent1"/>
+          </a:effectRef>
+          <a:fontRef idx="minor">
+            <a:schemeClr val="tx1"/>
+          </a:fontRef>
+        </p:style>
+      </p:cxnSp>
+      <p:cxnSp>
+        <p:nvCxnSpPr>
+          <p:cNvPr id="127" name="Straight Arrow Connector 126">
+            <a:extLst>
+              <a:ext uri="{FF2B5EF4-FFF2-40B4-BE49-F238E27FC236}">
+                <a16:creationId xmlns:a16="http://schemas.microsoft.com/office/drawing/2014/main" id="{127BBA5C-47FF-6A4B-BD69-83845D88EB7F}"/>
+              </a:ext>
+            </a:extLst>
+          </p:cNvPr>
+          <p:cNvCxnSpPr>
+            <a:cxnSpLocks/>
+          </p:cNvCxnSpPr>
+          <p:nvPr/>
+        </p:nvCxnSpPr>
+        <p:spPr>
+          <a:xfrm>
+            <a:off x="9137673" y="4668108"/>
+            <a:ext cx="285105" cy="7749"/>
           </a:xfrm>
           <a:prstGeom prst="straightConnector1">
             <a:avLst/>
@@ -7353,10 +7399,10 @@
       </p:cxnSp>
       <p:sp>
         <p:nvSpPr>
-          <p:cNvPr id="521" name="Rectangle 27">
-            <a:extLst>
-              <a:ext uri="{FF2B5EF4-FFF2-40B4-BE49-F238E27FC236}">
-                <a16:creationId xmlns:a16="http://schemas.microsoft.com/office/drawing/2014/main" id="{6BC9024E-1952-4B70-989A-6FC240D289AD}"/>
+          <p:cNvPr id="129" name="Rounded Rectangle 128">
+            <a:extLst>
+              <a:ext uri="{FF2B5EF4-FFF2-40B4-BE49-F238E27FC236}">
+                <a16:creationId xmlns:a16="http://schemas.microsoft.com/office/drawing/2014/main" id="{FCFF027A-5CC1-654B-BBC4-A69712C4EFB2}"/>
               </a:ext>
             </a:extLst>
           </p:cNvPr>
@@ -7365,83 +7411,142 @@
         </p:nvSpPr>
         <p:spPr>
           <a:xfrm>
-            <a:off x="4953585" y="1832836"/>
-            <a:ext cx="862611" cy="369332"/>
+            <a:off x="8050505" y="4410022"/>
+            <a:ext cx="1235663" cy="508454"/>
+          </a:xfrm>
+          <a:prstGeom prst="roundRect">
+            <a:avLst/>
+          </a:prstGeom>
+          <a:solidFill>
+            <a:schemeClr val="accent1">
+              <a:lumMod val="60000"/>
+              <a:lumOff val="40000"/>
+            </a:schemeClr>
+          </a:solidFill>
+          <a:ln>
+            <a:solidFill>
+              <a:schemeClr val="tx1"/>
+            </a:solidFill>
+            <a:prstDash val="sysDot"/>
+          </a:ln>
+        </p:spPr>
+        <p:style>
+          <a:lnRef idx="2">
+            <a:schemeClr val="accent3">
+              <a:shade val="50000"/>
+            </a:schemeClr>
+          </a:lnRef>
+          <a:fillRef idx="1">
+            <a:schemeClr val="accent3"/>
+          </a:fillRef>
+          <a:effectRef idx="0">
+            <a:schemeClr val="accent3"/>
+          </a:effectRef>
+          <a:fontRef idx="minor">
+            <a:schemeClr val="lt1"/>
+          </a:fontRef>
+        </p:style>
+        <p:txBody>
+          <a:bodyPr rtlCol="0" anchor="ctr"/>
+          <a:lstStyle/>
+          <a:p>
+            <a:pPr algn="ctr"/>
+            <a:r>
+              <a:rPr lang="en-CN" sz="1305" dirty="0"/>
+              <a:t>Matrix</a:t>
+            </a:r>
+          </a:p>
+          <a:p>
+            <a:pPr algn="ctr"/>
+            <a:r>
+              <a:rPr lang="en-CN" sz="1305" dirty="0"/>
+              <a:t>Multiplication</a:t>
+            </a:r>
+          </a:p>
+        </p:txBody>
+      </p:sp>
+      <p:sp>
+        <p:nvSpPr>
+          <p:cNvPr id="130" name="Rounded Rectangle 129">
+            <a:extLst>
+              <a:ext uri="{FF2B5EF4-FFF2-40B4-BE49-F238E27FC236}">
+                <a16:creationId xmlns:a16="http://schemas.microsoft.com/office/drawing/2014/main" id="{FCC82964-76C1-7745-AD71-A827274F70BA}"/>
+              </a:ext>
+            </a:extLst>
+          </p:cNvPr>
+          <p:cNvSpPr/>
+          <p:nvPr/>
+        </p:nvSpPr>
+        <p:spPr>
+          <a:xfrm>
+            <a:off x="9441845" y="4537780"/>
+            <a:ext cx="395398" cy="247813"/>
+          </a:xfrm>
+          <a:prstGeom prst="roundRect">
+            <a:avLst/>
+          </a:prstGeom>
+        </p:spPr>
+        <p:style>
+          <a:lnRef idx="1">
+            <a:schemeClr val="accent2"/>
+          </a:lnRef>
+          <a:fillRef idx="2">
+            <a:schemeClr val="accent2"/>
+          </a:fillRef>
+          <a:effectRef idx="1">
+            <a:schemeClr val="accent2"/>
+          </a:effectRef>
+          <a:fontRef idx="minor">
+            <a:schemeClr val="dk1"/>
+          </a:fontRef>
+        </p:style>
+        <p:txBody>
+          <a:bodyPr rtlCol="0" anchor="ctr"/>
+          <a:lstStyle/>
+          <a:p>
+            <a:pPr algn="ctr"/>
+            <a:r>
+              <a:rPr lang="en-CN" sz="1142" dirty="0"/>
+              <a:t>RT</a:t>
+            </a:r>
+          </a:p>
+        </p:txBody>
+      </p:sp>
+      <p:sp>
+        <p:nvSpPr>
+          <p:cNvPr id="136" name="TextBox 135">
+            <a:extLst>
+              <a:ext uri="{FF2B5EF4-FFF2-40B4-BE49-F238E27FC236}">
+                <a16:creationId xmlns:a16="http://schemas.microsoft.com/office/drawing/2014/main" id="{6D1B21E8-E932-7643-AF53-AAFEF3D10483}"/>
+              </a:ext>
+            </a:extLst>
+          </p:cNvPr>
+          <p:cNvSpPr txBox="1"/>
+          <p:nvPr/>
+        </p:nvSpPr>
+        <p:spPr>
+          <a:xfrm>
+            <a:off x="7198967" y="3788408"/>
+            <a:ext cx="1451038" cy="243015"/>
           </a:xfrm>
           <a:prstGeom prst="rect">
             <a:avLst/>
           </a:prstGeom>
-        </p:spPr>
-        <p:txBody>
-          <a:bodyPr wrap="square">
+          <a:noFill/>
+        </p:spPr>
+        <p:txBody>
+          <a:bodyPr wrap="none" rtlCol="0">
             <a:spAutoFit/>
           </a:bodyPr>
           <a:lstStyle/>
           <a:p>
-            <a:pPr algn="ctr"/>
-            <a:r>
-              <a:rPr lang="en-CN" sz="900" dirty="0">
-                <a:latin typeface="Arial" panose="020B0604020202020204" pitchFamily="34" charset="0"/>
-                <a:cs typeface="Arial" panose="020B0604020202020204" pitchFamily="34" charset="0"/>
-              </a:rPr>
-              <a:t>Adapted AA </a:t>
-            </a:r>
-          </a:p>
-          <a:p>
-            <a:pPr algn="ctr"/>
-            <a:r>
-              <a:rPr lang="en-CN" sz="900" dirty="0">
-                <a:latin typeface="Arial" panose="020B0604020202020204" pitchFamily="34" charset="0"/>
-                <a:cs typeface="Arial" panose="020B0604020202020204" pitchFamily="34" charset="0"/>
-              </a:rPr>
-              <a:t>Weight Layer</a:t>
-            </a:r>
-          </a:p>
-        </p:txBody>
-      </p:sp>
-      <p:cxnSp>
-        <p:nvCxnSpPr>
-          <p:cNvPr id="522" name="Straight Arrow Connector 123">
-            <a:extLst>
-              <a:ext uri="{FF2B5EF4-FFF2-40B4-BE49-F238E27FC236}">
-                <a16:creationId xmlns:a16="http://schemas.microsoft.com/office/drawing/2014/main" id="{71CEDE18-84D2-4A58-857E-CC914875C326}"/>
-              </a:ext>
-            </a:extLst>
-          </p:cNvPr>
-          <p:cNvCxnSpPr>
-            <a:cxnSpLocks/>
-            <a:stCxn id="421" idx="3"/>
-            <a:endCxn id="519" idx="1"/>
-          </p:cNvCxnSpPr>
-          <p:nvPr/>
-        </p:nvCxnSpPr>
-        <p:spPr>
-          <a:xfrm flipV="1">
-            <a:off x="5797641" y="2011514"/>
-            <a:ext cx="121150" cy="4088"/>
-          </a:xfrm>
-          <a:prstGeom prst="straightConnector1">
-            <a:avLst/>
-          </a:prstGeom>
-          <a:ln w="19050">
-            <a:tailEnd type="triangle"/>
-          </a:ln>
-        </p:spPr>
-        <p:style>
-          <a:lnRef idx="1">
-            <a:schemeClr val="dk1"/>
-          </a:lnRef>
-          <a:fillRef idx="0">
-            <a:schemeClr val="dk1"/>
-          </a:fillRef>
-          <a:effectRef idx="0">
-            <a:schemeClr val="dk1"/>
-          </a:effectRef>
-          <a:fontRef idx="minor">
-            <a:schemeClr val="tx1"/>
-          </a:fontRef>
-        </p:style>
-      </p:cxnSp>
+            <a:r>
+              <a:rPr lang="en-CN" sz="979" dirty="0"/>
+              <a:t>Time distributed Module</a:t>
+            </a:r>
+          </a:p>
+        </p:txBody>
+      </p:sp>
     </p:spTree>
     <p:extLst>
       <p:ext uri="{BB962C8B-B14F-4D97-AF65-F5344CB8AC3E}">
@@ -7486,7 +7591,7 @@
         </p:nvSpPr>
         <p:spPr>
           <a:xfrm>
-            <a:off x="300307" y="3235477"/>
+            <a:off x="776237" y="5022066"/>
             <a:ext cx="2205505" cy="3519487"/>
           </a:xfrm>
           <a:prstGeom prst="roundRect">
@@ -7541,7 +7646,7 @@
         </p:nvSpPr>
         <p:spPr>
           <a:xfrm>
-            <a:off x="296589" y="568720"/>
+            <a:off x="772519" y="2355309"/>
             <a:ext cx="2252203" cy="2096825"/>
           </a:xfrm>
           <a:prstGeom prst="roundRect">
@@ -7596,7 +7701,7 @@
         </p:nvSpPr>
         <p:spPr>
           <a:xfrm>
-            <a:off x="186812" y="170387"/>
+            <a:off x="662742" y="1956977"/>
             <a:ext cx="1106598" cy="281831"/>
           </a:xfrm>
           <a:prstGeom prst="rect">
@@ -7648,7 +7753,7 @@
         </p:nvSpPr>
         <p:spPr>
           <a:xfrm>
-            <a:off x="42042" y="-420448"/>
+            <a:off x="517972" y="1366142"/>
             <a:ext cx="1106598" cy="329318"/>
           </a:xfrm>
           <a:prstGeom prst="roundRect">
@@ -7751,7 +7856,7 @@
         </p:nvSpPr>
         <p:spPr>
           <a:xfrm>
-            <a:off x="296589" y="-666955"/>
+            <a:off x="772519" y="1119635"/>
             <a:ext cx="440301" cy="243015"/>
           </a:xfrm>
           <a:prstGeom prst="rect">
@@ -7796,7 +7901,7 @@
         </p:nvCxnSpPr>
         <p:spPr>
           <a:xfrm>
-            <a:off x="602091" y="-91130"/>
+            <a:off x="1078021" y="1695460"/>
             <a:ext cx="0" cy="261517"/>
           </a:xfrm>
           <a:prstGeom prst="straightConnector1">
@@ -7835,7 +7940,7 @@
         </p:nvSpPr>
         <p:spPr>
           <a:xfrm>
-            <a:off x="1442199" y="-420447"/>
+            <a:off x="1918129" y="1366143"/>
             <a:ext cx="1106598" cy="329318"/>
           </a:xfrm>
           <a:prstGeom prst="roundRect">
@@ -7919,7 +8024,7 @@
         </p:nvSpPr>
         <p:spPr>
           <a:xfrm>
-            <a:off x="1184180" y="-646375"/>
+            <a:off x="1660110" y="1140215"/>
             <a:ext cx="1537191" cy="243015"/>
           </a:xfrm>
           <a:prstGeom prst="rect">
@@ -7964,7 +8069,7 @@
         </p:nvCxnSpPr>
         <p:spPr>
           <a:xfrm>
-            <a:off x="1952775" y="-91130"/>
+            <a:off x="2428705" y="1695460"/>
             <a:ext cx="0" cy="261517"/>
           </a:xfrm>
           <a:prstGeom prst="straightConnector1">
@@ -8003,7 +8108,7 @@
         </p:nvSpPr>
         <p:spPr>
           <a:xfrm>
-            <a:off x="1293410" y="170387"/>
+            <a:off x="1769340" y="1956977"/>
             <a:ext cx="1106598" cy="281831"/>
           </a:xfrm>
           <a:prstGeom prst="rect">
@@ -8052,7 +8157,7 @@
         </p:nvCxnSpPr>
         <p:spPr>
           <a:xfrm>
-            <a:off x="1293410" y="452218"/>
+            <a:off x="1769340" y="2238808"/>
             <a:ext cx="0" cy="261517"/>
           </a:xfrm>
           <a:prstGeom prst="straightConnector1">
@@ -8091,7 +8196,7 @@
         </p:nvGrpSpPr>
         <p:grpSpPr>
           <a:xfrm>
-            <a:off x="369839" y="728268"/>
+            <a:off x="845769" y="2514858"/>
             <a:ext cx="2061866" cy="926948"/>
             <a:chOff x="1082141" y="2271783"/>
             <a:chExt cx="2817341" cy="1984852"/>
@@ -9655,7 +9760,7 @@
         </p:nvSpPr>
         <p:spPr>
           <a:xfrm>
-            <a:off x="2554914" y="1304339"/>
+            <a:off x="3030844" y="3090929"/>
             <a:ext cx="1015022" cy="443198"/>
           </a:xfrm>
           <a:prstGeom prst="rect">
@@ -9702,7 +9807,7 @@
         </p:nvSpPr>
         <p:spPr>
           <a:xfrm>
-            <a:off x="777998" y="1882996"/>
+            <a:off x="1253928" y="3669585"/>
             <a:ext cx="1284472" cy="567847"/>
           </a:xfrm>
           <a:prstGeom prst="roundRect">
@@ -9770,7 +9875,7 @@
         </p:nvCxnSpPr>
         <p:spPr>
           <a:xfrm>
-            <a:off x="1403339" y="1668293"/>
+            <a:off x="1879269" y="3454883"/>
             <a:ext cx="0" cy="214702"/>
           </a:xfrm>
           <a:prstGeom prst="straightConnector1">
@@ -9811,7 +9916,7 @@
         </p:nvCxnSpPr>
         <p:spPr>
           <a:xfrm>
-            <a:off x="1403959" y="2440918"/>
+            <a:off x="1879889" y="4227507"/>
             <a:ext cx="0" cy="449253"/>
           </a:xfrm>
           <a:prstGeom prst="straightConnector1">
@@ -9850,7 +9955,7 @@
         </p:nvSpPr>
         <p:spPr>
           <a:xfrm>
-            <a:off x="3461617" y="1366824"/>
+            <a:off x="3937547" y="3153413"/>
             <a:ext cx="378630" cy="318229"/>
           </a:xfrm>
           <a:prstGeom prst="rect">
@@ -9893,7 +9998,7 @@
         </p:blipFill>
         <p:spPr>
           <a:xfrm>
-            <a:off x="792906" y="2903457"/>
+            <a:off x="1268836" y="4690046"/>
             <a:ext cx="249975" cy="276443"/>
           </a:xfrm>
           <a:prstGeom prst="rect">
@@ -9917,7 +10022,7 @@
         </p:nvCxnSpPr>
         <p:spPr>
           <a:xfrm>
-            <a:off x="1032124" y="3042316"/>
+            <a:off x="1508054" y="4828906"/>
             <a:ext cx="235526" cy="0"/>
           </a:xfrm>
           <a:prstGeom prst="straightConnector1">
@@ -9956,7 +10061,7 @@
         </p:nvSpPr>
         <p:spPr>
           <a:xfrm>
-            <a:off x="1288738" y="2922164"/>
+            <a:off x="1764667" y="4708753"/>
             <a:ext cx="245425" cy="246645"/>
           </a:xfrm>
           <a:prstGeom prst="flowChartOr">
@@ -10005,7 +10110,7 @@
         </p:nvSpPr>
         <p:spPr>
           <a:xfrm>
-            <a:off x="199428" y="2844073"/>
+            <a:off x="675358" y="4630663"/>
             <a:ext cx="641522" cy="368434"/>
           </a:xfrm>
           <a:prstGeom prst="rect">
@@ -10050,7 +10155,7 @@
         </p:nvSpPr>
         <p:spPr>
           <a:xfrm>
-            <a:off x="732145" y="3542217"/>
+            <a:off x="1208075" y="5328806"/>
             <a:ext cx="1400828" cy="246645"/>
           </a:xfrm>
           <a:prstGeom prst="roundRect">
@@ -10107,7 +10212,7 @@
         </p:nvCxnSpPr>
         <p:spPr>
           <a:xfrm flipH="1">
-            <a:off x="1408884" y="3168809"/>
+            <a:off x="1884814" y="4955398"/>
             <a:ext cx="2566" cy="354109"/>
           </a:xfrm>
           <a:prstGeom prst="straightConnector1">
@@ -10146,7 +10251,7 @@
         </p:nvSpPr>
         <p:spPr>
           <a:xfrm>
-            <a:off x="726253" y="3965995"/>
+            <a:off x="1202183" y="5752584"/>
             <a:ext cx="1413204" cy="416209"/>
           </a:xfrm>
           <a:prstGeom prst="roundRect">
@@ -10202,7 +10307,7 @@
         </p:nvCxnSpPr>
         <p:spPr>
           <a:xfrm>
-            <a:off x="1416230" y="3788862"/>
+            <a:off x="1892160" y="5575451"/>
             <a:ext cx="0" cy="177133"/>
           </a:xfrm>
           <a:prstGeom prst="straightConnector1">
@@ -10243,7 +10348,7 @@
         </p:nvCxnSpPr>
         <p:spPr>
           <a:xfrm rot="10800000" flipV="1">
-            <a:off x="805686" y="3336340"/>
+            <a:off x="1281616" y="5122930"/>
             <a:ext cx="601200" cy="1620000"/>
           </a:xfrm>
           <a:prstGeom prst="bentConnector3">
@@ -10287,7 +10392,7 @@
         </p:nvSpPr>
         <p:spPr>
           <a:xfrm>
-            <a:off x="1277762" y="4863623"/>
+            <a:off x="1753691" y="6650212"/>
             <a:ext cx="245425" cy="246645"/>
           </a:xfrm>
           <a:prstGeom prst="flowChartOr">
@@ -10338,7 +10443,7 @@
         </p:nvCxnSpPr>
         <p:spPr>
           <a:xfrm>
-            <a:off x="1397908" y="5116186"/>
+            <a:off x="1873838" y="6902776"/>
             <a:ext cx="0" cy="239330"/>
           </a:xfrm>
           <a:prstGeom prst="straightConnector1">
@@ -10379,7 +10484,7 @@
         </p:nvCxnSpPr>
         <p:spPr>
           <a:xfrm>
-            <a:off x="1403060" y="4624292"/>
+            <a:off x="1878990" y="6410882"/>
             <a:ext cx="0" cy="239330"/>
           </a:xfrm>
           <a:prstGeom prst="straightConnector1">
@@ -10418,7 +10523,7 @@
         </p:nvSpPr>
         <p:spPr>
           <a:xfrm>
-            <a:off x="732145" y="5361436"/>
+            <a:off x="1208075" y="7148025"/>
             <a:ext cx="1400826" cy="246645"/>
           </a:xfrm>
           <a:prstGeom prst="roundRect">
@@ -10473,7 +10578,7 @@
         </p:nvCxnSpPr>
         <p:spPr>
           <a:xfrm>
-            <a:off x="1397908" y="5613999"/>
+            <a:off x="1873838" y="7400589"/>
             <a:ext cx="0" cy="239330"/>
           </a:xfrm>
           <a:prstGeom prst="straightConnector1">
@@ -10512,7 +10617,7 @@
         </p:nvSpPr>
         <p:spPr>
           <a:xfrm>
-            <a:off x="726252" y="5864340"/>
+            <a:off x="1202182" y="7650930"/>
             <a:ext cx="1413197" cy="323684"/>
           </a:xfrm>
           <a:prstGeom prst="roundRect">
@@ -10576,7 +10681,7 @@
         </p:nvSpPr>
         <p:spPr>
           <a:xfrm>
-            <a:off x="738629" y="4501555"/>
+            <a:off x="1214559" y="6288144"/>
             <a:ext cx="1400827" cy="189215"/>
           </a:xfrm>
           <a:prstGeom prst="roundRect">
@@ -10625,7 +10730,7 @@
         </p:nvCxnSpPr>
         <p:spPr>
           <a:xfrm>
-            <a:off x="1411449" y="4382325"/>
+            <a:off x="1887379" y="6168915"/>
             <a:ext cx="0" cy="113786"/>
           </a:xfrm>
           <a:prstGeom prst="line">
@@ -10668,7 +10773,7 @@
         </p:nvCxnSpPr>
         <p:spPr>
           <a:xfrm rot="10800000" flipV="1">
-            <a:off x="795182" y="5162340"/>
+            <a:off x="1271112" y="6948930"/>
             <a:ext cx="601200" cy="1404000"/>
           </a:xfrm>
           <a:prstGeom prst="bentConnector3">
@@ -10712,7 +10817,7 @@
         </p:nvSpPr>
         <p:spPr>
           <a:xfrm>
-            <a:off x="1268862" y="6436197"/>
+            <a:off x="1744791" y="8222786"/>
             <a:ext cx="245425" cy="246645"/>
           </a:xfrm>
           <a:prstGeom prst="flowChartOr">
@@ -10763,7 +10868,7 @@
         </p:nvCxnSpPr>
         <p:spPr>
           <a:xfrm>
-            <a:off x="1388717" y="6191423"/>
+            <a:off x="1864647" y="7978013"/>
             <a:ext cx="0" cy="239330"/>
           </a:xfrm>
           <a:prstGeom prst="straightConnector1">
@@ -10804,7 +10909,7 @@
         </p:nvCxnSpPr>
         <p:spPr>
           <a:xfrm>
-            <a:off x="1394127" y="6682841"/>
+            <a:off x="1870057" y="8469431"/>
             <a:ext cx="0" cy="239330"/>
           </a:xfrm>
           <a:prstGeom prst="straightConnector1">
@@ -10843,7 +10948,7 @@
         </p:nvSpPr>
         <p:spPr>
           <a:xfrm>
-            <a:off x="2588887" y="4745653"/>
+            <a:off x="3064816" y="6532243"/>
             <a:ext cx="925253" cy="443198"/>
           </a:xfrm>
           <a:prstGeom prst="rect">
@@ -10887,7 +10992,7 @@
         </p:nvSpPr>
         <p:spPr>
           <a:xfrm>
-            <a:off x="3483266" y="4808138"/>
+            <a:off x="3959196" y="6594727"/>
             <a:ext cx="404278" cy="318229"/>
           </a:xfrm>
           <a:prstGeom prst="rect">
@@ -10922,7 +11027,7 @@
         </p:nvSpPr>
         <p:spPr>
           <a:xfrm>
-            <a:off x="3188750" y="1985200"/>
+            <a:off x="4920712" y="4325175"/>
             <a:ext cx="3360215" cy="253916"/>
           </a:xfrm>
           <a:prstGeom prst="rect">
@@ -10963,7 +11068,7 @@
 <file path=ppt/theme/theme1.xml><?xml version="1.0" encoding="utf-8"?>
 <a:theme xmlns:a="http://schemas.openxmlformats.org/drawingml/2006/main" name="Office Theme">
   <a:themeElements>
-    <a:clrScheme name="Office 主题​​">
+    <a:clrScheme name="Office Theme">
       <a:dk1>
         <a:sysClr val="windowText" lastClr="000000"/>
       </a:dk1>
@@ -11001,7 +11106,7 @@
         <a:srgbClr val="954F72"/>
       </a:folHlink>
     </a:clrScheme>
-    <a:fontScheme name="Office 主题​​">
+    <a:fontScheme name="Office Theme">
       <a:majorFont>
         <a:latin typeface="Calibri Light" panose="020F0302020204030204"/>
         <a:ea typeface=""/>
@@ -11073,7 +11178,7 @@
         <a:font script="Geor" typeface="Sylfaen"/>
       </a:minorFont>
     </a:fontScheme>
-    <a:fmtScheme name="Office 主题​​">
+    <a:fmtScheme name="Office Theme">
       <a:fillStyleLst>
         <a:solidFill>
           <a:schemeClr val="phClr"/>
